--- a/PHP.pptx
+++ b/PHP.pptx
@@ -5,10 +5,10 @@
     <p:sldMasterId id="2147483648" r:id="rId1"/>
   </p:sldMasterIdLst>
   <p:notesMasterIdLst>
-    <p:notesMasterId r:id="rId44"/>
+    <p:notesMasterId r:id="rId45"/>
   </p:notesMasterIdLst>
   <p:handoutMasterIdLst>
-    <p:handoutMasterId r:id="rId45"/>
+    <p:handoutMasterId r:id="rId46"/>
   </p:handoutMasterIdLst>
   <p:sldIdLst>
     <p:sldId id="256" r:id="rId2"/>
@@ -53,6 +53,7 @@
     <p:sldId id="295" r:id="rId41"/>
     <p:sldId id="297" r:id="rId42"/>
     <p:sldId id="298" r:id="rId43"/>
+    <p:sldId id="299" r:id="rId44"/>
   </p:sldIdLst>
   <p:sldSz cx="9144000" cy="6858000" type="screen4x3"/>
   <p:notesSz cx="6858000" cy="9144000"/>
@@ -240,7 +241,7 @@
           <a:p>
             <a:fld id="{950F29D4-E38B-44B0-A1AA-770C7B2D7D61}" type="datetimeFigureOut">
               <a:rPr lang="en-US" smtClean="0"/>
-              <a:t>12/29/2015</a:t>
+              <a:t>1/4/2016</a:t>
             </a:fld>
             <a:endParaRPr lang="en-US"/>
           </a:p>
@@ -410,7 +411,7 @@
           <a:p>
             <a:fld id="{AFA48A69-FB40-446B-896D-09BD6F1A57F8}" type="datetimeFigureOut">
               <a:rPr lang="en-US" smtClean="0"/>
-              <a:t>12/29/2015</a:t>
+              <a:t>1/4/2016</a:t>
             </a:fld>
             <a:endParaRPr lang="en-US"/>
           </a:p>
@@ -4955,7 +4956,7 @@
           <a:p>
             <a:fld id="{2EBD71A0-751B-41AC-9C34-83ECB9EAA3A4}" type="datetime1">
               <a:rPr lang="en-US" smtClean="0"/>
-              <a:t>12/29/2015</a:t>
+              <a:t>1/4/2016</a:t>
             </a:fld>
             <a:endParaRPr lang="en-US" dirty="0"/>
           </a:p>
@@ -5136,7 +5137,7 @@
           <a:p>
             <a:fld id="{F967D3BD-405E-42D2-B6B6-C663B2B084BD}" type="datetime1">
               <a:rPr lang="en-US" smtClean="0"/>
-              <a:t>12/29/2015</a:t>
+              <a:t>1/4/2016</a:t>
             </a:fld>
             <a:endParaRPr lang="en-US"/>
           </a:p>
@@ -5320,7 +5321,7 @@
           <a:p>
             <a:fld id="{3818F414-B276-4BFD-A979-EE5B3A55E6B6}" type="datetime1">
               <a:rPr lang="en-US" smtClean="0"/>
-              <a:t>12/29/2015</a:t>
+              <a:t>1/4/2016</a:t>
             </a:fld>
             <a:endParaRPr lang="en-US"/>
           </a:p>
@@ -5502,7 +5503,7 @@
           <a:p>
             <a:fld id="{8061A8BA-F01F-4FDA-B1AB-79EA6C2D3C2F}" type="datetime1">
               <a:rPr lang="en-US" smtClean="0"/>
-              <a:t>12/29/2015</a:t>
+              <a:t>1/4/2016</a:t>
             </a:fld>
             <a:endParaRPr lang="en-US"/>
           </a:p>
@@ -5752,7 +5753,7 @@
           <a:p>
             <a:fld id="{7589CACF-C62E-4922-B9E6-A1041AF7AC9B}" type="datetime1">
               <a:rPr lang="en-US" smtClean="0"/>
-              <a:t>12/29/2015</a:t>
+              <a:t>1/4/2016</a:t>
             </a:fld>
             <a:endParaRPr lang="en-US"/>
           </a:p>
@@ -6044,7 +6045,7 @@
           <a:p>
             <a:fld id="{BD592CE2-4021-4E5F-A485-1BAE3D9B6351}" type="datetime1">
               <a:rPr lang="en-US" smtClean="0"/>
-              <a:t>12/29/2015</a:t>
+              <a:t>1/4/2016</a:t>
             </a:fld>
             <a:endParaRPr lang="en-US"/>
           </a:p>
@@ -6470,7 +6471,7 @@
           <a:p>
             <a:fld id="{DE956A41-551B-4249-A153-7056A160D38D}" type="datetime1">
               <a:rPr lang="en-US" smtClean="0"/>
-              <a:t>12/29/2015</a:t>
+              <a:t>1/4/2016</a:t>
             </a:fld>
             <a:endParaRPr lang="en-US"/>
           </a:p>
@@ -6592,7 +6593,7 @@
           <a:p>
             <a:fld id="{21AD11B8-B007-4320-AC1C-52056544EAC6}" type="datetime1">
               <a:rPr lang="en-US" smtClean="0"/>
-              <a:t>12/29/2015</a:t>
+              <a:t>1/4/2016</a:t>
             </a:fld>
             <a:endParaRPr lang="en-US"/>
           </a:p>
@@ -6691,7 +6692,7 @@
           <a:p>
             <a:fld id="{6E922922-3B64-493E-8ACC-AEF396CC7C53}" type="datetime1">
               <a:rPr lang="en-US" smtClean="0"/>
-              <a:t>12/29/2015</a:t>
+              <a:t>1/4/2016</a:t>
             </a:fld>
             <a:endParaRPr lang="en-US"/>
           </a:p>
@@ -6972,7 +6973,7 @@
           <a:p>
             <a:fld id="{8A566B5C-8AA9-4138-A923-569C4B97646C}" type="datetime1">
               <a:rPr lang="en-US" smtClean="0"/>
-              <a:t>12/29/2015</a:t>
+              <a:t>1/4/2016</a:t>
             </a:fld>
             <a:endParaRPr lang="en-US"/>
           </a:p>
@@ -7229,7 +7230,7 @@
           <a:p>
             <a:fld id="{F3657658-7159-4B75-AF0F-B3A4ACB35E74}" type="datetime1">
               <a:rPr lang="en-US" smtClean="0"/>
-              <a:t>12/29/2015</a:t>
+              <a:t>1/4/2016</a:t>
             </a:fld>
             <a:endParaRPr lang="en-US"/>
           </a:p>
@@ -7446,7 +7447,7 @@
           <a:p>
             <a:fld id="{EFF193CA-8151-4CFA-950D-A780AB853FE1}" type="datetime1">
               <a:rPr lang="en-US" smtClean="0"/>
-              <a:t>12/29/2015</a:t>
+              <a:t>1/4/2016</a:t>
             </a:fld>
             <a:endParaRPr lang="en-US"/>
           </a:p>
@@ -7927,7 +7928,7 @@
           <a:p>
             <a:fld id="{19A30DE0-E9BF-4910-A58E-72E5BFE1842A}" type="datetime1">
               <a:rPr lang="en-US" smtClean="0"/>
-              <a:t>12/29/2015</a:t>
+              <a:t>1/4/2016</a:t>
             </a:fld>
             <a:endParaRPr lang="en-US" dirty="0"/>
           </a:p>
@@ -8209,7 +8210,7 @@
           <a:p>
             <a:fld id="{8061A8BA-F01F-4FDA-B1AB-79EA6C2D3C2F}" type="datetime1">
               <a:rPr lang="en-US" smtClean="0"/>
-              <a:t>12/29/2015</a:t>
+              <a:t>1/4/2016</a:t>
             </a:fld>
             <a:endParaRPr lang="en-US"/>
           </a:p>
@@ -8451,7 +8452,7 @@
           <a:p>
             <a:fld id="{8061A8BA-F01F-4FDA-B1AB-79EA6C2D3C2F}" type="datetime1">
               <a:rPr lang="en-US" smtClean="0"/>
-              <a:t>12/29/2015</a:t>
+              <a:t>1/4/2016</a:t>
             </a:fld>
             <a:endParaRPr lang="en-US"/>
           </a:p>
@@ -8658,7 +8659,7 @@
           <a:p>
             <a:fld id="{8061A8BA-F01F-4FDA-B1AB-79EA6C2D3C2F}" type="datetime1">
               <a:rPr lang="en-US" smtClean="0"/>
-              <a:t>12/29/2015</a:t>
+              <a:t>1/4/2016</a:t>
             </a:fld>
             <a:endParaRPr lang="en-US"/>
           </a:p>
@@ -8962,7 +8963,7 @@
           <a:p>
             <a:fld id="{8061A8BA-F01F-4FDA-B1AB-79EA6C2D3C2F}" type="datetime1">
               <a:rPr lang="en-US" smtClean="0"/>
-              <a:t>12/29/2015</a:t>
+              <a:t>1/4/2016</a:t>
             </a:fld>
             <a:endParaRPr lang="en-US"/>
           </a:p>
@@ -9222,7 +9223,7 @@
           <a:p>
             <a:fld id="{8061A8BA-F01F-4FDA-B1AB-79EA6C2D3C2F}" type="datetime1">
               <a:rPr lang="en-US" smtClean="0"/>
-              <a:t>12/29/2015</a:t>
+              <a:t>1/4/2016</a:t>
             </a:fld>
             <a:endParaRPr lang="en-US"/>
           </a:p>
@@ -9470,7 +9471,7 @@
           <a:p>
             <a:fld id="{8061A8BA-F01F-4FDA-B1AB-79EA6C2D3C2F}" type="datetime1">
               <a:rPr lang="en-US" smtClean="0"/>
-              <a:t>12/29/2015</a:t>
+              <a:t>1/4/2016</a:t>
             </a:fld>
             <a:endParaRPr lang="en-US"/>
           </a:p>
@@ -9635,7 +9636,7 @@
           <a:p>
             <a:fld id="{8061A8BA-F01F-4FDA-B1AB-79EA6C2D3C2F}" type="datetime1">
               <a:rPr lang="en-US" smtClean="0"/>
-              <a:t>12/29/2015</a:t>
+              <a:t>1/4/2016</a:t>
             </a:fld>
             <a:endParaRPr lang="en-US"/>
           </a:p>
@@ -12365,7 +12366,7 @@
           <a:p>
             <a:fld id="{8061A8BA-F01F-4FDA-B1AB-79EA6C2D3C2F}" type="datetime1">
               <a:rPr lang="en-US" smtClean="0"/>
-              <a:t>12/29/2015</a:t>
+              <a:t>1/4/2016</a:t>
             </a:fld>
             <a:endParaRPr lang="en-US"/>
           </a:p>
@@ -13470,7 +13471,7 @@
           <a:p>
             <a:fld id="{8061A8BA-F01F-4FDA-B1AB-79EA6C2D3C2F}" type="datetime1">
               <a:rPr lang="en-US" smtClean="0"/>
-              <a:t>12/29/2015</a:t>
+              <a:t>1/4/2016</a:t>
             </a:fld>
             <a:endParaRPr lang="en-US"/>
           </a:p>
@@ -15122,7 +15123,7 @@
           <a:p>
             <a:fld id="{8061A8BA-F01F-4FDA-B1AB-79EA6C2D3C2F}" type="datetime1">
               <a:rPr lang="en-US" smtClean="0"/>
-              <a:t>12/29/2015</a:t>
+              <a:t>1/4/2016</a:t>
             </a:fld>
             <a:endParaRPr lang="en-US"/>
           </a:p>
@@ -15352,7 +15353,7 @@
           <a:p>
             <a:fld id="{2B854A95-5E71-469B-A60C-66F942B68C63}" type="datetime1">
               <a:rPr lang="en-US" smtClean="0"/>
-              <a:t>12/29/2015</a:t>
+              <a:t>1/4/2016</a:t>
             </a:fld>
             <a:endParaRPr lang="en-US"/>
           </a:p>
@@ -15653,7 +15654,7 @@
           <a:p>
             <a:fld id="{8061A8BA-F01F-4FDA-B1AB-79EA6C2D3C2F}" type="datetime1">
               <a:rPr lang="en-US" smtClean="0"/>
-              <a:t>12/29/2015</a:t>
+              <a:t>1/4/2016</a:t>
             </a:fld>
             <a:endParaRPr lang="en-US"/>
           </a:p>
@@ -15914,7 +15915,7 @@
           <a:p>
             <a:fld id="{8061A8BA-F01F-4FDA-B1AB-79EA6C2D3C2F}" type="datetime1">
               <a:rPr lang="en-US" smtClean="0"/>
-              <a:t>12/29/2015</a:t>
+              <a:t>1/4/2016</a:t>
             </a:fld>
             <a:endParaRPr lang="en-US"/>
           </a:p>
@@ -16211,7 +16212,7 @@
           <a:p>
             <a:fld id="{8061A8BA-F01F-4FDA-B1AB-79EA6C2D3C2F}" type="datetime1">
               <a:rPr lang="en-US" smtClean="0"/>
-              <a:t>12/29/2015</a:t>
+              <a:t>1/4/2016</a:t>
             </a:fld>
             <a:endParaRPr lang="en-US"/>
           </a:p>
@@ -16384,7 +16385,7 @@
           <a:p>
             <a:fld id="{8061A8BA-F01F-4FDA-B1AB-79EA6C2D3C2F}" type="datetime1">
               <a:rPr lang="en-US" smtClean="0"/>
-              <a:t>12/29/2015</a:t>
+              <a:t>1/4/2016</a:t>
             </a:fld>
             <a:endParaRPr lang="en-US"/>
           </a:p>
@@ -16608,7 +16609,7 @@
           <a:p>
             <a:fld id="{8061A8BA-F01F-4FDA-B1AB-79EA6C2D3C2F}" type="datetime1">
               <a:rPr lang="en-US" smtClean="0"/>
-              <a:t>12/29/2015</a:t>
+              <a:t>1/4/2016</a:t>
             </a:fld>
             <a:endParaRPr lang="en-US"/>
           </a:p>
@@ -16820,7 +16821,7 @@
           <a:p>
             <a:fld id="{8061A8BA-F01F-4FDA-B1AB-79EA6C2D3C2F}" type="datetime1">
               <a:rPr lang="en-US" smtClean="0"/>
-              <a:t>12/29/2015</a:t>
+              <a:t>1/4/2016</a:t>
             </a:fld>
             <a:endParaRPr lang="en-US"/>
           </a:p>
@@ -17032,7 +17033,7 @@
           <a:p>
             <a:fld id="{8061A8BA-F01F-4FDA-B1AB-79EA6C2D3C2F}" type="datetime1">
               <a:rPr lang="en-US" smtClean="0"/>
-              <a:t>12/29/2015</a:t>
+              <a:t>1/4/2016</a:t>
             </a:fld>
             <a:endParaRPr lang="en-US"/>
           </a:p>
@@ -17235,7 +17236,7 @@
           <a:p>
             <a:fld id="{8061A8BA-F01F-4FDA-B1AB-79EA6C2D3C2F}" type="datetime1">
               <a:rPr lang="en-US" smtClean="0"/>
-              <a:t>12/29/2015</a:t>
+              <a:t>1/4/2016</a:t>
             </a:fld>
             <a:endParaRPr lang="en-US"/>
           </a:p>
@@ -17456,7 +17457,7 @@
           <a:p>
             <a:fld id="{8061A8BA-F01F-4FDA-B1AB-79EA6C2D3C2F}" type="datetime1">
               <a:rPr lang="en-US" smtClean="0"/>
-              <a:t>12/29/2015</a:t>
+              <a:t>1/4/2016</a:t>
             </a:fld>
             <a:endParaRPr lang="en-US"/>
           </a:p>
@@ -17673,7 +17674,7 @@
           <a:p>
             <a:fld id="{8061A8BA-F01F-4FDA-B1AB-79EA6C2D3C2F}" type="datetime1">
               <a:rPr lang="en-US" smtClean="0"/>
-              <a:t>12/29/2015</a:t>
+              <a:t>1/4/2016</a:t>
             </a:fld>
             <a:endParaRPr lang="en-US"/>
           </a:p>
@@ -17844,7 +17845,7 @@
           <a:p>
             <a:fld id="{8061A8BA-F01F-4FDA-B1AB-79EA6C2D3C2F}" type="datetime1">
               <a:rPr lang="en-US" smtClean="0"/>
-              <a:t>12/29/2015</a:t>
+              <a:t>1/4/2016</a:t>
             </a:fld>
             <a:endParaRPr lang="en-US"/>
           </a:p>
@@ -18198,7 +18199,7 @@
           <a:p>
             <a:fld id="{8061A8BA-F01F-4FDA-B1AB-79EA6C2D3C2F}" type="datetime1">
               <a:rPr lang="en-US" smtClean="0"/>
-              <a:t>12/29/2015</a:t>
+              <a:t>1/4/2016</a:t>
             </a:fld>
             <a:endParaRPr lang="en-US"/>
           </a:p>
@@ -18470,7 +18471,7 @@
           <a:p>
             <a:fld id="{8061A8BA-F01F-4FDA-B1AB-79EA6C2D3C2F}" type="datetime1">
               <a:rPr lang="en-US" smtClean="0"/>
-              <a:t>12/29/2015</a:t>
+              <a:t>1/4/2016</a:t>
             </a:fld>
             <a:endParaRPr lang="en-US"/>
           </a:p>
@@ -18680,7 +18681,7 @@
           <a:p>
             <a:fld id="{8061A8BA-F01F-4FDA-B1AB-79EA6C2D3C2F}" type="datetime1">
               <a:rPr lang="en-US" smtClean="0"/>
-              <a:t>12/29/2015</a:t>
+              <a:t>1/4/2016</a:t>
             </a:fld>
             <a:endParaRPr lang="en-US"/>
           </a:p>
@@ -18896,7 +18897,7 @@
           <a:p>
             <a:fld id="{8061A8BA-F01F-4FDA-B1AB-79EA6C2D3C2F}" type="datetime1">
               <a:rPr lang="en-US" smtClean="0"/>
-              <a:t>12/29/2015</a:t>
+              <a:t>1/4/2016</a:t>
             </a:fld>
             <a:endParaRPr lang="en-US"/>
           </a:p>
@@ -19167,7 +19168,7 @@
           <a:p>
             <a:fld id="{8061A8BA-F01F-4FDA-B1AB-79EA6C2D3C2F}" type="datetime1">
               <a:rPr lang="en-US" smtClean="0"/>
-              <a:t>12/29/2015</a:t>
+              <a:t>1/4/2016</a:t>
             </a:fld>
             <a:endParaRPr lang="en-US"/>
           </a:p>
@@ -19415,7 +19416,7 @@
           <a:p>
             <a:fld id="{8061A8BA-F01F-4FDA-B1AB-79EA6C2D3C2F}" type="datetime1">
               <a:rPr lang="en-US" smtClean="0"/>
-              <a:t>12/29/2015</a:t>
+              <a:t>1/4/2016</a:t>
             </a:fld>
             <a:endParaRPr lang="en-US"/>
           </a:p>
@@ -19581,10 +19582,6 @@
               <a:rPr lang="en-US" dirty="0"/>
               <a:t>$age = array("Peter"=&gt;"35", "Ben"=&gt;"37", "Joe"=&gt;"43");</a:t>
             </a:r>
-            <a:r>
-              <a:rPr lang="en-US" dirty="0"/>
-              <a:t/>
-            </a:r>
             <a:br>
               <a:rPr lang="en-US" dirty="0"/>
             </a:br>
@@ -19592,10 +19589,6 @@
               <a:rPr lang="en-US" dirty="0"/>
               <a:t>echo "Peter is " . $age['Peter'] . " years old.";</a:t>
             </a:r>
-            <a:r>
-              <a:rPr lang="en-US" dirty="0"/>
-              <a:t/>
-            </a:r>
             <a:br>
               <a:rPr lang="en-US" dirty="0"/>
             </a:br>
@@ -19607,11 +19600,6 @@
               </a:rPr>
               <a:t>?&gt;</a:t>
             </a:r>
-            <a:endParaRPr lang="en-US" b="1" dirty="0">
-              <a:solidFill>
-                <a:schemeClr val="tx2"/>
-              </a:solidFill>
-            </a:endParaRPr>
           </a:p>
         </p:txBody>
       </p:sp>
@@ -19632,7 +19620,7 @@
           <a:p>
             <a:fld id="{8061A8BA-F01F-4FDA-B1AB-79EA6C2D3C2F}" type="datetime1">
               <a:rPr lang="en-US" smtClean="0"/>
-              <a:t>12/29/2015</a:t>
+              <a:t>1/4/2016</a:t>
             </a:fld>
             <a:endParaRPr lang="en-US"/>
           </a:p>
@@ -19875,7 +19863,7 @@
           <a:p>
             <a:fld id="{8061A8BA-F01F-4FDA-B1AB-79EA6C2D3C2F}" type="datetime1">
               <a:rPr lang="en-US" smtClean="0"/>
-              <a:t>12/29/2015</a:t>
+              <a:t>1/4/2016</a:t>
             </a:fld>
             <a:endParaRPr lang="en-US"/>
           </a:p>
@@ -20097,7 +20085,7 @@
           <a:p>
             <a:fld id="{8061A8BA-F01F-4FDA-B1AB-79EA6C2D3C2F}" type="datetime1">
               <a:rPr lang="en-US" smtClean="0"/>
-              <a:t>12/29/2015</a:t>
+              <a:t>1/4/2016</a:t>
             </a:fld>
             <a:endParaRPr lang="en-US"/>
           </a:p>
@@ -20247,20 +20235,12 @@
               <a:rPr lang="en-US" dirty="0"/>
               <a:t>&lt;html&gt;</a:t>
             </a:r>
-            <a:r>
-              <a:rPr lang="en-US" dirty="0"/>
-              <a:t/>
-            </a:r>
             <a:br>
               <a:rPr lang="en-US" dirty="0"/>
             </a:br>
             <a:r>
               <a:rPr lang="en-US" dirty="0"/>
               <a:t>&lt;body&gt;</a:t>
-            </a:r>
-            <a:r>
-              <a:rPr lang="en-US" dirty="0"/>
-              <a:t/>
             </a:r>
             <a:br>
               <a:rPr lang="en-US" dirty="0"/>
@@ -20292,10 +20272,6 @@
               <a:rPr lang="en-US" dirty="0"/>
               <a:t>&gt;</a:t>
             </a:r>
-            <a:r>
-              <a:rPr lang="en-US" dirty="0"/>
-              <a:t/>
-            </a:r>
             <a:br>
               <a:rPr lang="en-US" dirty="0"/>
             </a:br>
@@ -20311,6 +20287,9 @@
               <a:rPr lang="en-US" dirty="0"/>
               <a:t> echo $_GET["email"]; ?&gt;</a:t>
             </a:r>
+            <a:br>
+              <a:rPr lang="en-US" dirty="0"/>
+            </a:br>
             <a:r>
               <a:rPr lang="en-US" dirty="0"/>
               <a:t/>
@@ -20320,27 +20299,15 @@
             </a:br>
             <a:r>
               <a:rPr lang="en-US" dirty="0"/>
-              <a:t/>
+              <a:t>&lt;/body&gt;</a:t>
             </a:r>
             <a:br>
               <a:rPr lang="en-US" dirty="0"/>
             </a:br>
             <a:r>
               <a:rPr lang="en-US" dirty="0"/>
-              <a:t>&lt;/body&gt;</a:t>
-            </a:r>
-            <a:r>
-              <a:rPr lang="en-US" dirty="0"/>
-              <a:t/>
-            </a:r>
-            <a:br>
-              <a:rPr lang="en-US" dirty="0"/>
-            </a:br>
-            <a:r>
-              <a:rPr lang="en-US" dirty="0"/>
               <a:t>&lt;/html&gt;</a:t>
             </a:r>
-            <a:endParaRPr lang="en-US" dirty="0"/>
           </a:p>
         </p:txBody>
       </p:sp>
@@ -20361,7 +20328,7 @@
           <a:p>
             <a:fld id="{8061A8BA-F01F-4FDA-B1AB-79EA6C2D3C2F}" type="datetime1">
               <a:rPr lang="en-US" smtClean="0"/>
-              <a:t>12/29/2015</a:t>
+              <a:t>1/4/2016</a:t>
             </a:fld>
             <a:endParaRPr lang="en-US"/>
           </a:p>
@@ -20925,7 +20892,7 @@
           <a:p>
             <a:fld id="{8061A8BA-F01F-4FDA-B1AB-79EA6C2D3C2F}" type="datetime1">
               <a:rPr lang="en-US" smtClean="0"/>
-              <a:t>12/29/2015</a:t>
+              <a:t>1/4/2016</a:t>
             </a:fld>
             <a:endParaRPr lang="en-US"/>
           </a:p>
@@ -21073,7 +21040,7 @@
           <a:p>
             <a:fld id="{8061A8BA-F01F-4FDA-B1AB-79EA6C2D3C2F}" type="datetime1">
               <a:rPr lang="en-US" smtClean="0"/>
-              <a:t>12/29/2015</a:t>
+              <a:t>1/4/2016</a:t>
             </a:fld>
             <a:endParaRPr lang="en-US"/>
           </a:p>
@@ -21385,7 +21352,7 @@
           <a:p>
             <a:fld id="{8061A8BA-F01F-4FDA-B1AB-79EA6C2D3C2F}" type="datetime1">
               <a:rPr lang="en-US" smtClean="0"/>
-              <a:t>12/29/2015</a:t>
+              <a:t>1/4/2016</a:t>
             </a:fld>
             <a:endParaRPr lang="en-US"/>
           </a:p>
@@ -21486,7 +21453,6 @@
               <a:rPr lang="en-US" dirty="0"/>
               <a:t>$_SERVER["PHP_SELF"]</a:t>
             </a:r>
-            <a:endParaRPr lang="en-US" dirty="0"/>
           </a:p>
         </p:txBody>
       </p:sp>
@@ -21826,7 +21792,7 @@
           <a:p>
             <a:fld id="{8061A8BA-F01F-4FDA-B1AB-79EA6C2D3C2F}" type="datetime1">
               <a:rPr lang="en-US" smtClean="0"/>
-              <a:t>12/29/2015</a:t>
+              <a:t>1/4/2016</a:t>
             </a:fld>
             <a:endParaRPr lang="en-US"/>
           </a:p>
@@ -21882,6 +21848,147 @@
     <p:extLst>
       <p:ext uri="{BB962C8B-B14F-4D97-AF65-F5344CB8AC3E}">
         <p14:creationId xmlns:p14="http://schemas.microsoft.com/office/powerpoint/2010/main" val="1537398592"/>
+      </p:ext>
+    </p:extLst>
+  </p:cSld>
+  <p:clrMapOvr>
+    <a:masterClrMapping/>
+  </p:clrMapOvr>
+</p:sld>
+</file>
+
+<file path=ppt/slides/slide43.xml><?xml version="1.0" encoding="utf-8"?>
+<p:sld xmlns:a="http://schemas.openxmlformats.org/drawingml/2006/main" xmlns:r="http://schemas.openxmlformats.org/officeDocument/2006/relationships" xmlns:p="http://schemas.openxmlformats.org/presentationml/2006/main">
+  <p:cSld>
+    <p:spTree>
+      <p:nvGrpSpPr>
+        <p:cNvPr id="1" name=""/>
+        <p:cNvGrpSpPr/>
+        <p:nvPr/>
+      </p:nvGrpSpPr>
+      <p:grpSpPr>
+        <a:xfrm>
+          <a:off x="0" y="0"/>
+          <a:ext cx="0" cy="0"/>
+          <a:chOff x="0" y="0"/>
+          <a:chExt cx="0" cy="0"/>
+        </a:xfrm>
+      </p:grpSpPr>
+      <p:sp>
+        <p:nvSpPr>
+          <p:cNvPr id="2" name="Title 1"/>
+          <p:cNvSpPr>
+            <a:spLocks noGrp="1"/>
+          </p:cNvSpPr>
+          <p:nvPr>
+            <p:ph type="title"/>
+          </p:nvPr>
+        </p:nvSpPr>
+        <p:spPr/>
+        <p:txBody>
+          <a:bodyPr/>
+          <a:lstStyle/>
+          <a:p>
+            <a:r>
+              <a:rPr lang="en-US" smtClean="0"/>
+              <a:t>abc</a:t>
+            </a:r>
+            <a:endParaRPr lang="en-US"/>
+          </a:p>
+        </p:txBody>
+      </p:sp>
+      <p:sp>
+        <p:nvSpPr>
+          <p:cNvPr id="3" name="Content Placeholder 2"/>
+          <p:cNvSpPr>
+            <a:spLocks noGrp="1"/>
+          </p:cNvSpPr>
+          <p:nvPr>
+            <p:ph idx="1"/>
+          </p:nvPr>
+        </p:nvSpPr>
+        <p:spPr/>
+        <p:txBody>
+          <a:bodyPr/>
+          <a:lstStyle/>
+          <a:p>
+            <a:endParaRPr lang="en-US"/>
+          </a:p>
+        </p:txBody>
+      </p:sp>
+      <p:sp>
+        <p:nvSpPr>
+          <p:cNvPr id="4" name="Date Placeholder 3"/>
+          <p:cNvSpPr>
+            <a:spLocks noGrp="1"/>
+          </p:cNvSpPr>
+          <p:nvPr>
+            <p:ph type="dt" sz="half" idx="10"/>
+          </p:nvPr>
+        </p:nvSpPr>
+        <p:spPr/>
+        <p:txBody>
+          <a:bodyPr/>
+          <a:lstStyle/>
+          <a:p>
+            <a:fld id="{8061A8BA-F01F-4FDA-B1AB-79EA6C2D3C2F}" type="datetime1">
+              <a:rPr lang="en-US" smtClean="0"/>
+              <a:t>1/4/2016</a:t>
+            </a:fld>
+            <a:endParaRPr lang="en-US"/>
+          </a:p>
+        </p:txBody>
+      </p:sp>
+      <p:sp>
+        <p:nvSpPr>
+          <p:cNvPr id="5" name="Footer Placeholder 4"/>
+          <p:cNvSpPr>
+            <a:spLocks noGrp="1"/>
+          </p:cNvSpPr>
+          <p:nvPr>
+            <p:ph type="ftr" sz="quarter" idx="11"/>
+          </p:nvPr>
+        </p:nvSpPr>
+        <p:spPr/>
+        <p:txBody>
+          <a:bodyPr/>
+          <a:lstStyle/>
+          <a:p>
+            <a:r>
+              <a:rPr lang="en-US" smtClean="0"/>
+              <a:t>Edited by Phạm Linh Huy</a:t>
+            </a:r>
+            <a:endParaRPr lang="en-US" dirty="0"/>
+          </a:p>
+        </p:txBody>
+      </p:sp>
+      <p:sp>
+        <p:nvSpPr>
+          <p:cNvPr id="6" name="Slide Number Placeholder 5"/>
+          <p:cNvSpPr>
+            <a:spLocks noGrp="1"/>
+          </p:cNvSpPr>
+          <p:nvPr>
+            <p:ph type="sldNum" sz="quarter" idx="12"/>
+          </p:nvPr>
+        </p:nvSpPr>
+        <p:spPr/>
+        <p:txBody>
+          <a:bodyPr/>
+          <a:lstStyle/>
+          <a:p>
+            <a:fld id="{6CB5AA68-9AC4-4281-94D7-C40BEFF93EC5}" type="slidenum">
+              <a:rPr lang="en-US" smtClean="0"/>
+              <a:t>43</a:t>
+            </a:fld>
+            <a:endParaRPr lang="en-US"/>
+          </a:p>
+        </p:txBody>
+      </p:sp>
+    </p:spTree>
+    <p:extLst>
+      <p:ext uri="{BB962C8B-B14F-4D97-AF65-F5344CB8AC3E}">
+        <p14:creationId xmlns:p14="http://schemas.microsoft.com/office/powerpoint/2010/main" val="3981520724"/>
       </p:ext>
     </p:extLst>
   </p:cSld>
@@ -22338,7 +22445,7 @@
           <a:p>
             <a:fld id="{8061A8BA-F01F-4FDA-B1AB-79EA6C2D3C2F}" type="datetime1">
               <a:rPr lang="en-US" smtClean="0"/>
-              <a:t>12/29/2015</a:t>
+              <a:t>1/4/2016</a:t>
             </a:fld>
             <a:endParaRPr lang="en-US"/>
           </a:p>
@@ -22499,7 +22606,7 @@
           <a:p>
             <a:fld id="{8061A8BA-F01F-4FDA-B1AB-79EA6C2D3C2F}" type="datetime1">
               <a:rPr lang="en-US" smtClean="0"/>
-              <a:t>12/29/2015</a:t>
+              <a:t>1/4/2016</a:t>
             </a:fld>
             <a:endParaRPr lang="en-US"/>
           </a:p>
@@ -22837,7 +22944,7 @@
           <a:p>
             <a:fld id="{8061A8BA-F01F-4FDA-B1AB-79EA6C2D3C2F}" type="datetime1">
               <a:rPr lang="en-US" smtClean="0"/>
-              <a:t>12/29/2015</a:t>
+              <a:t>1/4/2016</a:t>
             </a:fld>
             <a:endParaRPr lang="en-US"/>
           </a:p>
@@ -23034,7 +23141,7 @@
           <a:p>
             <a:fld id="{8061A8BA-F01F-4FDA-B1AB-79EA6C2D3C2F}" type="datetime1">
               <a:rPr lang="en-US" smtClean="0"/>
-              <a:t>12/29/2015</a:t>
+              <a:t>1/4/2016</a:t>
             </a:fld>
             <a:endParaRPr lang="en-US"/>
           </a:p>
@@ -23464,7 +23571,7 @@
           <a:p>
             <a:fld id="{8061A8BA-F01F-4FDA-B1AB-79EA6C2D3C2F}" type="datetime1">
               <a:rPr lang="en-US" smtClean="0"/>
-              <a:t>12/29/2015</a:t>
+              <a:t>1/4/2016</a:t>
             </a:fld>
             <a:endParaRPr lang="en-US"/>
           </a:p>

--- a/PHP.pptx
+++ b/PHP.pptx
@@ -5,10 +5,10 @@
     <p:sldMasterId id="2147483648" r:id="rId1"/>
   </p:sldMasterIdLst>
   <p:notesMasterIdLst>
-    <p:notesMasterId r:id="rId45"/>
+    <p:notesMasterId r:id="rId44"/>
   </p:notesMasterIdLst>
   <p:handoutMasterIdLst>
-    <p:handoutMasterId r:id="rId46"/>
+    <p:handoutMasterId r:id="rId45"/>
   </p:handoutMasterIdLst>
   <p:sldIdLst>
     <p:sldId id="256" r:id="rId2"/>
@@ -53,7 +53,6 @@
     <p:sldId id="295" r:id="rId41"/>
     <p:sldId id="297" r:id="rId42"/>
     <p:sldId id="298" r:id="rId43"/>
-    <p:sldId id="299" r:id="rId44"/>
   </p:sldIdLst>
   <p:sldSz cx="9144000" cy="6858000" type="screen4x3"/>
   <p:notesSz cx="6858000" cy="9144000"/>
@@ -241,7 +240,7 @@
           <a:p>
             <a:fld id="{950F29D4-E38B-44B0-A1AA-770C7B2D7D61}" type="datetimeFigureOut">
               <a:rPr lang="en-US" smtClean="0"/>
-              <a:t>1/4/2016</a:t>
+              <a:t>1/5/2016</a:t>
             </a:fld>
             <a:endParaRPr lang="en-US"/>
           </a:p>
@@ -411,7 +410,7 @@
           <a:p>
             <a:fld id="{AFA48A69-FB40-446B-896D-09BD6F1A57F8}" type="datetimeFigureOut">
               <a:rPr lang="en-US" smtClean="0"/>
-              <a:t>1/4/2016</a:t>
+              <a:t>1/5/2016</a:t>
             </a:fld>
             <a:endParaRPr lang="en-US"/>
           </a:p>
@@ -4956,7 +4955,7 @@
           <a:p>
             <a:fld id="{2EBD71A0-751B-41AC-9C34-83ECB9EAA3A4}" type="datetime1">
               <a:rPr lang="en-US" smtClean="0"/>
-              <a:t>1/4/2016</a:t>
+              <a:t>1/5/2016</a:t>
             </a:fld>
             <a:endParaRPr lang="en-US" dirty="0"/>
           </a:p>
@@ -5137,7 +5136,7 @@
           <a:p>
             <a:fld id="{F967D3BD-405E-42D2-B6B6-C663B2B084BD}" type="datetime1">
               <a:rPr lang="en-US" smtClean="0"/>
-              <a:t>1/4/2016</a:t>
+              <a:t>1/5/2016</a:t>
             </a:fld>
             <a:endParaRPr lang="en-US"/>
           </a:p>
@@ -5321,7 +5320,7 @@
           <a:p>
             <a:fld id="{3818F414-B276-4BFD-A979-EE5B3A55E6B6}" type="datetime1">
               <a:rPr lang="en-US" smtClean="0"/>
-              <a:t>1/4/2016</a:t>
+              <a:t>1/5/2016</a:t>
             </a:fld>
             <a:endParaRPr lang="en-US"/>
           </a:p>
@@ -5503,7 +5502,7 @@
           <a:p>
             <a:fld id="{8061A8BA-F01F-4FDA-B1AB-79EA6C2D3C2F}" type="datetime1">
               <a:rPr lang="en-US" smtClean="0"/>
-              <a:t>1/4/2016</a:t>
+              <a:t>1/5/2016</a:t>
             </a:fld>
             <a:endParaRPr lang="en-US"/>
           </a:p>
@@ -5753,7 +5752,7 @@
           <a:p>
             <a:fld id="{7589CACF-C62E-4922-B9E6-A1041AF7AC9B}" type="datetime1">
               <a:rPr lang="en-US" smtClean="0"/>
-              <a:t>1/4/2016</a:t>
+              <a:t>1/5/2016</a:t>
             </a:fld>
             <a:endParaRPr lang="en-US"/>
           </a:p>
@@ -6045,7 +6044,7 @@
           <a:p>
             <a:fld id="{BD592CE2-4021-4E5F-A485-1BAE3D9B6351}" type="datetime1">
               <a:rPr lang="en-US" smtClean="0"/>
-              <a:t>1/4/2016</a:t>
+              <a:t>1/5/2016</a:t>
             </a:fld>
             <a:endParaRPr lang="en-US"/>
           </a:p>
@@ -6471,7 +6470,7 @@
           <a:p>
             <a:fld id="{DE956A41-551B-4249-A153-7056A160D38D}" type="datetime1">
               <a:rPr lang="en-US" smtClean="0"/>
-              <a:t>1/4/2016</a:t>
+              <a:t>1/5/2016</a:t>
             </a:fld>
             <a:endParaRPr lang="en-US"/>
           </a:p>
@@ -6593,7 +6592,7 @@
           <a:p>
             <a:fld id="{21AD11B8-B007-4320-AC1C-52056544EAC6}" type="datetime1">
               <a:rPr lang="en-US" smtClean="0"/>
-              <a:t>1/4/2016</a:t>
+              <a:t>1/5/2016</a:t>
             </a:fld>
             <a:endParaRPr lang="en-US"/>
           </a:p>
@@ -6692,7 +6691,7 @@
           <a:p>
             <a:fld id="{6E922922-3B64-493E-8ACC-AEF396CC7C53}" type="datetime1">
               <a:rPr lang="en-US" smtClean="0"/>
-              <a:t>1/4/2016</a:t>
+              <a:t>1/5/2016</a:t>
             </a:fld>
             <a:endParaRPr lang="en-US"/>
           </a:p>
@@ -6973,7 +6972,7 @@
           <a:p>
             <a:fld id="{8A566B5C-8AA9-4138-A923-569C4B97646C}" type="datetime1">
               <a:rPr lang="en-US" smtClean="0"/>
-              <a:t>1/4/2016</a:t>
+              <a:t>1/5/2016</a:t>
             </a:fld>
             <a:endParaRPr lang="en-US"/>
           </a:p>
@@ -7230,7 +7229,7 @@
           <a:p>
             <a:fld id="{F3657658-7159-4B75-AF0F-B3A4ACB35E74}" type="datetime1">
               <a:rPr lang="en-US" smtClean="0"/>
-              <a:t>1/4/2016</a:t>
+              <a:t>1/5/2016</a:t>
             </a:fld>
             <a:endParaRPr lang="en-US"/>
           </a:p>
@@ -7447,7 +7446,7 @@
           <a:p>
             <a:fld id="{EFF193CA-8151-4CFA-950D-A780AB853FE1}" type="datetime1">
               <a:rPr lang="en-US" smtClean="0"/>
-              <a:t>1/4/2016</a:t>
+              <a:t>1/5/2016</a:t>
             </a:fld>
             <a:endParaRPr lang="en-US"/>
           </a:p>
@@ -7928,7 +7927,7 @@
           <a:p>
             <a:fld id="{19A30DE0-E9BF-4910-A58E-72E5BFE1842A}" type="datetime1">
               <a:rPr lang="en-US" smtClean="0"/>
-              <a:t>1/4/2016</a:t>
+              <a:t>1/5/2016</a:t>
             </a:fld>
             <a:endParaRPr lang="en-US" dirty="0"/>
           </a:p>
@@ -8210,7 +8209,7 @@
           <a:p>
             <a:fld id="{8061A8BA-F01F-4FDA-B1AB-79EA6C2D3C2F}" type="datetime1">
               <a:rPr lang="en-US" smtClean="0"/>
-              <a:t>1/4/2016</a:t>
+              <a:t>1/5/2016</a:t>
             </a:fld>
             <a:endParaRPr lang="en-US"/>
           </a:p>
@@ -8452,7 +8451,7 @@
           <a:p>
             <a:fld id="{8061A8BA-F01F-4FDA-B1AB-79EA6C2D3C2F}" type="datetime1">
               <a:rPr lang="en-US" smtClean="0"/>
-              <a:t>1/4/2016</a:t>
+              <a:t>1/5/2016</a:t>
             </a:fld>
             <a:endParaRPr lang="en-US"/>
           </a:p>
@@ -8659,7 +8658,7 @@
           <a:p>
             <a:fld id="{8061A8BA-F01F-4FDA-B1AB-79EA6C2D3C2F}" type="datetime1">
               <a:rPr lang="en-US" smtClean="0"/>
-              <a:t>1/4/2016</a:t>
+              <a:t>1/5/2016</a:t>
             </a:fld>
             <a:endParaRPr lang="en-US"/>
           </a:p>
@@ -8963,7 +8962,7 @@
           <a:p>
             <a:fld id="{8061A8BA-F01F-4FDA-B1AB-79EA6C2D3C2F}" type="datetime1">
               <a:rPr lang="en-US" smtClean="0"/>
-              <a:t>1/4/2016</a:t>
+              <a:t>1/5/2016</a:t>
             </a:fld>
             <a:endParaRPr lang="en-US"/>
           </a:p>
@@ -9223,7 +9222,7 @@
           <a:p>
             <a:fld id="{8061A8BA-F01F-4FDA-B1AB-79EA6C2D3C2F}" type="datetime1">
               <a:rPr lang="en-US" smtClean="0"/>
-              <a:t>1/4/2016</a:t>
+              <a:t>1/5/2016</a:t>
             </a:fld>
             <a:endParaRPr lang="en-US"/>
           </a:p>
@@ -9471,7 +9470,7 @@
           <a:p>
             <a:fld id="{8061A8BA-F01F-4FDA-B1AB-79EA6C2D3C2F}" type="datetime1">
               <a:rPr lang="en-US" smtClean="0"/>
-              <a:t>1/4/2016</a:t>
+              <a:t>1/5/2016</a:t>
             </a:fld>
             <a:endParaRPr lang="en-US"/>
           </a:p>
@@ -9636,7 +9635,7 @@
           <a:p>
             <a:fld id="{8061A8BA-F01F-4FDA-B1AB-79EA6C2D3C2F}" type="datetime1">
               <a:rPr lang="en-US" smtClean="0"/>
-              <a:t>1/4/2016</a:t>
+              <a:t>1/5/2016</a:t>
             </a:fld>
             <a:endParaRPr lang="en-US"/>
           </a:p>
@@ -12366,7 +12365,7 @@
           <a:p>
             <a:fld id="{8061A8BA-F01F-4FDA-B1AB-79EA6C2D3C2F}" type="datetime1">
               <a:rPr lang="en-US" smtClean="0"/>
-              <a:t>1/4/2016</a:t>
+              <a:t>1/5/2016</a:t>
             </a:fld>
             <a:endParaRPr lang="en-US"/>
           </a:p>
@@ -13471,7 +13470,7 @@
           <a:p>
             <a:fld id="{8061A8BA-F01F-4FDA-B1AB-79EA6C2D3C2F}" type="datetime1">
               <a:rPr lang="en-US" smtClean="0"/>
-              <a:t>1/4/2016</a:t>
+              <a:t>1/5/2016</a:t>
             </a:fld>
             <a:endParaRPr lang="en-US"/>
           </a:p>
@@ -15123,7 +15122,7 @@
           <a:p>
             <a:fld id="{8061A8BA-F01F-4FDA-B1AB-79EA6C2D3C2F}" type="datetime1">
               <a:rPr lang="en-US" smtClean="0"/>
-              <a:t>1/4/2016</a:t>
+              <a:t>1/5/2016</a:t>
             </a:fld>
             <a:endParaRPr lang="en-US"/>
           </a:p>
@@ -15353,7 +15352,7 @@
           <a:p>
             <a:fld id="{2B854A95-5E71-469B-A60C-66F942B68C63}" type="datetime1">
               <a:rPr lang="en-US" smtClean="0"/>
-              <a:t>1/4/2016</a:t>
+              <a:t>1/5/2016</a:t>
             </a:fld>
             <a:endParaRPr lang="en-US"/>
           </a:p>
@@ -15654,7 +15653,7 @@
           <a:p>
             <a:fld id="{8061A8BA-F01F-4FDA-B1AB-79EA6C2D3C2F}" type="datetime1">
               <a:rPr lang="en-US" smtClean="0"/>
-              <a:t>1/4/2016</a:t>
+              <a:t>1/5/2016</a:t>
             </a:fld>
             <a:endParaRPr lang="en-US"/>
           </a:p>
@@ -15915,7 +15914,7 @@
           <a:p>
             <a:fld id="{8061A8BA-F01F-4FDA-B1AB-79EA6C2D3C2F}" type="datetime1">
               <a:rPr lang="en-US" smtClean="0"/>
-              <a:t>1/4/2016</a:t>
+              <a:t>1/5/2016</a:t>
             </a:fld>
             <a:endParaRPr lang="en-US"/>
           </a:p>
@@ -16212,7 +16211,7 @@
           <a:p>
             <a:fld id="{8061A8BA-F01F-4FDA-B1AB-79EA6C2D3C2F}" type="datetime1">
               <a:rPr lang="en-US" smtClean="0"/>
-              <a:t>1/4/2016</a:t>
+              <a:t>1/5/2016</a:t>
             </a:fld>
             <a:endParaRPr lang="en-US"/>
           </a:p>
@@ -16385,7 +16384,7 @@
           <a:p>
             <a:fld id="{8061A8BA-F01F-4FDA-B1AB-79EA6C2D3C2F}" type="datetime1">
               <a:rPr lang="en-US" smtClean="0"/>
-              <a:t>1/4/2016</a:t>
+              <a:t>1/5/2016</a:t>
             </a:fld>
             <a:endParaRPr lang="en-US"/>
           </a:p>
@@ -16609,7 +16608,7 @@
           <a:p>
             <a:fld id="{8061A8BA-F01F-4FDA-B1AB-79EA6C2D3C2F}" type="datetime1">
               <a:rPr lang="en-US" smtClean="0"/>
-              <a:t>1/4/2016</a:t>
+              <a:t>1/5/2016</a:t>
             </a:fld>
             <a:endParaRPr lang="en-US"/>
           </a:p>
@@ -16821,7 +16820,7 @@
           <a:p>
             <a:fld id="{8061A8BA-F01F-4FDA-B1AB-79EA6C2D3C2F}" type="datetime1">
               <a:rPr lang="en-US" smtClean="0"/>
-              <a:t>1/4/2016</a:t>
+              <a:t>1/5/2016</a:t>
             </a:fld>
             <a:endParaRPr lang="en-US"/>
           </a:p>
@@ -17033,7 +17032,7 @@
           <a:p>
             <a:fld id="{8061A8BA-F01F-4FDA-B1AB-79EA6C2D3C2F}" type="datetime1">
               <a:rPr lang="en-US" smtClean="0"/>
-              <a:t>1/4/2016</a:t>
+              <a:t>1/5/2016</a:t>
             </a:fld>
             <a:endParaRPr lang="en-US"/>
           </a:p>
@@ -17236,7 +17235,7 @@
           <a:p>
             <a:fld id="{8061A8BA-F01F-4FDA-B1AB-79EA6C2D3C2F}" type="datetime1">
               <a:rPr lang="en-US" smtClean="0"/>
-              <a:t>1/4/2016</a:t>
+              <a:t>1/5/2016</a:t>
             </a:fld>
             <a:endParaRPr lang="en-US"/>
           </a:p>
@@ -17457,7 +17456,7 @@
           <a:p>
             <a:fld id="{8061A8BA-F01F-4FDA-B1AB-79EA6C2D3C2F}" type="datetime1">
               <a:rPr lang="en-US" smtClean="0"/>
-              <a:t>1/4/2016</a:t>
+              <a:t>1/5/2016</a:t>
             </a:fld>
             <a:endParaRPr lang="en-US"/>
           </a:p>
@@ -17674,7 +17673,7 @@
           <a:p>
             <a:fld id="{8061A8BA-F01F-4FDA-B1AB-79EA6C2D3C2F}" type="datetime1">
               <a:rPr lang="en-US" smtClean="0"/>
-              <a:t>1/4/2016</a:t>
+              <a:t>1/5/2016</a:t>
             </a:fld>
             <a:endParaRPr lang="en-US"/>
           </a:p>
@@ -17845,7 +17844,7 @@
           <a:p>
             <a:fld id="{8061A8BA-F01F-4FDA-B1AB-79EA6C2D3C2F}" type="datetime1">
               <a:rPr lang="en-US" smtClean="0"/>
-              <a:t>1/4/2016</a:t>
+              <a:t>1/5/2016</a:t>
             </a:fld>
             <a:endParaRPr lang="en-US"/>
           </a:p>
@@ -18199,7 +18198,7 @@
           <a:p>
             <a:fld id="{8061A8BA-F01F-4FDA-B1AB-79EA6C2D3C2F}" type="datetime1">
               <a:rPr lang="en-US" smtClean="0"/>
-              <a:t>1/4/2016</a:t>
+              <a:t>1/5/2016</a:t>
             </a:fld>
             <a:endParaRPr lang="en-US"/>
           </a:p>
@@ -18471,7 +18470,7 @@
           <a:p>
             <a:fld id="{8061A8BA-F01F-4FDA-B1AB-79EA6C2D3C2F}" type="datetime1">
               <a:rPr lang="en-US" smtClean="0"/>
-              <a:t>1/4/2016</a:t>
+              <a:t>1/5/2016</a:t>
             </a:fld>
             <a:endParaRPr lang="en-US"/>
           </a:p>
@@ -18681,7 +18680,7 @@
           <a:p>
             <a:fld id="{8061A8BA-F01F-4FDA-B1AB-79EA6C2D3C2F}" type="datetime1">
               <a:rPr lang="en-US" smtClean="0"/>
-              <a:t>1/4/2016</a:t>
+              <a:t>1/5/2016</a:t>
             </a:fld>
             <a:endParaRPr lang="en-US"/>
           </a:p>
@@ -18897,7 +18896,7 @@
           <a:p>
             <a:fld id="{8061A8BA-F01F-4FDA-B1AB-79EA6C2D3C2F}" type="datetime1">
               <a:rPr lang="en-US" smtClean="0"/>
-              <a:t>1/4/2016</a:t>
+              <a:t>1/5/2016</a:t>
             </a:fld>
             <a:endParaRPr lang="en-US"/>
           </a:p>
@@ -19168,7 +19167,7 @@
           <a:p>
             <a:fld id="{8061A8BA-F01F-4FDA-B1AB-79EA6C2D3C2F}" type="datetime1">
               <a:rPr lang="en-US" smtClean="0"/>
-              <a:t>1/4/2016</a:t>
+              <a:t>1/5/2016</a:t>
             </a:fld>
             <a:endParaRPr lang="en-US"/>
           </a:p>
@@ -19416,7 +19415,7 @@
           <a:p>
             <a:fld id="{8061A8BA-F01F-4FDA-B1AB-79EA6C2D3C2F}" type="datetime1">
               <a:rPr lang="en-US" smtClean="0"/>
-              <a:t>1/4/2016</a:t>
+              <a:t>1/5/2016</a:t>
             </a:fld>
             <a:endParaRPr lang="en-US"/>
           </a:p>
@@ -19620,7 +19619,7 @@
           <a:p>
             <a:fld id="{8061A8BA-F01F-4FDA-B1AB-79EA6C2D3C2F}" type="datetime1">
               <a:rPr lang="en-US" smtClean="0"/>
-              <a:t>1/4/2016</a:t>
+              <a:t>1/5/2016</a:t>
             </a:fld>
             <a:endParaRPr lang="en-US"/>
           </a:p>
@@ -19863,7 +19862,7 @@
           <a:p>
             <a:fld id="{8061A8BA-F01F-4FDA-B1AB-79EA6C2D3C2F}" type="datetime1">
               <a:rPr lang="en-US" smtClean="0"/>
-              <a:t>1/4/2016</a:t>
+              <a:t>1/5/2016</a:t>
             </a:fld>
             <a:endParaRPr lang="en-US"/>
           </a:p>
@@ -20085,7 +20084,7 @@
           <a:p>
             <a:fld id="{8061A8BA-F01F-4FDA-B1AB-79EA6C2D3C2F}" type="datetime1">
               <a:rPr lang="en-US" smtClean="0"/>
-              <a:t>1/4/2016</a:t>
+              <a:t>1/5/2016</a:t>
             </a:fld>
             <a:endParaRPr lang="en-US"/>
           </a:p>
@@ -20328,7 +20327,7 @@
           <a:p>
             <a:fld id="{8061A8BA-F01F-4FDA-B1AB-79EA6C2D3C2F}" type="datetime1">
               <a:rPr lang="en-US" smtClean="0"/>
-              <a:t>1/4/2016</a:t>
+              <a:t>1/5/2016</a:t>
             </a:fld>
             <a:endParaRPr lang="en-US"/>
           </a:p>
@@ -20892,7 +20891,7 @@
           <a:p>
             <a:fld id="{8061A8BA-F01F-4FDA-B1AB-79EA6C2D3C2F}" type="datetime1">
               <a:rPr lang="en-US" smtClean="0"/>
-              <a:t>1/4/2016</a:t>
+              <a:t>1/5/2016</a:t>
             </a:fld>
             <a:endParaRPr lang="en-US"/>
           </a:p>
@@ -21040,7 +21039,7 @@
           <a:p>
             <a:fld id="{8061A8BA-F01F-4FDA-B1AB-79EA6C2D3C2F}" type="datetime1">
               <a:rPr lang="en-US" smtClean="0"/>
-              <a:t>1/4/2016</a:t>
+              <a:t>1/5/2016</a:t>
             </a:fld>
             <a:endParaRPr lang="en-US"/>
           </a:p>
@@ -21352,7 +21351,7 @@
           <a:p>
             <a:fld id="{8061A8BA-F01F-4FDA-B1AB-79EA6C2D3C2F}" type="datetime1">
               <a:rPr lang="en-US" smtClean="0"/>
-              <a:t>1/4/2016</a:t>
+              <a:t>1/5/2016</a:t>
             </a:fld>
             <a:endParaRPr lang="en-US"/>
           </a:p>
@@ -21792,7 +21791,7 @@
           <a:p>
             <a:fld id="{8061A8BA-F01F-4FDA-B1AB-79EA6C2D3C2F}" type="datetime1">
               <a:rPr lang="en-US" smtClean="0"/>
-              <a:t>1/4/2016</a:t>
+              <a:t>1/5/2016</a:t>
             </a:fld>
             <a:endParaRPr lang="en-US"/>
           </a:p>
@@ -21848,147 +21847,6 @@
     <p:extLst>
       <p:ext uri="{BB962C8B-B14F-4D97-AF65-F5344CB8AC3E}">
         <p14:creationId xmlns:p14="http://schemas.microsoft.com/office/powerpoint/2010/main" val="1537398592"/>
-      </p:ext>
-    </p:extLst>
-  </p:cSld>
-  <p:clrMapOvr>
-    <a:masterClrMapping/>
-  </p:clrMapOvr>
-</p:sld>
-</file>
-
-<file path=ppt/slides/slide43.xml><?xml version="1.0" encoding="utf-8"?>
-<p:sld xmlns:a="http://schemas.openxmlformats.org/drawingml/2006/main" xmlns:r="http://schemas.openxmlformats.org/officeDocument/2006/relationships" xmlns:p="http://schemas.openxmlformats.org/presentationml/2006/main">
-  <p:cSld>
-    <p:spTree>
-      <p:nvGrpSpPr>
-        <p:cNvPr id="1" name=""/>
-        <p:cNvGrpSpPr/>
-        <p:nvPr/>
-      </p:nvGrpSpPr>
-      <p:grpSpPr>
-        <a:xfrm>
-          <a:off x="0" y="0"/>
-          <a:ext cx="0" cy="0"/>
-          <a:chOff x="0" y="0"/>
-          <a:chExt cx="0" cy="0"/>
-        </a:xfrm>
-      </p:grpSpPr>
-      <p:sp>
-        <p:nvSpPr>
-          <p:cNvPr id="2" name="Title 1"/>
-          <p:cNvSpPr>
-            <a:spLocks noGrp="1"/>
-          </p:cNvSpPr>
-          <p:nvPr>
-            <p:ph type="title"/>
-          </p:nvPr>
-        </p:nvSpPr>
-        <p:spPr/>
-        <p:txBody>
-          <a:bodyPr/>
-          <a:lstStyle/>
-          <a:p>
-            <a:r>
-              <a:rPr lang="en-US" smtClean="0"/>
-              <a:t>abc</a:t>
-            </a:r>
-            <a:endParaRPr lang="en-US"/>
-          </a:p>
-        </p:txBody>
-      </p:sp>
-      <p:sp>
-        <p:nvSpPr>
-          <p:cNvPr id="3" name="Content Placeholder 2"/>
-          <p:cNvSpPr>
-            <a:spLocks noGrp="1"/>
-          </p:cNvSpPr>
-          <p:nvPr>
-            <p:ph idx="1"/>
-          </p:nvPr>
-        </p:nvSpPr>
-        <p:spPr/>
-        <p:txBody>
-          <a:bodyPr/>
-          <a:lstStyle/>
-          <a:p>
-            <a:endParaRPr lang="en-US"/>
-          </a:p>
-        </p:txBody>
-      </p:sp>
-      <p:sp>
-        <p:nvSpPr>
-          <p:cNvPr id="4" name="Date Placeholder 3"/>
-          <p:cNvSpPr>
-            <a:spLocks noGrp="1"/>
-          </p:cNvSpPr>
-          <p:nvPr>
-            <p:ph type="dt" sz="half" idx="10"/>
-          </p:nvPr>
-        </p:nvSpPr>
-        <p:spPr/>
-        <p:txBody>
-          <a:bodyPr/>
-          <a:lstStyle/>
-          <a:p>
-            <a:fld id="{8061A8BA-F01F-4FDA-B1AB-79EA6C2D3C2F}" type="datetime1">
-              <a:rPr lang="en-US" smtClean="0"/>
-              <a:t>1/4/2016</a:t>
-            </a:fld>
-            <a:endParaRPr lang="en-US"/>
-          </a:p>
-        </p:txBody>
-      </p:sp>
-      <p:sp>
-        <p:nvSpPr>
-          <p:cNvPr id="5" name="Footer Placeholder 4"/>
-          <p:cNvSpPr>
-            <a:spLocks noGrp="1"/>
-          </p:cNvSpPr>
-          <p:nvPr>
-            <p:ph type="ftr" sz="quarter" idx="11"/>
-          </p:nvPr>
-        </p:nvSpPr>
-        <p:spPr/>
-        <p:txBody>
-          <a:bodyPr/>
-          <a:lstStyle/>
-          <a:p>
-            <a:r>
-              <a:rPr lang="en-US" smtClean="0"/>
-              <a:t>Edited by Phạm Linh Huy</a:t>
-            </a:r>
-            <a:endParaRPr lang="en-US" dirty="0"/>
-          </a:p>
-        </p:txBody>
-      </p:sp>
-      <p:sp>
-        <p:nvSpPr>
-          <p:cNvPr id="6" name="Slide Number Placeholder 5"/>
-          <p:cNvSpPr>
-            <a:spLocks noGrp="1"/>
-          </p:cNvSpPr>
-          <p:nvPr>
-            <p:ph type="sldNum" sz="quarter" idx="12"/>
-          </p:nvPr>
-        </p:nvSpPr>
-        <p:spPr/>
-        <p:txBody>
-          <a:bodyPr/>
-          <a:lstStyle/>
-          <a:p>
-            <a:fld id="{6CB5AA68-9AC4-4281-94D7-C40BEFF93EC5}" type="slidenum">
-              <a:rPr lang="en-US" smtClean="0"/>
-              <a:t>43</a:t>
-            </a:fld>
-            <a:endParaRPr lang="en-US"/>
-          </a:p>
-        </p:txBody>
-      </p:sp>
-    </p:spTree>
-    <p:extLst>
-      <p:ext uri="{BB962C8B-B14F-4D97-AF65-F5344CB8AC3E}">
-        <p14:creationId xmlns:p14="http://schemas.microsoft.com/office/powerpoint/2010/main" val="3981520724"/>
       </p:ext>
     </p:extLst>
   </p:cSld>
@@ -22445,7 +22303,7 @@
           <a:p>
             <a:fld id="{8061A8BA-F01F-4FDA-B1AB-79EA6C2D3C2F}" type="datetime1">
               <a:rPr lang="en-US" smtClean="0"/>
-              <a:t>1/4/2016</a:t>
+              <a:t>1/5/2016</a:t>
             </a:fld>
             <a:endParaRPr lang="en-US"/>
           </a:p>
@@ -22606,7 +22464,7 @@
           <a:p>
             <a:fld id="{8061A8BA-F01F-4FDA-B1AB-79EA6C2D3C2F}" type="datetime1">
               <a:rPr lang="en-US" smtClean="0"/>
-              <a:t>1/4/2016</a:t>
+              <a:t>1/5/2016</a:t>
             </a:fld>
             <a:endParaRPr lang="en-US"/>
           </a:p>
@@ -22909,7 +22767,7 @@
               <a:buNone/>
             </a:pPr>
             <a:r>
-              <a:rPr lang="en-US" dirty="0" smtClean="0">
+              <a:rPr lang="en-US" dirty="0">
                 <a:solidFill>
                   <a:srgbClr val="C00000"/>
                 </a:solidFill>
@@ -22944,7 +22802,7 @@
           <a:p>
             <a:fld id="{8061A8BA-F01F-4FDA-B1AB-79EA6C2D3C2F}" type="datetime1">
               <a:rPr lang="en-US" smtClean="0"/>
-              <a:t>1/4/2016</a:t>
+              <a:t>1/5/2016</a:t>
             </a:fld>
             <a:endParaRPr lang="en-US"/>
           </a:p>
@@ -23141,7 +22999,7 @@
           <a:p>
             <a:fld id="{8061A8BA-F01F-4FDA-B1AB-79EA6C2D3C2F}" type="datetime1">
               <a:rPr lang="en-US" smtClean="0"/>
-              <a:t>1/4/2016</a:t>
+              <a:t>1/5/2016</a:t>
             </a:fld>
             <a:endParaRPr lang="en-US"/>
           </a:p>
@@ -23571,7 +23429,7 @@
           <a:p>
             <a:fld id="{8061A8BA-F01F-4FDA-B1AB-79EA6C2D3C2F}" type="datetime1">
               <a:rPr lang="en-US" smtClean="0"/>
-              <a:t>1/4/2016</a:t>
+              <a:t>1/5/2016</a:t>
             </a:fld>
             <a:endParaRPr lang="en-US"/>
           </a:p>

--- a/PHP.pptx
+++ b/PHP.pptx
@@ -5,10 +5,10 @@
     <p:sldMasterId id="2147483648" r:id="rId1"/>
   </p:sldMasterIdLst>
   <p:notesMasterIdLst>
-    <p:notesMasterId r:id="rId44"/>
+    <p:notesMasterId r:id="rId49"/>
   </p:notesMasterIdLst>
   <p:handoutMasterIdLst>
-    <p:handoutMasterId r:id="rId45"/>
+    <p:handoutMasterId r:id="rId50"/>
   </p:handoutMasterIdLst>
   <p:sldIdLst>
     <p:sldId id="256" r:id="rId2"/>
@@ -53,6 +53,11 @@
     <p:sldId id="295" r:id="rId41"/>
     <p:sldId id="297" r:id="rId42"/>
     <p:sldId id="298" r:id="rId43"/>
+    <p:sldId id="299" r:id="rId44"/>
+    <p:sldId id="300" r:id="rId45"/>
+    <p:sldId id="301" r:id="rId46"/>
+    <p:sldId id="302" r:id="rId47"/>
+    <p:sldId id="303" r:id="rId48"/>
   </p:sldIdLst>
   <p:sldSz cx="9144000" cy="6858000" type="screen4x3"/>
   <p:notesSz cx="6858000" cy="9144000"/>
@@ -240,7 +245,7 @@
           <a:p>
             <a:fld id="{950F29D4-E38B-44B0-A1AA-770C7B2D7D61}" type="datetimeFigureOut">
               <a:rPr lang="en-US" smtClean="0"/>
-              <a:t>1/5/2016</a:t>
+              <a:t>1/14/2016</a:t>
             </a:fld>
             <a:endParaRPr lang="en-US"/>
           </a:p>
@@ -410,7 +415,7 @@
           <a:p>
             <a:fld id="{AFA48A69-FB40-446B-896D-09BD6F1A57F8}" type="datetimeFigureOut">
               <a:rPr lang="en-US" smtClean="0"/>
-              <a:t>1/5/2016</a:t>
+              <a:t>1/14/2016</a:t>
             </a:fld>
             <a:endParaRPr lang="en-US"/>
           </a:p>
@@ -2529,6 +2534,3457 @@
 </p:notes>
 </file>
 
+<file path=ppt/notesSlides/notesSlide15.xml><?xml version="1.0" encoding="utf-8"?>
+<p:notes xmlns:a="http://schemas.openxmlformats.org/drawingml/2006/main" xmlns:r="http://schemas.openxmlformats.org/officeDocument/2006/relationships" xmlns:p="http://schemas.openxmlformats.org/presentationml/2006/main">
+  <p:cSld>
+    <p:spTree>
+      <p:nvGrpSpPr>
+        <p:cNvPr id="1" name=""/>
+        <p:cNvGrpSpPr/>
+        <p:nvPr/>
+      </p:nvGrpSpPr>
+      <p:grpSpPr>
+        <a:xfrm>
+          <a:off x="0" y="0"/>
+          <a:ext cx="0" cy="0"/>
+          <a:chOff x="0" y="0"/>
+          <a:chExt cx="0" cy="0"/>
+        </a:xfrm>
+      </p:grpSpPr>
+      <p:sp>
+        <p:nvSpPr>
+          <p:cNvPr id="2" name="Slide Image Placeholder 1"/>
+          <p:cNvSpPr>
+            <a:spLocks noGrp="1" noRot="1" noChangeAspect="1"/>
+          </p:cNvSpPr>
+          <p:nvPr>
+            <p:ph type="sldImg"/>
+          </p:nvPr>
+        </p:nvSpPr>
+        <p:spPr/>
+      </p:sp>
+      <p:sp>
+        <p:nvSpPr>
+          <p:cNvPr id="3" name="Notes Placeholder 2"/>
+          <p:cNvSpPr>
+            <a:spLocks noGrp="1"/>
+          </p:cNvSpPr>
+          <p:nvPr>
+            <p:ph type="body" idx="1"/>
+          </p:nvPr>
+        </p:nvSpPr>
+        <p:spPr/>
+        <p:txBody>
+          <a:bodyPr/>
+          <a:lstStyle/>
+          <a:p>
+            <a:r>
+              <a:rPr lang="en-US" sz="1200" b="0" i="0" kern="1200" dirty="0" smtClean="0">
+                <a:solidFill>
+                  <a:schemeClr val="tx1"/>
+                </a:solidFill>
+                <a:effectLst/>
+                <a:latin typeface="+mn-lt"/>
+                <a:ea typeface="+mn-ea"/>
+                <a:cs typeface="+mn-cs"/>
+              </a:rPr>
+              <a:t>&lt;!DOCTYPE HTML&gt; </a:t>
+            </a:r>
+            <a:r>
+              <a:rPr lang="en-US" dirty="0" smtClean="0"/>
+              <a:t/>
+            </a:r>
+            <a:br>
+              <a:rPr lang="en-US" dirty="0" smtClean="0"/>
+            </a:br>
+            <a:r>
+              <a:rPr lang="en-US" sz="1200" b="0" i="0" kern="1200" dirty="0" smtClean="0">
+                <a:solidFill>
+                  <a:schemeClr val="tx1"/>
+                </a:solidFill>
+                <a:effectLst/>
+                <a:latin typeface="+mn-lt"/>
+                <a:ea typeface="+mn-ea"/>
+                <a:cs typeface="+mn-cs"/>
+              </a:rPr>
+              <a:t>&lt;html&gt;</a:t>
+            </a:r>
+            <a:r>
+              <a:rPr lang="en-US" dirty="0" smtClean="0"/>
+              <a:t/>
+            </a:r>
+            <a:br>
+              <a:rPr lang="en-US" dirty="0" smtClean="0"/>
+            </a:br>
+            <a:r>
+              <a:rPr lang="en-US" sz="1200" b="0" i="0" kern="1200" dirty="0" smtClean="0">
+                <a:solidFill>
+                  <a:schemeClr val="tx1"/>
+                </a:solidFill>
+                <a:effectLst/>
+                <a:latin typeface="+mn-lt"/>
+                <a:ea typeface="+mn-ea"/>
+                <a:cs typeface="+mn-cs"/>
+              </a:rPr>
+              <a:t>&lt;head&gt;</a:t>
+            </a:r>
+            <a:r>
+              <a:rPr lang="en-US" dirty="0" smtClean="0"/>
+              <a:t/>
+            </a:r>
+            <a:br>
+              <a:rPr lang="en-US" dirty="0" smtClean="0"/>
+            </a:br>
+            <a:r>
+              <a:rPr lang="en-US" sz="1200" b="0" i="0" kern="1200" dirty="0" smtClean="0">
+                <a:solidFill>
+                  <a:schemeClr val="tx1"/>
+                </a:solidFill>
+                <a:effectLst/>
+                <a:latin typeface="+mn-lt"/>
+                <a:ea typeface="+mn-ea"/>
+                <a:cs typeface="+mn-cs"/>
+              </a:rPr>
+              <a:t>&lt;style&gt;</a:t>
+            </a:r>
+            <a:r>
+              <a:rPr lang="en-US" dirty="0" smtClean="0"/>
+              <a:t/>
+            </a:r>
+            <a:br>
+              <a:rPr lang="en-US" dirty="0" smtClean="0"/>
+            </a:br>
+            <a:r>
+              <a:rPr lang="en-US" sz="1200" b="0" i="0" kern="1200" dirty="0" smtClean="0">
+                <a:solidFill>
+                  <a:schemeClr val="tx1"/>
+                </a:solidFill>
+                <a:effectLst/>
+                <a:latin typeface="+mn-lt"/>
+                <a:ea typeface="+mn-ea"/>
+                <a:cs typeface="+mn-cs"/>
+              </a:rPr>
+              <a:t>.error {color: #FF0000;}</a:t>
+            </a:r>
+            <a:r>
+              <a:rPr lang="en-US" dirty="0" smtClean="0"/>
+              <a:t/>
+            </a:r>
+            <a:br>
+              <a:rPr lang="en-US" dirty="0" smtClean="0"/>
+            </a:br>
+            <a:r>
+              <a:rPr lang="en-US" sz="1200" b="0" i="0" kern="1200" dirty="0" smtClean="0">
+                <a:solidFill>
+                  <a:schemeClr val="tx1"/>
+                </a:solidFill>
+                <a:effectLst/>
+                <a:latin typeface="+mn-lt"/>
+                <a:ea typeface="+mn-ea"/>
+                <a:cs typeface="+mn-cs"/>
+              </a:rPr>
+              <a:t>&lt;/style&gt;</a:t>
+            </a:r>
+            <a:r>
+              <a:rPr lang="en-US" dirty="0" smtClean="0"/>
+              <a:t/>
+            </a:r>
+            <a:br>
+              <a:rPr lang="en-US" dirty="0" smtClean="0"/>
+            </a:br>
+            <a:r>
+              <a:rPr lang="en-US" sz="1200" b="0" i="0" kern="1200" dirty="0" smtClean="0">
+                <a:solidFill>
+                  <a:schemeClr val="tx1"/>
+                </a:solidFill>
+                <a:effectLst/>
+                <a:latin typeface="+mn-lt"/>
+                <a:ea typeface="+mn-ea"/>
+                <a:cs typeface="+mn-cs"/>
+              </a:rPr>
+              <a:t>&lt;/head&gt;</a:t>
+            </a:r>
+            <a:r>
+              <a:rPr lang="en-US" dirty="0" smtClean="0"/>
+              <a:t/>
+            </a:r>
+            <a:br>
+              <a:rPr lang="en-US" dirty="0" smtClean="0"/>
+            </a:br>
+            <a:r>
+              <a:rPr lang="en-US" sz="1200" b="0" i="0" kern="1200" dirty="0" smtClean="0">
+                <a:solidFill>
+                  <a:schemeClr val="tx1"/>
+                </a:solidFill>
+                <a:effectLst/>
+                <a:latin typeface="+mn-lt"/>
+                <a:ea typeface="+mn-ea"/>
+                <a:cs typeface="+mn-cs"/>
+              </a:rPr>
+              <a:t>&lt;body&gt; </a:t>
+            </a:r>
+            <a:r>
+              <a:rPr lang="en-US" dirty="0" smtClean="0"/>
+              <a:t/>
+            </a:r>
+            <a:br>
+              <a:rPr lang="en-US" dirty="0" smtClean="0"/>
+            </a:br>
+            <a:r>
+              <a:rPr lang="en-US" dirty="0" smtClean="0"/>
+              <a:t/>
+            </a:r>
+            <a:br>
+              <a:rPr lang="en-US" dirty="0" smtClean="0"/>
+            </a:br>
+            <a:r>
+              <a:rPr lang="en-US" sz="1200" b="0" i="0" kern="1200" dirty="0" smtClean="0">
+                <a:solidFill>
+                  <a:schemeClr val="tx1"/>
+                </a:solidFill>
+                <a:effectLst/>
+                <a:latin typeface="+mn-lt"/>
+                <a:ea typeface="+mn-ea"/>
+                <a:cs typeface="+mn-cs"/>
+              </a:rPr>
+              <a:t>&lt;?</a:t>
+            </a:r>
+            <a:r>
+              <a:rPr lang="en-US" sz="1200" b="0" i="0" kern="1200" dirty="0" err="1" smtClean="0">
+                <a:solidFill>
+                  <a:schemeClr val="tx1"/>
+                </a:solidFill>
+                <a:effectLst/>
+                <a:latin typeface="+mn-lt"/>
+                <a:ea typeface="+mn-ea"/>
+                <a:cs typeface="+mn-cs"/>
+              </a:rPr>
+              <a:t>php</a:t>
+            </a:r>
+            <a:r>
+              <a:rPr lang="en-US" sz="1200" b="0" i="0" kern="1200" dirty="0" smtClean="0">
+                <a:solidFill>
+                  <a:schemeClr val="tx1"/>
+                </a:solidFill>
+                <a:effectLst/>
+                <a:latin typeface="+mn-lt"/>
+                <a:ea typeface="+mn-ea"/>
+                <a:cs typeface="+mn-cs"/>
+              </a:rPr>
+              <a:t/>
+            </a:r>
+            <a:br>
+              <a:rPr lang="en-US" sz="1200" b="0" i="0" kern="1200" dirty="0" smtClean="0">
+                <a:solidFill>
+                  <a:schemeClr val="tx1"/>
+                </a:solidFill>
+                <a:effectLst/>
+                <a:latin typeface="+mn-lt"/>
+                <a:ea typeface="+mn-ea"/>
+                <a:cs typeface="+mn-cs"/>
+              </a:rPr>
+            </a:br>
+            <a:r>
+              <a:rPr lang="en-US" sz="1200" b="0" i="0" kern="1200" dirty="0" smtClean="0">
+                <a:solidFill>
+                  <a:schemeClr val="tx1"/>
+                </a:solidFill>
+                <a:effectLst/>
+                <a:latin typeface="+mn-lt"/>
+                <a:ea typeface="+mn-ea"/>
+                <a:cs typeface="+mn-cs"/>
+              </a:rPr>
+              <a:t>// define variables and set to empty values</a:t>
+            </a:r>
+            <a:br>
+              <a:rPr lang="en-US" sz="1200" b="0" i="0" kern="1200" dirty="0" smtClean="0">
+                <a:solidFill>
+                  <a:schemeClr val="tx1"/>
+                </a:solidFill>
+                <a:effectLst/>
+                <a:latin typeface="+mn-lt"/>
+                <a:ea typeface="+mn-ea"/>
+                <a:cs typeface="+mn-cs"/>
+              </a:rPr>
+            </a:br>
+            <a:r>
+              <a:rPr lang="en-US" sz="1200" b="0" i="0" kern="1200" dirty="0" smtClean="0">
+                <a:solidFill>
+                  <a:schemeClr val="tx1"/>
+                </a:solidFill>
+                <a:effectLst/>
+                <a:latin typeface="+mn-lt"/>
+                <a:ea typeface="+mn-ea"/>
+                <a:cs typeface="+mn-cs"/>
+              </a:rPr>
+              <a:t>$</a:t>
+            </a:r>
+            <a:r>
+              <a:rPr lang="en-US" sz="1200" b="0" i="0" kern="1200" dirty="0" err="1" smtClean="0">
+                <a:solidFill>
+                  <a:schemeClr val="tx1"/>
+                </a:solidFill>
+                <a:effectLst/>
+                <a:latin typeface="+mn-lt"/>
+                <a:ea typeface="+mn-ea"/>
+                <a:cs typeface="+mn-cs"/>
+              </a:rPr>
+              <a:t>nameErr</a:t>
+            </a:r>
+            <a:r>
+              <a:rPr lang="en-US" sz="1200" b="0" i="0" kern="1200" dirty="0" smtClean="0">
+                <a:solidFill>
+                  <a:schemeClr val="tx1"/>
+                </a:solidFill>
+                <a:effectLst/>
+                <a:latin typeface="+mn-lt"/>
+                <a:ea typeface="+mn-ea"/>
+                <a:cs typeface="+mn-cs"/>
+              </a:rPr>
+              <a:t> = $</a:t>
+            </a:r>
+            <a:r>
+              <a:rPr lang="en-US" sz="1200" b="0" i="0" kern="1200" dirty="0" err="1" smtClean="0">
+                <a:solidFill>
+                  <a:schemeClr val="tx1"/>
+                </a:solidFill>
+                <a:effectLst/>
+                <a:latin typeface="+mn-lt"/>
+                <a:ea typeface="+mn-ea"/>
+                <a:cs typeface="+mn-cs"/>
+              </a:rPr>
+              <a:t>emailErr</a:t>
+            </a:r>
+            <a:r>
+              <a:rPr lang="en-US" sz="1200" b="0" i="0" kern="1200" dirty="0" smtClean="0">
+                <a:solidFill>
+                  <a:schemeClr val="tx1"/>
+                </a:solidFill>
+                <a:effectLst/>
+                <a:latin typeface="+mn-lt"/>
+                <a:ea typeface="+mn-ea"/>
+                <a:cs typeface="+mn-cs"/>
+              </a:rPr>
+              <a:t> = $</a:t>
+            </a:r>
+            <a:r>
+              <a:rPr lang="en-US" sz="1200" b="0" i="0" kern="1200" dirty="0" err="1" smtClean="0">
+                <a:solidFill>
+                  <a:schemeClr val="tx1"/>
+                </a:solidFill>
+                <a:effectLst/>
+                <a:latin typeface="+mn-lt"/>
+                <a:ea typeface="+mn-ea"/>
+                <a:cs typeface="+mn-cs"/>
+              </a:rPr>
+              <a:t>genderErr</a:t>
+            </a:r>
+            <a:r>
+              <a:rPr lang="en-US" sz="1200" b="0" i="0" kern="1200" dirty="0" smtClean="0">
+                <a:solidFill>
+                  <a:schemeClr val="tx1"/>
+                </a:solidFill>
+                <a:effectLst/>
+                <a:latin typeface="+mn-lt"/>
+                <a:ea typeface="+mn-ea"/>
+                <a:cs typeface="+mn-cs"/>
+              </a:rPr>
+              <a:t> = $</a:t>
+            </a:r>
+            <a:r>
+              <a:rPr lang="en-US" sz="1200" b="0" i="0" kern="1200" dirty="0" err="1" smtClean="0">
+                <a:solidFill>
+                  <a:schemeClr val="tx1"/>
+                </a:solidFill>
+                <a:effectLst/>
+                <a:latin typeface="+mn-lt"/>
+                <a:ea typeface="+mn-ea"/>
+                <a:cs typeface="+mn-cs"/>
+              </a:rPr>
+              <a:t>websiteErr</a:t>
+            </a:r>
+            <a:r>
+              <a:rPr lang="en-US" sz="1200" b="0" i="0" kern="1200" dirty="0" smtClean="0">
+                <a:solidFill>
+                  <a:schemeClr val="tx1"/>
+                </a:solidFill>
+                <a:effectLst/>
+                <a:latin typeface="+mn-lt"/>
+                <a:ea typeface="+mn-ea"/>
+                <a:cs typeface="+mn-cs"/>
+              </a:rPr>
+              <a:t> = "";</a:t>
+            </a:r>
+            <a:br>
+              <a:rPr lang="en-US" sz="1200" b="0" i="0" kern="1200" dirty="0" smtClean="0">
+                <a:solidFill>
+                  <a:schemeClr val="tx1"/>
+                </a:solidFill>
+                <a:effectLst/>
+                <a:latin typeface="+mn-lt"/>
+                <a:ea typeface="+mn-ea"/>
+                <a:cs typeface="+mn-cs"/>
+              </a:rPr>
+            </a:br>
+            <a:r>
+              <a:rPr lang="en-US" sz="1200" b="0" i="0" kern="1200" dirty="0" smtClean="0">
+                <a:solidFill>
+                  <a:schemeClr val="tx1"/>
+                </a:solidFill>
+                <a:effectLst/>
+                <a:latin typeface="+mn-lt"/>
+                <a:ea typeface="+mn-ea"/>
+                <a:cs typeface="+mn-cs"/>
+              </a:rPr>
+              <a:t>$name = $email = $gender = $comment = $website = "";</a:t>
+            </a:r>
+            <a:br>
+              <a:rPr lang="en-US" sz="1200" b="0" i="0" kern="1200" dirty="0" smtClean="0">
+                <a:solidFill>
+                  <a:schemeClr val="tx1"/>
+                </a:solidFill>
+                <a:effectLst/>
+                <a:latin typeface="+mn-lt"/>
+                <a:ea typeface="+mn-ea"/>
+                <a:cs typeface="+mn-cs"/>
+              </a:rPr>
+            </a:br>
+            <a:r>
+              <a:rPr lang="en-US" sz="1200" b="0" i="0" kern="1200" dirty="0" smtClean="0">
+                <a:solidFill>
+                  <a:schemeClr val="tx1"/>
+                </a:solidFill>
+                <a:effectLst/>
+                <a:latin typeface="+mn-lt"/>
+                <a:ea typeface="+mn-ea"/>
+                <a:cs typeface="+mn-cs"/>
+              </a:rPr>
+              <a:t/>
+            </a:r>
+            <a:br>
+              <a:rPr lang="en-US" sz="1200" b="0" i="0" kern="1200" dirty="0" smtClean="0">
+                <a:solidFill>
+                  <a:schemeClr val="tx1"/>
+                </a:solidFill>
+                <a:effectLst/>
+                <a:latin typeface="+mn-lt"/>
+                <a:ea typeface="+mn-ea"/>
+                <a:cs typeface="+mn-cs"/>
+              </a:rPr>
+            </a:br>
+            <a:r>
+              <a:rPr lang="en-US" sz="1200" b="0" i="0" kern="1200" dirty="0" smtClean="0">
+                <a:solidFill>
+                  <a:schemeClr val="tx1"/>
+                </a:solidFill>
+                <a:effectLst/>
+                <a:latin typeface="+mn-lt"/>
+                <a:ea typeface="+mn-ea"/>
+                <a:cs typeface="+mn-cs"/>
+              </a:rPr>
+              <a:t>if ($_SERVER["REQUEST_METHOD"] == "POST") {</a:t>
+            </a:r>
+            <a:br>
+              <a:rPr lang="en-US" sz="1200" b="0" i="0" kern="1200" dirty="0" smtClean="0">
+                <a:solidFill>
+                  <a:schemeClr val="tx1"/>
+                </a:solidFill>
+                <a:effectLst/>
+                <a:latin typeface="+mn-lt"/>
+                <a:ea typeface="+mn-ea"/>
+                <a:cs typeface="+mn-cs"/>
+              </a:rPr>
+            </a:br>
+            <a:r>
+              <a:rPr lang="en-US" sz="1200" b="0" i="0" kern="1200" dirty="0" smtClean="0">
+                <a:solidFill>
+                  <a:schemeClr val="tx1"/>
+                </a:solidFill>
+                <a:effectLst/>
+                <a:latin typeface="+mn-lt"/>
+                <a:ea typeface="+mn-ea"/>
+                <a:cs typeface="+mn-cs"/>
+              </a:rPr>
+              <a:t>   if (empty($_POST["name"])) {</a:t>
+            </a:r>
+            <a:br>
+              <a:rPr lang="en-US" sz="1200" b="0" i="0" kern="1200" dirty="0" smtClean="0">
+                <a:solidFill>
+                  <a:schemeClr val="tx1"/>
+                </a:solidFill>
+                <a:effectLst/>
+                <a:latin typeface="+mn-lt"/>
+                <a:ea typeface="+mn-ea"/>
+                <a:cs typeface="+mn-cs"/>
+              </a:rPr>
+            </a:br>
+            <a:r>
+              <a:rPr lang="en-US" sz="1200" b="0" i="0" kern="1200" dirty="0" smtClean="0">
+                <a:solidFill>
+                  <a:schemeClr val="tx1"/>
+                </a:solidFill>
+                <a:effectLst/>
+                <a:latin typeface="+mn-lt"/>
+                <a:ea typeface="+mn-ea"/>
+                <a:cs typeface="+mn-cs"/>
+              </a:rPr>
+              <a:t>     $</a:t>
+            </a:r>
+            <a:r>
+              <a:rPr lang="en-US" sz="1200" b="0" i="0" kern="1200" dirty="0" err="1" smtClean="0">
+                <a:solidFill>
+                  <a:schemeClr val="tx1"/>
+                </a:solidFill>
+                <a:effectLst/>
+                <a:latin typeface="+mn-lt"/>
+                <a:ea typeface="+mn-ea"/>
+                <a:cs typeface="+mn-cs"/>
+              </a:rPr>
+              <a:t>nameErr</a:t>
+            </a:r>
+            <a:r>
+              <a:rPr lang="en-US" sz="1200" b="0" i="0" kern="1200" dirty="0" smtClean="0">
+                <a:solidFill>
+                  <a:schemeClr val="tx1"/>
+                </a:solidFill>
+                <a:effectLst/>
+                <a:latin typeface="+mn-lt"/>
+                <a:ea typeface="+mn-ea"/>
+                <a:cs typeface="+mn-cs"/>
+              </a:rPr>
+              <a:t> = "Name is required";</a:t>
+            </a:r>
+            <a:br>
+              <a:rPr lang="en-US" sz="1200" b="0" i="0" kern="1200" dirty="0" smtClean="0">
+                <a:solidFill>
+                  <a:schemeClr val="tx1"/>
+                </a:solidFill>
+                <a:effectLst/>
+                <a:latin typeface="+mn-lt"/>
+                <a:ea typeface="+mn-ea"/>
+                <a:cs typeface="+mn-cs"/>
+              </a:rPr>
+            </a:br>
+            <a:r>
+              <a:rPr lang="en-US" sz="1200" b="0" i="0" kern="1200" dirty="0" smtClean="0">
+                <a:solidFill>
+                  <a:schemeClr val="tx1"/>
+                </a:solidFill>
+                <a:effectLst/>
+                <a:latin typeface="+mn-lt"/>
+                <a:ea typeface="+mn-ea"/>
+                <a:cs typeface="+mn-cs"/>
+              </a:rPr>
+              <a:t>   } else {</a:t>
+            </a:r>
+            <a:br>
+              <a:rPr lang="en-US" sz="1200" b="0" i="0" kern="1200" dirty="0" smtClean="0">
+                <a:solidFill>
+                  <a:schemeClr val="tx1"/>
+                </a:solidFill>
+                <a:effectLst/>
+                <a:latin typeface="+mn-lt"/>
+                <a:ea typeface="+mn-ea"/>
+                <a:cs typeface="+mn-cs"/>
+              </a:rPr>
+            </a:br>
+            <a:r>
+              <a:rPr lang="en-US" sz="1200" b="0" i="0" kern="1200" dirty="0" smtClean="0">
+                <a:solidFill>
+                  <a:schemeClr val="tx1"/>
+                </a:solidFill>
+                <a:effectLst/>
+                <a:latin typeface="+mn-lt"/>
+                <a:ea typeface="+mn-ea"/>
+                <a:cs typeface="+mn-cs"/>
+              </a:rPr>
+              <a:t>     $name = </a:t>
+            </a:r>
+            <a:r>
+              <a:rPr lang="en-US" sz="1200" b="0" i="0" kern="1200" dirty="0" err="1" smtClean="0">
+                <a:solidFill>
+                  <a:schemeClr val="tx1"/>
+                </a:solidFill>
+                <a:effectLst/>
+                <a:latin typeface="+mn-lt"/>
+                <a:ea typeface="+mn-ea"/>
+                <a:cs typeface="+mn-cs"/>
+              </a:rPr>
+              <a:t>test_input</a:t>
+            </a:r>
+            <a:r>
+              <a:rPr lang="en-US" sz="1200" b="0" i="0" kern="1200" dirty="0" smtClean="0">
+                <a:solidFill>
+                  <a:schemeClr val="tx1"/>
+                </a:solidFill>
+                <a:effectLst/>
+                <a:latin typeface="+mn-lt"/>
+                <a:ea typeface="+mn-ea"/>
+                <a:cs typeface="+mn-cs"/>
+              </a:rPr>
+              <a:t>($_POST["name"]);</a:t>
+            </a:r>
+            <a:br>
+              <a:rPr lang="en-US" sz="1200" b="0" i="0" kern="1200" dirty="0" smtClean="0">
+                <a:solidFill>
+                  <a:schemeClr val="tx1"/>
+                </a:solidFill>
+                <a:effectLst/>
+                <a:latin typeface="+mn-lt"/>
+                <a:ea typeface="+mn-ea"/>
+                <a:cs typeface="+mn-cs"/>
+              </a:rPr>
+            </a:br>
+            <a:r>
+              <a:rPr lang="en-US" sz="1200" b="0" i="0" kern="1200" dirty="0" smtClean="0">
+                <a:solidFill>
+                  <a:schemeClr val="tx1"/>
+                </a:solidFill>
+                <a:effectLst/>
+                <a:latin typeface="+mn-lt"/>
+                <a:ea typeface="+mn-ea"/>
+                <a:cs typeface="+mn-cs"/>
+              </a:rPr>
+              <a:t>   }</a:t>
+            </a:r>
+            <a:br>
+              <a:rPr lang="en-US" sz="1200" b="0" i="0" kern="1200" dirty="0" smtClean="0">
+                <a:solidFill>
+                  <a:schemeClr val="tx1"/>
+                </a:solidFill>
+                <a:effectLst/>
+                <a:latin typeface="+mn-lt"/>
+                <a:ea typeface="+mn-ea"/>
+                <a:cs typeface="+mn-cs"/>
+              </a:rPr>
+            </a:br>
+            <a:r>
+              <a:rPr lang="en-US" sz="1200" b="0" i="0" kern="1200" dirty="0" smtClean="0">
+                <a:solidFill>
+                  <a:schemeClr val="tx1"/>
+                </a:solidFill>
+                <a:effectLst/>
+                <a:latin typeface="+mn-lt"/>
+                <a:ea typeface="+mn-ea"/>
+                <a:cs typeface="+mn-cs"/>
+              </a:rPr>
+              <a:t>   </a:t>
+            </a:r>
+            <a:br>
+              <a:rPr lang="en-US" sz="1200" b="0" i="0" kern="1200" dirty="0" smtClean="0">
+                <a:solidFill>
+                  <a:schemeClr val="tx1"/>
+                </a:solidFill>
+                <a:effectLst/>
+                <a:latin typeface="+mn-lt"/>
+                <a:ea typeface="+mn-ea"/>
+                <a:cs typeface="+mn-cs"/>
+              </a:rPr>
+            </a:br>
+            <a:r>
+              <a:rPr lang="en-US" sz="1200" b="0" i="0" kern="1200" dirty="0" smtClean="0">
+                <a:solidFill>
+                  <a:schemeClr val="tx1"/>
+                </a:solidFill>
+                <a:effectLst/>
+                <a:latin typeface="+mn-lt"/>
+                <a:ea typeface="+mn-ea"/>
+                <a:cs typeface="+mn-cs"/>
+              </a:rPr>
+              <a:t>   if (empty($_POST["email"])) {</a:t>
+            </a:r>
+            <a:br>
+              <a:rPr lang="en-US" sz="1200" b="0" i="0" kern="1200" dirty="0" smtClean="0">
+                <a:solidFill>
+                  <a:schemeClr val="tx1"/>
+                </a:solidFill>
+                <a:effectLst/>
+                <a:latin typeface="+mn-lt"/>
+                <a:ea typeface="+mn-ea"/>
+                <a:cs typeface="+mn-cs"/>
+              </a:rPr>
+            </a:br>
+            <a:r>
+              <a:rPr lang="en-US" sz="1200" b="0" i="0" kern="1200" dirty="0" smtClean="0">
+                <a:solidFill>
+                  <a:schemeClr val="tx1"/>
+                </a:solidFill>
+                <a:effectLst/>
+                <a:latin typeface="+mn-lt"/>
+                <a:ea typeface="+mn-ea"/>
+                <a:cs typeface="+mn-cs"/>
+              </a:rPr>
+              <a:t>     $</a:t>
+            </a:r>
+            <a:r>
+              <a:rPr lang="en-US" sz="1200" b="0" i="0" kern="1200" dirty="0" err="1" smtClean="0">
+                <a:solidFill>
+                  <a:schemeClr val="tx1"/>
+                </a:solidFill>
+                <a:effectLst/>
+                <a:latin typeface="+mn-lt"/>
+                <a:ea typeface="+mn-ea"/>
+                <a:cs typeface="+mn-cs"/>
+              </a:rPr>
+              <a:t>emailErr</a:t>
+            </a:r>
+            <a:r>
+              <a:rPr lang="en-US" sz="1200" b="0" i="0" kern="1200" dirty="0" smtClean="0">
+                <a:solidFill>
+                  <a:schemeClr val="tx1"/>
+                </a:solidFill>
+                <a:effectLst/>
+                <a:latin typeface="+mn-lt"/>
+                <a:ea typeface="+mn-ea"/>
+                <a:cs typeface="+mn-cs"/>
+              </a:rPr>
+              <a:t> = "Email is required";</a:t>
+            </a:r>
+            <a:br>
+              <a:rPr lang="en-US" sz="1200" b="0" i="0" kern="1200" dirty="0" smtClean="0">
+                <a:solidFill>
+                  <a:schemeClr val="tx1"/>
+                </a:solidFill>
+                <a:effectLst/>
+                <a:latin typeface="+mn-lt"/>
+                <a:ea typeface="+mn-ea"/>
+                <a:cs typeface="+mn-cs"/>
+              </a:rPr>
+            </a:br>
+            <a:r>
+              <a:rPr lang="en-US" sz="1200" b="0" i="0" kern="1200" dirty="0" smtClean="0">
+                <a:solidFill>
+                  <a:schemeClr val="tx1"/>
+                </a:solidFill>
+                <a:effectLst/>
+                <a:latin typeface="+mn-lt"/>
+                <a:ea typeface="+mn-ea"/>
+                <a:cs typeface="+mn-cs"/>
+              </a:rPr>
+              <a:t>   } else {</a:t>
+            </a:r>
+            <a:br>
+              <a:rPr lang="en-US" sz="1200" b="0" i="0" kern="1200" dirty="0" smtClean="0">
+                <a:solidFill>
+                  <a:schemeClr val="tx1"/>
+                </a:solidFill>
+                <a:effectLst/>
+                <a:latin typeface="+mn-lt"/>
+                <a:ea typeface="+mn-ea"/>
+                <a:cs typeface="+mn-cs"/>
+              </a:rPr>
+            </a:br>
+            <a:r>
+              <a:rPr lang="en-US" sz="1200" b="0" i="0" kern="1200" dirty="0" smtClean="0">
+                <a:solidFill>
+                  <a:schemeClr val="tx1"/>
+                </a:solidFill>
+                <a:effectLst/>
+                <a:latin typeface="+mn-lt"/>
+                <a:ea typeface="+mn-ea"/>
+                <a:cs typeface="+mn-cs"/>
+              </a:rPr>
+              <a:t>     $email = </a:t>
+            </a:r>
+            <a:r>
+              <a:rPr lang="en-US" sz="1200" b="0" i="0" kern="1200" dirty="0" err="1" smtClean="0">
+                <a:solidFill>
+                  <a:schemeClr val="tx1"/>
+                </a:solidFill>
+                <a:effectLst/>
+                <a:latin typeface="+mn-lt"/>
+                <a:ea typeface="+mn-ea"/>
+                <a:cs typeface="+mn-cs"/>
+              </a:rPr>
+              <a:t>test_input</a:t>
+            </a:r>
+            <a:r>
+              <a:rPr lang="en-US" sz="1200" b="0" i="0" kern="1200" dirty="0" smtClean="0">
+                <a:solidFill>
+                  <a:schemeClr val="tx1"/>
+                </a:solidFill>
+                <a:effectLst/>
+                <a:latin typeface="+mn-lt"/>
+                <a:ea typeface="+mn-ea"/>
+                <a:cs typeface="+mn-cs"/>
+              </a:rPr>
+              <a:t>($_POST["email"]);</a:t>
+            </a:r>
+            <a:br>
+              <a:rPr lang="en-US" sz="1200" b="0" i="0" kern="1200" dirty="0" smtClean="0">
+                <a:solidFill>
+                  <a:schemeClr val="tx1"/>
+                </a:solidFill>
+                <a:effectLst/>
+                <a:latin typeface="+mn-lt"/>
+                <a:ea typeface="+mn-ea"/>
+                <a:cs typeface="+mn-cs"/>
+              </a:rPr>
+            </a:br>
+            <a:r>
+              <a:rPr lang="en-US" sz="1200" b="0" i="0" kern="1200" dirty="0" smtClean="0">
+                <a:solidFill>
+                  <a:schemeClr val="tx1"/>
+                </a:solidFill>
+                <a:effectLst/>
+                <a:latin typeface="+mn-lt"/>
+                <a:ea typeface="+mn-ea"/>
+                <a:cs typeface="+mn-cs"/>
+              </a:rPr>
+              <a:t>   }</a:t>
+            </a:r>
+            <a:br>
+              <a:rPr lang="en-US" sz="1200" b="0" i="0" kern="1200" dirty="0" smtClean="0">
+                <a:solidFill>
+                  <a:schemeClr val="tx1"/>
+                </a:solidFill>
+                <a:effectLst/>
+                <a:latin typeface="+mn-lt"/>
+                <a:ea typeface="+mn-ea"/>
+                <a:cs typeface="+mn-cs"/>
+              </a:rPr>
+            </a:br>
+            <a:r>
+              <a:rPr lang="en-US" sz="1200" b="0" i="0" kern="1200" dirty="0" smtClean="0">
+                <a:solidFill>
+                  <a:schemeClr val="tx1"/>
+                </a:solidFill>
+                <a:effectLst/>
+                <a:latin typeface="+mn-lt"/>
+                <a:ea typeface="+mn-ea"/>
+                <a:cs typeface="+mn-cs"/>
+              </a:rPr>
+              <a:t>     </a:t>
+            </a:r>
+            <a:br>
+              <a:rPr lang="en-US" sz="1200" b="0" i="0" kern="1200" dirty="0" smtClean="0">
+                <a:solidFill>
+                  <a:schemeClr val="tx1"/>
+                </a:solidFill>
+                <a:effectLst/>
+                <a:latin typeface="+mn-lt"/>
+                <a:ea typeface="+mn-ea"/>
+                <a:cs typeface="+mn-cs"/>
+              </a:rPr>
+            </a:br>
+            <a:r>
+              <a:rPr lang="en-US" sz="1200" b="0" i="0" kern="1200" dirty="0" smtClean="0">
+                <a:solidFill>
+                  <a:schemeClr val="tx1"/>
+                </a:solidFill>
+                <a:effectLst/>
+                <a:latin typeface="+mn-lt"/>
+                <a:ea typeface="+mn-ea"/>
+                <a:cs typeface="+mn-cs"/>
+              </a:rPr>
+              <a:t>   if (empty($_POST["website"])) {</a:t>
+            </a:r>
+            <a:br>
+              <a:rPr lang="en-US" sz="1200" b="0" i="0" kern="1200" dirty="0" smtClean="0">
+                <a:solidFill>
+                  <a:schemeClr val="tx1"/>
+                </a:solidFill>
+                <a:effectLst/>
+                <a:latin typeface="+mn-lt"/>
+                <a:ea typeface="+mn-ea"/>
+                <a:cs typeface="+mn-cs"/>
+              </a:rPr>
+            </a:br>
+            <a:r>
+              <a:rPr lang="en-US" sz="1200" b="0" i="0" kern="1200" dirty="0" smtClean="0">
+                <a:solidFill>
+                  <a:schemeClr val="tx1"/>
+                </a:solidFill>
+                <a:effectLst/>
+                <a:latin typeface="+mn-lt"/>
+                <a:ea typeface="+mn-ea"/>
+                <a:cs typeface="+mn-cs"/>
+              </a:rPr>
+              <a:t>     $website = "";</a:t>
+            </a:r>
+            <a:br>
+              <a:rPr lang="en-US" sz="1200" b="0" i="0" kern="1200" dirty="0" smtClean="0">
+                <a:solidFill>
+                  <a:schemeClr val="tx1"/>
+                </a:solidFill>
+                <a:effectLst/>
+                <a:latin typeface="+mn-lt"/>
+                <a:ea typeface="+mn-ea"/>
+                <a:cs typeface="+mn-cs"/>
+              </a:rPr>
+            </a:br>
+            <a:r>
+              <a:rPr lang="en-US" sz="1200" b="0" i="0" kern="1200" dirty="0" smtClean="0">
+                <a:solidFill>
+                  <a:schemeClr val="tx1"/>
+                </a:solidFill>
+                <a:effectLst/>
+                <a:latin typeface="+mn-lt"/>
+                <a:ea typeface="+mn-ea"/>
+                <a:cs typeface="+mn-cs"/>
+              </a:rPr>
+              <a:t>   } else {</a:t>
+            </a:r>
+            <a:br>
+              <a:rPr lang="en-US" sz="1200" b="0" i="0" kern="1200" dirty="0" smtClean="0">
+                <a:solidFill>
+                  <a:schemeClr val="tx1"/>
+                </a:solidFill>
+                <a:effectLst/>
+                <a:latin typeface="+mn-lt"/>
+                <a:ea typeface="+mn-ea"/>
+                <a:cs typeface="+mn-cs"/>
+              </a:rPr>
+            </a:br>
+            <a:r>
+              <a:rPr lang="en-US" sz="1200" b="0" i="0" kern="1200" dirty="0" smtClean="0">
+                <a:solidFill>
+                  <a:schemeClr val="tx1"/>
+                </a:solidFill>
+                <a:effectLst/>
+                <a:latin typeface="+mn-lt"/>
+                <a:ea typeface="+mn-ea"/>
+                <a:cs typeface="+mn-cs"/>
+              </a:rPr>
+              <a:t>     $website = </a:t>
+            </a:r>
+            <a:r>
+              <a:rPr lang="en-US" sz="1200" b="0" i="0" kern="1200" dirty="0" err="1" smtClean="0">
+                <a:solidFill>
+                  <a:schemeClr val="tx1"/>
+                </a:solidFill>
+                <a:effectLst/>
+                <a:latin typeface="+mn-lt"/>
+                <a:ea typeface="+mn-ea"/>
+                <a:cs typeface="+mn-cs"/>
+              </a:rPr>
+              <a:t>test_input</a:t>
+            </a:r>
+            <a:r>
+              <a:rPr lang="en-US" sz="1200" b="0" i="0" kern="1200" dirty="0" smtClean="0">
+                <a:solidFill>
+                  <a:schemeClr val="tx1"/>
+                </a:solidFill>
+                <a:effectLst/>
+                <a:latin typeface="+mn-lt"/>
+                <a:ea typeface="+mn-ea"/>
+                <a:cs typeface="+mn-cs"/>
+              </a:rPr>
+              <a:t>($_POST["website"]);</a:t>
+            </a:r>
+            <a:br>
+              <a:rPr lang="en-US" sz="1200" b="0" i="0" kern="1200" dirty="0" smtClean="0">
+                <a:solidFill>
+                  <a:schemeClr val="tx1"/>
+                </a:solidFill>
+                <a:effectLst/>
+                <a:latin typeface="+mn-lt"/>
+                <a:ea typeface="+mn-ea"/>
+                <a:cs typeface="+mn-cs"/>
+              </a:rPr>
+            </a:br>
+            <a:r>
+              <a:rPr lang="en-US" sz="1200" b="0" i="0" kern="1200" dirty="0" smtClean="0">
+                <a:solidFill>
+                  <a:schemeClr val="tx1"/>
+                </a:solidFill>
+                <a:effectLst/>
+                <a:latin typeface="+mn-lt"/>
+                <a:ea typeface="+mn-ea"/>
+                <a:cs typeface="+mn-cs"/>
+              </a:rPr>
+              <a:t>   }</a:t>
+            </a:r>
+            <a:br>
+              <a:rPr lang="en-US" sz="1200" b="0" i="0" kern="1200" dirty="0" smtClean="0">
+                <a:solidFill>
+                  <a:schemeClr val="tx1"/>
+                </a:solidFill>
+                <a:effectLst/>
+                <a:latin typeface="+mn-lt"/>
+                <a:ea typeface="+mn-ea"/>
+                <a:cs typeface="+mn-cs"/>
+              </a:rPr>
+            </a:br>
+            <a:r>
+              <a:rPr lang="en-US" sz="1200" b="0" i="0" kern="1200" dirty="0" smtClean="0">
+                <a:solidFill>
+                  <a:schemeClr val="tx1"/>
+                </a:solidFill>
+                <a:effectLst/>
+                <a:latin typeface="+mn-lt"/>
+                <a:ea typeface="+mn-ea"/>
+                <a:cs typeface="+mn-cs"/>
+              </a:rPr>
+              <a:t/>
+            </a:r>
+            <a:br>
+              <a:rPr lang="en-US" sz="1200" b="0" i="0" kern="1200" dirty="0" smtClean="0">
+                <a:solidFill>
+                  <a:schemeClr val="tx1"/>
+                </a:solidFill>
+                <a:effectLst/>
+                <a:latin typeface="+mn-lt"/>
+                <a:ea typeface="+mn-ea"/>
+                <a:cs typeface="+mn-cs"/>
+              </a:rPr>
+            </a:br>
+            <a:r>
+              <a:rPr lang="en-US" sz="1200" b="0" i="0" kern="1200" dirty="0" smtClean="0">
+                <a:solidFill>
+                  <a:schemeClr val="tx1"/>
+                </a:solidFill>
+                <a:effectLst/>
+                <a:latin typeface="+mn-lt"/>
+                <a:ea typeface="+mn-ea"/>
+                <a:cs typeface="+mn-cs"/>
+              </a:rPr>
+              <a:t>   if (empty($_POST["comment"])) {</a:t>
+            </a:r>
+            <a:br>
+              <a:rPr lang="en-US" sz="1200" b="0" i="0" kern="1200" dirty="0" smtClean="0">
+                <a:solidFill>
+                  <a:schemeClr val="tx1"/>
+                </a:solidFill>
+                <a:effectLst/>
+                <a:latin typeface="+mn-lt"/>
+                <a:ea typeface="+mn-ea"/>
+                <a:cs typeface="+mn-cs"/>
+              </a:rPr>
+            </a:br>
+            <a:r>
+              <a:rPr lang="en-US" sz="1200" b="0" i="0" kern="1200" dirty="0" smtClean="0">
+                <a:solidFill>
+                  <a:schemeClr val="tx1"/>
+                </a:solidFill>
+                <a:effectLst/>
+                <a:latin typeface="+mn-lt"/>
+                <a:ea typeface="+mn-ea"/>
+                <a:cs typeface="+mn-cs"/>
+              </a:rPr>
+              <a:t>     $comment = "";</a:t>
+            </a:r>
+            <a:br>
+              <a:rPr lang="en-US" sz="1200" b="0" i="0" kern="1200" dirty="0" smtClean="0">
+                <a:solidFill>
+                  <a:schemeClr val="tx1"/>
+                </a:solidFill>
+                <a:effectLst/>
+                <a:latin typeface="+mn-lt"/>
+                <a:ea typeface="+mn-ea"/>
+                <a:cs typeface="+mn-cs"/>
+              </a:rPr>
+            </a:br>
+            <a:r>
+              <a:rPr lang="en-US" sz="1200" b="0" i="0" kern="1200" dirty="0" smtClean="0">
+                <a:solidFill>
+                  <a:schemeClr val="tx1"/>
+                </a:solidFill>
+                <a:effectLst/>
+                <a:latin typeface="+mn-lt"/>
+                <a:ea typeface="+mn-ea"/>
+                <a:cs typeface="+mn-cs"/>
+              </a:rPr>
+              <a:t>   } else {</a:t>
+            </a:r>
+            <a:br>
+              <a:rPr lang="en-US" sz="1200" b="0" i="0" kern="1200" dirty="0" smtClean="0">
+                <a:solidFill>
+                  <a:schemeClr val="tx1"/>
+                </a:solidFill>
+                <a:effectLst/>
+                <a:latin typeface="+mn-lt"/>
+                <a:ea typeface="+mn-ea"/>
+                <a:cs typeface="+mn-cs"/>
+              </a:rPr>
+            </a:br>
+            <a:r>
+              <a:rPr lang="en-US" sz="1200" b="0" i="0" kern="1200" dirty="0" smtClean="0">
+                <a:solidFill>
+                  <a:schemeClr val="tx1"/>
+                </a:solidFill>
+                <a:effectLst/>
+                <a:latin typeface="+mn-lt"/>
+                <a:ea typeface="+mn-ea"/>
+                <a:cs typeface="+mn-cs"/>
+              </a:rPr>
+              <a:t>     $comment = </a:t>
+            </a:r>
+            <a:r>
+              <a:rPr lang="en-US" sz="1200" b="0" i="0" kern="1200" dirty="0" err="1" smtClean="0">
+                <a:solidFill>
+                  <a:schemeClr val="tx1"/>
+                </a:solidFill>
+                <a:effectLst/>
+                <a:latin typeface="+mn-lt"/>
+                <a:ea typeface="+mn-ea"/>
+                <a:cs typeface="+mn-cs"/>
+              </a:rPr>
+              <a:t>test_input</a:t>
+            </a:r>
+            <a:r>
+              <a:rPr lang="en-US" sz="1200" b="0" i="0" kern="1200" dirty="0" smtClean="0">
+                <a:solidFill>
+                  <a:schemeClr val="tx1"/>
+                </a:solidFill>
+                <a:effectLst/>
+                <a:latin typeface="+mn-lt"/>
+                <a:ea typeface="+mn-ea"/>
+                <a:cs typeface="+mn-cs"/>
+              </a:rPr>
+              <a:t>($_POST["comment"]);</a:t>
+            </a:r>
+            <a:br>
+              <a:rPr lang="en-US" sz="1200" b="0" i="0" kern="1200" dirty="0" smtClean="0">
+                <a:solidFill>
+                  <a:schemeClr val="tx1"/>
+                </a:solidFill>
+                <a:effectLst/>
+                <a:latin typeface="+mn-lt"/>
+                <a:ea typeface="+mn-ea"/>
+                <a:cs typeface="+mn-cs"/>
+              </a:rPr>
+            </a:br>
+            <a:r>
+              <a:rPr lang="en-US" sz="1200" b="0" i="0" kern="1200" dirty="0" smtClean="0">
+                <a:solidFill>
+                  <a:schemeClr val="tx1"/>
+                </a:solidFill>
+                <a:effectLst/>
+                <a:latin typeface="+mn-lt"/>
+                <a:ea typeface="+mn-ea"/>
+                <a:cs typeface="+mn-cs"/>
+              </a:rPr>
+              <a:t>   }</a:t>
+            </a:r>
+            <a:br>
+              <a:rPr lang="en-US" sz="1200" b="0" i="0" kern="1200" dirty="0" smtClean="0">
+                <a:solidFill>
+                  <a:schemeClr val="tx1"/>
+                </a:solidFill>
+                <a:effectLst/>
+                <a:latin typeface="+mn-lt"/>
+                <a:ea typeface="+mn-ea"/>
+                <a:cs typeface="+mn-cs"/>
+              </a:rPr>
+            </a:br>
+            <a:r>
+              <a:rPr lang="en-US" sz="1200" b="0" i="0" kern="1200" dirty="0" smtClean="0">
+                <a:solidFill>
+                  <a:schemeClr val="tx1"/>
+                </a:solidFill>
+                <a:effectLst/>
+                <a:latin typeface="+mn-lt"/>
+                <a:ea typeface="+mn-ea"/>
+                <a:cs typeface="+mn-cs"/>
+              </a:rPr>
+              <a:t/>
+            </a:r>
+            <a:br>
+              <a:rPr lang="en-US" sz="1200" b="0" i="0" kern="1200" dirty="0" smtClean="0">
+                <a:solidFill>
+                  <a:schemeClr val="tx1"/>
+                </a:solidFill>
+                <a:effectLst/>
+                <a:latin typeface="+mn-lt"/>
+                <a:ea typeface="+mn-ea"/>
+                <a:cs typeface="+mn-cs"/>
+              </a:rPr>
+            </a:br>
+            <a:r>
+              <a:rPr lang="en-US" sz="1200" b="0" i="0" kern="1200" dirty="0" smtClean="0">
+                <a:solidFill>
+                  <a:schemeClr val="tx1"/>
+                </a:solidFill>
+                <a:effectLst/>
+                <a:latin typeface="+mn-lt"/>
+                <a:ea typeface="+mn-ea"/>
+                <a:cs typeface="+mn-cs"/>
+              </a:rPr>
+              <a:t>   if (empty($_POST["gender"])) {</a:t>
+            </a:r>
+            <a:br>
+              <a:rPr lang="en-US" sz="1200" b="0" i="0" kern="1200" dirty="0" smtClean="0">
+                <a:solidFill>
+                  <a:schemeClr val="tx1"/>
+                </a:solidFill>
+                <a:effectLst/>
+                <a:latin typeface="+mn-lt"/>
+                <a:ea typeface="+mn-ea"/>
+                <a:cs typeface="+mn-cs"/>
+              </a:rPr>
+            </a:br>
+            <a:r>
+              <a:rPr lang="en-US" sz="1200" b="0" i="0" kern="1200" dirty="0" smtClean="0">
+                <a:solidFill>
+                  <a:schemeClr val="tx1"/>
+                </a:solidFill>
+                <a:effectLst/>
+                <a:latin typeface="+mn-lt"/>
+                <a:ea typeface="+mn-ea"/>
+                <a:cs typeface="+mn-cs"/>
+              </a:rPr>
+              <a:t>     $</a:t>
+            </a:r>
+            <a:r>
+              <a:rPr lang="en-US" sz="1200" b="0" i="0" kern="1200" dirty="0" err="1" smtClean="0">
+                <a:solidFill>
+                  <a:schemeClr val="tx1"/>
+                </a:solidFill>
+                <a:effectLst/>
+                <a:latin typeface="+mn-lt"/>
+                <a:ea typeface="+mn-ea"/>
+                <a:cs typeface="+mn-cs"/>
+              </a:rPr>
+              <a:t>genderErr</a:t>
+            </a:r>
+            <a:r>
+              <a:rPr lang="en-US" sz="1200" b="0" i="0" kern="1200" dirty="0" smtClean="0">
+                <a:solidFill>
+                  <a:schemeClr val="tx1"/>
+                </a:solidFill>
+                <a:effectLst/>
+                <a:latin typeface="+mn-lt"/>
+                <a:ea typeface="+mn-ea"/>
+                <a:cs typeface="+mn-cs"/>
+              </a:rPr>
+              <a:t> = "Gender is required";</a:t>
+            </a:r>
+            <a:br>
+              <a:rPr lang="en-US" sz="1200" b="0" i="0" kern="1200" dirty="0" smtClean="0">
+                <a:solidFill>
+                  <a:schemeClr val="tx1"/>
+                </a:solidFill>
+                <a:effectLst/>
+                <a:latin typeface="+mn-lt"/>
+                <a:ea typeface="+mn-ea"/>
+                <a:cs typeface="+mn-cs"/>
+              </a:rPr>
+            </a:br>
+            <a:r>
+              <a:rPr lang="en-US" sz="1200" b="0" i="0" kern="1200" dirty="0" smtClean="0">
+                <a:solidFill>
+                  <a:schemeClr val="tx1"/>
+                </a:solidFill>
+                <a:effectLst/>
+                <a:latin typeface="+mn-lt"/>
+                <a:ea typeface="+mn-ea"/>
+                <a:cs typeface="+mn-cs"/>
+              </a:rPr>
+              <a:t>   } else {</a:t>
+            </a:r>
+            <a:br>
+              <a:rPr lang="en-US" sz="1200" b="0" i="0" kern="1200" dirty="0" smtClean="0">
+                <a:solidFill>
+                  <a:schemeClr val="tx1"/>
+                </a:solidFill>
+                <a:effectLst/>
+                <a:latin typeface="+mn-lt"/>
+                <a:ea typeface="+mn-ea"/>
+                <a:cs typeface="+mn-cs"/>
+              </a:rPr>
+            </a:br>
+            <a:r>
+              <a:rPr lang="en-US" sz="1200" b="0" i="0" kern="1200" dirty="0" smtClean="0">
+                <a:solidFill>
+                  <a:schemeClr val="tx1"/>
+                </a:solidFill>
+                <a:effectLst/>
+                <a:latin typeface="+mn-lt"/>
+                <a:ea typeface="+mn-ea"/>
+                <a:cs typeface="+mn-cs"/>
+              </a:rPr>
+              <a:t>     $gender = </a:t>
+            </a:r>
+            <a:r>
+              <a:rPr lang="en-US" sz="1200" b="0" i="0" kern="1200" dirty="0" err="1" smtClean="0">
+                <a:solidFill>
+                  <a:schemeClr val="tx1"/>
+                </a:solidFill>
+                <a:effectLst/>
+                <a:latin typeface="+mn-lt"/>
+                <a:ea typeface="+mn-ea"/>
+                <a:cs typeface="+mn-cs"/>
+              </a:rPr>
+              <a:t>test_input</a:t>
+            </a:r>
+            <a:r>
+              <a:rPr lang="en-US" sz="1200" b="0" i="0" kern="1200" dirty="0" smtClean="0">
+                <a:solidFill>
+                  <a:schemeClr val="tx1"/>
+                </a:solidFill>
+                <a:effectLst/>
+                <a:latin typeface="+mn-lt"/>
+                <a:ea typeface="+mn-ea"/>
+                <a:cs typeface="+mn-cs"/>
+              </a:rPr>
+              <a:t>($_POST["gender"]);</a:t>
+            </a:r>
+            <a:br>
+              <a:rPr lang="en-US" sz="1200" b="0" i="0" kern="1200" dirty="0" smtClean="0">
+                <a:solidFill>
+                  <a:schemeClr val="tx1"/>
+                </a:solidFill>
+                <a:effectLst/>
+                <a:latin typeface="+mn-lt"/>
+                <a:ea typeface="+mn-ea"/>
+                <a:cs typeface="+mn-cs"/>
+              </a:rPr>
+            </a:br>
+            <a:r>
+              <a:rPr lang="en-US" sz="1200" b="0" i="0" kern="1200" dirty="0" smtClean="0">
+                <a:solidFill>
+                  <a:schemeClr val="tx1"/>
+                </a:solidFill>
+                <a:effectLst/>
+                <a:latin typeface="+mn-lt"/>
+                <a:ea typeface="+mn-ea"/>
+                <a:cs typeface="+mn-cs"/>
+              </a:rPr>
+              <a:t>   }</a:t>
+            </a:r>
+            <a:br>
+              <a:rPr lang="en-US" sz="1200" b="0" i="0" kern="1200" dirty="0" smtClean="0">
+                <a:solidFill>
+                  <a:schemeClr val="tx1"/>
+                </a:solidFill>
+                <a:effectLst/>
+                <a:latin typeface="+mn-lt"/>
+                <a:ea typeface="+mn-ea"/>
+                <a:cs typeface="+mn-cs"/>
+              </a:rPr>
+            </a:br>
+            <a:r>
+              <a:rPr lang="en-US" sz="1200" b="0" i="0" kern="1200" dirty="0" smtClean="0">
+                <a:solidFill>
+                  <a:schemeClr val="tx1"/>
+                </a:solidFill>
+                <a:effectLst/>
+                <a:latin typeface="+mn-lt"/>
+                <a:ea typeface="+mn-ea"/>
+                <a:cs typeface="+mn-cs"/>
+              </a:rPr>
+              <a:t>}</a:t>
+            </a:r>
+            <a:br>
+              <a:rPr lang="en-US" sz="1200" b="0" i="0" kern="1200" dirty="0" smtClean="0">
+                <a:solidFill>
+                  <a:schemeClr val="tx1"/>
+                </a:solidFill>
+                <a:effectLst/>
+                <a:latin typeface="+mn-lt"/>
+                <a:ea typeface="+mn-ea"/>
+                <a:cs typeface="+mn-cs"/>
+              </a:rPr>
+            </a:br>
+            <a:r>
+              <a:rPr lang="en-US" sz="1200" b="0" i="0" kern="1200" dirty="0" smtClean="0">
+                <a:solidFill>
+                  <a:schemeClr val="tx1"/>
+                </a:solidFill>
+                <a:effectLst/>
+                <a:latin typeface="+mn-lt"/>
+                <a:ea typeface="+mn-ea"/>
+                <a:cs typeface="+mn-cs"/>
+              </a:rPr>
+              <a:t/>
+            </a:r>
+            <a:br>
+              <a:rPr lang="en-US" sz="1200" b="0" i="0" kern="1200" dirty="0" smtClean="0">
+                <a:solidFill>
+                  <a:schemeClr val="tx1"/>
+                </a:solidFill>
+                <a:effectLst/>
+                <a:latin typeface="+mn-lt"/>
+                <a:ea typeface="+mn-ea"/>
+                <a:cs typeface="+mn-cs"/>
+              </a:rPr>
+            </a:br>
+            <a:r>
+              <a:rPr lang="en-US" sz="1200" b="0" i="0" kern="1200" dirty="0" smtClean="0">
+                <a:solidFill>
+                  <a:schemeClr val="tx1"/>
+                </a:solidFill>
+                <a:effectLst/>
+                <a:latin typeface="+mn-lt"/>
+                <a:ea typeface="+mn-ea"/>
+                <a:cs typeface="+mn-cs"/>
+              </a:rPr>
+              <a:t>function </a:t>
+            </a:r>
+            <a:r>
+              <a:rPr lang="en-US" sz="1200" b="0" i="0" kern="1200" dirty="0" err="1" smtClean="0">
+                <a:solidFill>
+                  <a:schemeClr val="tx1"/>
+                </a:solidFill>
+                <a:effectLst/>
+                <a:latin typeface="+mn-lt"/>
+                <a:ea typeface="+mn-ea"/>
+                <a:cs typeface="+mn-cs"/>
+              </a:rPr>
+              <a:t>test_input</a:t>
+            </a:r>
+            <a:r>
+              <a:rPr lang="en-US" sz="1200" b="0" i="0" kern="1200" dirty="0" smtClean="0">
+                <a:solidFill>
+                  <a:schemeClr val="tx1"/>
+                </a:solidFill>
+                <a:effectLst/>
+                <a:latin typeface="+mn-lt"/>
+                <a:ea typeface="+mn-ea"/>
+                <a:cs typeface="+mn-cs"/>
+              </a:rPr>
+              <a:t>($data) {</a:t>
+            </a:r>
+            <a:br>
+              <a:rPr lang="en-US" sz="1200" b="0" i="0" kern="1200" dirty="0" smtClean="0">
+                <a:solidFill>
+                  <a:schemeClr val="tx1"/>
+                </a:solidFill>
+                <a:effectLst/>
+                <a:latin typeface="+mn-lt"/>
+                <a:ea typeface="+mn-ea"/>
+                <a:cs typeface="+mn-cs"/>
+              </a:rPr>
+            </a:br>
+            <a:r>
+              <a:rPr lang="en-US" sz="1200" b="0" i="0" kern="1200" dirty="0" smtClean="0">
+                <a:solidFill>
+                  <a:schemeClr val="tx1"/>
+                </a:solidFill>
+                <a:effectLst/>
+                <a:latin typeface="+mn-lt"/>
+                <a:ea typeface="+mn-ea"/>
+                <a:cs typeface="+mn-cs"/>
+              </a:rPr>
+              <a:t>   $data = trim($data);</a:t>
+            </a:r>
+            <a:br>
+              <a:rPr lang="en-US" sz="1200" b="0" i="0" kern="1200" dirty="0" smtClean="0">
+                <a:solidFill>
+                  <a:schemeClr val="tx1"/>
+                </a:solidFill>
+                <a:effectLst/>
+                <a:latin typeface="+mn-lt"/>
+                <a:ea typeface="+mn-ea"/>
+                <a:cs typeface="+mn-cs"/>
+              </a:rPr>
+            </a:br>
+            <a:r>
+              <a:rPr lang="en-US" sz="1200" b="0" i="0" kern="1200" dirty="0" smtClean="0">
+                <a:solidFill>
+                  <a:schemeClr val="tx1"/>
+                </a:solidFill>
+                <a:effectLst/>
+                <a:latin typeface="+mn-lt"/>
+                <a:ea typeface="+mn-ea"/>
+                <a:cs typeface="+mn-cs"/>
+              </a:rPr>
+              <a:t>   $data = </a:t>
+            </a:r>
+            <a:r>
+              <a:rPr lang="en-US" sz="1200" b="0" i="0" kern="1200" dirty="0" err="1" smtClean="0">
+                <a:solidFill>
+                  <a:schemeClr val="tx1"/>
+                </a:solidFill>
+                <a:effectLst/>
+                <a:latin typeface="+mn-lt"/>
+                <a:ea typeface="+mn-ea"/>
+                <a:cs typeface="+mn-cs"/>
+              </a:rPr>
+              <a:t>stripslashes</a:t>
+            </a:r>
+            <a:r>
+              <a:rPr lang="en-US" sz="1200" b="0" i="0" kern="1200" dirty="0" smtClean="0">
+                <a:solidFill>
+                  <a:schemeClr val="tx1"/>
+                </a:solidFill>
+                <a:effectLst/>
+                <a:latin typeface="+mn-lt"/>
+                <a:ea typeface="+mn-ea"/>
+                <a:cs typeface="+mn-cs"/>
+              </a:rPr>
+              <a:t>($data);</a:t>
+            </a:r>
+            <a:br>
+              <a:rPr lang="en-US" sz="1200" b="0" i="0" kern="1200" dirty="0" smtClean="0">
+                <a:solidFill>
+                  <a:schemeClr val="tx1"/>
+                </a:solidFill>
+                <a:effectLst/>
+                <a:latin typeface="+mn-lt"/>
+                <a:ea typeface="+mn-ea"/>
+                <a:cs typeface="+mn-cs"/>
+              </a:rPr>
+            </a:br>
+            <a:r>
+              <a:rPr lang="en-US" sz="1200" b="0" i="0" kern="1200" dirty="0" smtClean="0">
+                <a:solidFill>
+                  <a:schemeClr val="tx1"/>
+                </a:solidFill>
+                <a:effectLst/>
+                <a:latin typeface="+mn-lt"/>
+                <a:ea typeface="+mn-ea"/>
+                <a:cs typeface="+mn-cs"/>
+              </a:rPr>
+              <a:t>   $data = </a:t>
+            </a:r>
+            <a:r>
+              <a:rPr lang="en-US" sz="1200" b="0" i="0" kern="1200" dirty="0" err="1" smtClean="0">
+                <a:solidFill>
+                  <a:schemeClr val="tx1"/>
+                </a:solidFill>
+                <a:effectLst/>
+                <a:latin typeface="+mn-lt"/>
+                <a:ea typeface="+mn-ea"/>
+                <a:cs typeface="+mn-cs"/>
+              </a:rPr>
+              <a:t>htmlspecialchars</a:t>
+            </a:r>
+            <a:r>
+              <a:rPr lang="en-US" sz="1200" b="0" i="0" kern="1200" dirty="0" smtClean="0">
+                <a:solidFill>
+                  <a:schemeClr val="tx1"/>
+                </a:solidFill>
+                <a:effectLst/>
+                <a:latin typeface="+mn-lt"/>
+                <a:ea typeface="+mn-ea"/>
+                <a:cs typeface="+mn-cs"/>
+              </a:rPr>
+              <a:t>($data);</a:t>
+            </a:r>
+            <a:br>
+              <a:rPr lang="en-US" sz="1200" b="0" i="0" kern="1200" dirty="0" smtClean="0">
+                <a:solidFill>
+                  <a:schemeClr val="tx1"/>
+                </a:solidFill>
+                <a:effectLst/>
+                <a:latin typeface="+mn-lt"/>
+                <a:ea typeface="+mn-ea"/>
+                <a:cs typeface="+mn-cs"/>
+              </a:rPr>
+            </a:br>
+            <a:r>
+              <a:rPr lang="en-US" sz="1200" b="0" i="0" kern="1200" dirty="0" smtClean="0">
+                <a:solidFill>
+                  <a:schemeClr val="tx1"/>
+                </a:solidFill>
+                <a:effectLst/>
+                <a:latin typeface="+mn-lt"/>
+                <a:ea typeface="+mn-ea"/>
+                <a:cs typeface="+mn-cs"/>
+              </a:rPr>
+              <a:t>   return $data;</a:t>
+            </a:r>
+            <a:br>
+              <a:rPr lang="en-US" sz="1200" b="0" i="0" kern="1200" dirty="0" smtClean="0">
+                <a:solidFill>
+                  <a:schemeClr val="tx1"/>
+                </a:solidFill>
+                <a:effectLst/>
+                <a:latin typeface="+mn-lt"/>
+                <a:ea typeface="+mn-ea"/>
+                <a:cs typeface="+mn-cs"/>
+              </a:rPr>
+            </a:br>
+            <a:r>
+              <a:rPr lang="en-US" sz="1200" b="0" i="0" kern="1200" dirty="0" smtClean="0">
+                <a:solidFill>
+                  <a:schemeClr val="tx1"/>
+                </a:solidFill>
+                <a:effectLst/>
+                <a:latin typeface="+mn-lt"/>
+                <a:ea typeface="+mn-ea"/>
+                <a:cs typeface="+mn-cs"/>
+              </a:rPr>
+              <a:t>}</a:t>
+            </a:r>
+            <a:br>
+              <a:rPr lang="en-US" sz="1200" b="0" i="0" kern="1200" dirty="0" smtClean="0">
+                <a:solidFill>
+                  <a:schemeClr val="tx1"/>
+                </a:solidFill>
+                <a:effectLst/>
+                <a:latin typeface="+mn-lt"/>
+                <a:ea typeface="+mn-ea"/>
+                <a:cs typeface="+mn-cs"/>
+              </a:rPr>
+            </a:br>
+            <a:r>
+              <a:rPr lang="en-US" sz="1200" b="0" i="0" kern="1200" dirty="0" smtClean="0">
+                <a:solidFill>
+                  <a:schemeClr val="tx1"/>
+                </a:solidFill>
+                <a:effectLst/>
+                <a:latin typeface="+mn-lt"/>
+                <a:ea typeface="+mn-ea"/>
+                <a:cs typeface="+mn-cs"/>
+              </a:rPr>
+              <a:t>?&gt;</a:t>
+            </a:r>
+            <a:r>
+              <a:rPr lang="en-US" dirty="0" smtClean="0"/>
+              <a:t/>
+            </a:r>
+            <a:br>
+              <a:rPr lang="en-US" dirty="0" smtClean="0"/>
+            </a:br>
+            <a:r>
+              <a:rPr lang="en-US" dirty="0" smtClean="0"/>
+              <a:t/>
+            </a:r>
+            <a:br>
+              <a:rPr lang="en-US" dirty="0" smtClean="0"/>
+            </a:br>
+            <a:r>
+              <a:rPr lang="en-US" sz="1200" b="0" i="0" kern="1200" dirty="0" smtClean="0">
+                <a:solidFill>
+                  <a:schemeClr val="tx1"/>
+                </a:solidFill>
+                <a:effectLst/>
+                <a:latin typeface="+mn-lt"/>
+                <a:ea typeface="+mn-ea"/>
+                <a:cs typeface="+mn-cs"/>
+              </a:rPr>
+              <a:t>&lt;h2&gt;PHP Form Validation Example&lt;/h2&gt;</a:t>
+            </a:r>
+            <a:r>
+              <a:rPr lang="en-US" dirty="0" smtClean="0"/>
+              <a:t/>
+            </a:r>
+            <a:br>
+              <a:rPr lang="en-US" dirty="0" smtClean="0"/>
+            </a:br>
+            <a:r>
+              <a:rPr lang="en-US" sz="1200" b="0" i="0" kern="1200" dirty="0" smtClean="0">
+                <a:solidFill>
+                  <a:schemeClr val="tx1"/>
+                </a:solidFill>
+                <a:effectLst/>
+                <a:latin typeface="+mn-lt"/>
+                <a:ea typeface="+mn-ea"/>
+                <a:cs typeface="+mn-cs"/>
+              </a:rPr>
+              <a:t>&lt;p&gt;&lt;span class="error"&gt;* required field.&lt;/span&gt;&lt;/p&gt;</a:t>
+            </a:r>
+            <a:r>
+              <a:rPr lang="en-US" dirty="0" smtClean="0"/>
+              <a:t/>
+            </a:r>
+            <a:br>
+              <a:rPr lang="en-US" dirty="0" smtClean="0"/>
+            </a:br>
+            <a:r>
+              <a:rPr lang="en-US" sz="1200" b="0" i="0" kern="1200" dirty="0" smtClean="0">
+                <a:solidFill>
+                  <a:schemeClr val="tx1"/>
+                </a:solidFill>
+                <a:effectLst/>
+                <a:latin typeface="+mn-lt"/>
+                <a:ea typeface="+mn-ea"/>
+                <a:cs typeface="+mn-cs"/>
+              </a:rPr>
+              <a:t>&lt;form method="post" action="&lt;?</a:t>
+            </a:r>
+            <a:r>
+              <a:rPr lang="en-US" sz="1200" b="0" i="0" kern="1200" dirty="0" err="1" smtClean="0">
+                <a:solidFill>
+                  <a:schemeClr val="tx1"/>
+                </a:solidFill>
+                <a:effectLst/>
+                <a:latin typeface="+mn-lt"/>
+                <a:ea typeface="+mn-ea"/>
+                <a:cs typeface="+mn-cs"/>
+              </a:rPr>
+              <a:t>php</a:t>
+            </a:r>
+            <a:r>
+              <a:rPr lang="en-US" sz="1200" b="0" i="0" kern="1200" dirty="0" smtClean="0">
+                <a:solidFill>
+                  <a:schemeClr val="tx1"/>
+                </a:solidFill>
+                <a:effectLst/>
+                <a:latin typeface="+mn-lt"/>
+                <a:ea typeface="+mn-ea"/>
+                <a:cs typeface="+mn-cs"/>
+              </a:rPr>
+              <a:t> echo </a:t>
+            </a:r>
+            <a:r>
+              <a:rPr lang="en-US" sz="1200" b="0" i="0" kern="1200" dirty="0" err="1" smtClean="0">
+                <a:solidFill>
+                  <a:schemeClr val="tx1"/>
+                </a:solidFill>
+                <a:effectLst/>
+                <a:latin typeface="+mn-lt"/>
+                <a:ea typeface="+mn-ea"/>
+                <a:cs typeface="+mn-cs"/>
+              </a:rPr>
+              <a:t>htmlspecialchars</a:t>
+            </a:r>
+            <a:r>
+              <a:rPr lang="en-US" sz="1200" b="0" i="0" kern="1200" dirty="0" smtClean="0">
+                <a:solidFill>
+                  <a:schemeClr val="tx1"/>
+                </a:solidFill>
+                <a:effectLst/>
+                <a:latin typeface="+mn-lt"/>
+                <a:ea typeface="+mn-ea"/>
+                <a:cs typeface="+mn-cs"/>
+              </a:rPr>
+              <a:t>($_SERVER["PHP_SELF"]);?&gt;"&gt; </a:t>
+            </a:r>
+            <a:r>
+              <a:rPr lang="en-US" dirty="0" smtClean="0"/>
+              <a:t/>
+            </a:r>
+            <a:br>
+              <a:rPr lang="en-US" dirty="0" smtClean="0"/>
+            </a:br>
+            <a:r>
+              <a:rPr lang="en-US" sz="1200" b="0" i="0" kern="1200" dirty="0" smtClean="0">
+                <a:solidFill>
+                  <a:schemeClr val="tx1"/>
+                </a:solidFill>
+                <a:effectLst/>
+                <a:latin typeface="+mn-lt"/>
+                <a:ea typeface="+mn-ea"/>
+                <a:cs typeface="+mn-cs"/>
+              </a:rPr>
+              <a:t>   Name: &lt;input type="text" name="name"&gt;</a:t>
+            </a:r>
+            <a:r>
+              <a:rPr lang="en-US" dirty="0" smtClean="0"/>
+              <a:t/>
+            </a:r>
+            <a:br>
+              <a:rPr lang="en-US" dirty="0" smtClean="0"/>
+            </a:br>
+            <a:r>
+              <a:rPr lang="en-US" sz="1200" b="0" i="0" kern="1200" dirty="0" smtClean="0">
+                <a:solidFill>
+                  <a:schemeClr val="tx1"/>
+                </a:solidFill>
+                <a:effectLst/>
+                <a:latin typeface="+mn-lt"/>
+                <a:ea typeface="+mn-ea"/>
+                <a:cs typeface="+mn-cs"/>
+              </a:rPr>
+              <a:t>   &lt;span class="error"&gt;* &lt;?</a:t>
+            </a:r>
+            <a:r>
+              <a:rPr lang="en-US" sz="1200" b="0" i="0" kern="1200" dirty="0" err="1" smtClean="0">
+                <a:solidFill>
+                  <a:schemeClr val="tx1"/>
+                </a:solidFill>
+                <a:effectLst/>
+                <a:latin typeface="+mn-lt"/>
+                <a:ea typeface="+mn-ea"/>
+                <a:cs typeface="+mn-cs"/>
+              </a:rPr>
+              <a:t>php</a:t>
+            </a:r>
+            <a:r>
+              <a:rPr lang="en-US" sz="1200" b="0" i="0" kern="1200" dirty="0" smtClean="0">
+                <a:solidFill>
+                  <a:schemeClr val="tx1"/>
+                </a:solidFill>
+                <a:effectLst/>
+                <a:latin typeface="+mn-lt"/>
+                <a:ea typeface="+mn-ea"/>
+                <a:cs typeface="+mn-cs"/>
+              </a:rPr>
+              <a:t> echo $</a:t>
+            </a:r>
+            <a:r>
+              <a:rPr lang="en-US" sz="1200" b="0" i="0" kern="1200" dirty="0" err="1" smtClean="0">
+                <a:solidFill>
+                  <a:schemeClr val="tx1"/>
+                </a:solidFill>
+                <a:effectLst/>
+                <a:latin typeface="+mn-lt"/>
+                <a:ea typeface="+mn-ea"/>
+                <a:cs typeface="+mn-cs"/>
+              </a:rPr>
+              <a:t>nameErr</a:t>
+            </a:r>
+            <a:r>
+              <a:rPr lang="en-US" sz="1200" b="0" i="0" kern="1200" dirty="0" smtClean="0">
+                <a:solidFill>
+                  <a:schemeClr val="tx1"/>
+                </a:solidFill>
+                <a:effectLst/>
+                <a:latin typeface="+mn-lt"/>
+                <a:ea typeface="+mn-ea"/>
+                <a:cs typeface="+mn-cs"/>
+              </a:rPr>
+              <a:t>;?&gt;&lt;/span&gt;</a:t>
+            </a:r>
+            <a:r>
+              <a:rPr lang="en-US" dirty="0" smtClean="0"/>
+              <a:t/>
+            </a:r>
+            <a:br>
+              <a:rPr lang="en-US" dirty="0" smtClean="0"/>
+            </a:br>
+            <a:r>
+              <a:rPr lang="en-US" sz="1200" b="0" i="0" kern="1200" dirty="0" smtClean="0">
+                <a:solidFill>
+                  <a:schemeClr val="tx1"/>
+                </a:solidFill>
+                <a:effectLst/>
+                <a:latin typeface="+mn-lt"/>
+                <a:ea typeface="+mn-ea"/>
+                <a:cs typeface="+mn-cs"/>
+              </a:rPr>
+              <a:t>   &lt;</a:t>
+            </a:r>
+            <a:r>
+              <a:rPr lang="en-US" sz="1200" b="0" i="0" kern="1200" dirty="0" err="1" smtClean="0">
+                <a:solidFill>
+                  <a:schemeClr val="tx1"/>
+                </a:solidFill>
+                <a:effectLst/>
+                <a:latin typeface="+mn-lt"/>
+                <a:ea typeface="+mn-ea"/>
+                <a:cs typeface="+mn-cs"/>
+              </a:rPr>
+              <a:t>br</a:t>
+            </a:r>
+            <a:r>
+              <a:rPr lang="en-US" sz="1200" b="0" i="0" kern="1200" dirty="0" smtClean="0">
+                <a:solidFill>
+                  <a:schemeClr val="tx1"/>
+                </a:solidFill>
+                <a:effectLst/>
+                <a:latin typeface="+mn-lt"/>
+                <a:ea typeface="+mn-ea"/>
+                <a:cs typeface="+mn-cs"/>
+              </a:rPr>
+              <a:t>&gt;&lt;</a:t>
+            </a:r>
+            <a:r>
+              <a:rPr lang="en-US" sz="1200" b="0" i="0" kern="1200" dirty="0" err="1" smtClean="0">
+                <a:solidFill>
+                  <a:schemeClr val="tx1"/>
+                </a:solidFill>
+                <a:effectLst/>
+                <a:latin typeface="+mn-lt"/>
+                <a:ea typeface="+mn-ea"/>
+                <a:cs typeface="+mn-cs"/>
+              </a:rPr>
+              <a:t>br</a:t>
+            </a:r>
+            <a:r>
+              <a:rPr lang="en-US" sz="1200" b="0" i="0" kern="1200" dirty="0" smtClean="0">
+                <a:solidFill>
+                  <a:schemeClr val="tx1"/>
+                </a:solidFill>
+                <a:effectLst/>
+                <a:latin typeface="+mn-lt"/>
+                <a:ea typeface="+mn-ea"/>
+                <a:cs typeface="+mn-cs"/>
+              </a:rPr>
+              <a:t>&gt;</a:t>
+            </a:r>
+            <a:r>
+              <a:rPr lang="en-US" dirty="0" smtClean="0"/>
+              <a:t/>
+            </a:r>
+            <a:br>
+              <a:rPr lang="en-US" dirty="0" smtClean="0"/>
+            </a:br>
+            <a:r>
+              <a:rPr lang="en-US" sz="1200" b="0" i="0" kern="1200" dirty="0" smtClean="0">
+                <a:solidFill>
+                  <a:schemeClr val="tx1"/>
+                </a:solidFill>
+                <a:effectLst/>
+                <a:latin typeface="+mn-lt"/>
+                <a:ea typeface="+mn-ea"/>
+                <a:cs typeface="+mn-cs"/>
+              </a:rPr>
+              <a:t>   E-mail: &lt;input type="text" name="email"&gt;</a:t>
+            </a:r>
+            <a:r>
+              <a:rPr lang="en-US" dirty="0" smtClean="0"/>
+              <a:t/>
+            </a:r>
+            <a:br>
+              <a:rPr lang="en-US" dirty="0" smtClean="0"/>
+            </a:br>
+            <a:r>
+              <a:rPr lang="en-US" sz="1200" b="0" i="0" kern="1200" dirty="0" smtClean="0">
+                <a:solidFill>
+                  <a:schemeClr val="tx1"/>
+                </a:solidFill>
+                <a:effectLst/>
+                <a:latin typeface="+mn-lt"/>
+                <a:ea typeface="+mn-ea"/>
+                <a:cs typeface="+mn-cs"/>
+              </a:rPr>
+              <a:t>   &lt;span class="error"&gt;* &lt;?</a:t>
+            </a:r>
+            <a:r>
+              <a:rPr lang="en-US" sz="1200" b="0" i="0" kern="1200" dirty="0" err="1" smtClean="0">
+                <a:solidFill>
+                  <a:schemeClr val="tx1"/>
+                </a:solidFill>
+                <a:effectLst/>
+                <a:latin typeface="+mn-lt"/>
+                <a:ea typeface="+mn-ea"/>
+                <a:cs typeface="+mn-cs"/>
+              </a:rPr>
+              <a:t>php</a:t>
+            </a:r>
+            <a:r>
+              <a:rPr lang="en-US" sz="1200" b="0" i="0" kern="1200" dirty="0" smtClean="0">
+                <a:solidFill>
+                  <a:schemeClr val="tx1"/>
+                </a:solidFill>
+                <a:effectLst/>
+                <a:latin typeface="+mn-lt"/>
+                <a:ea typeface="+mn-ea"/>
+                <a:cs typeface="+mn-cs"/>
+              </a:rPr>
+              <a:t> echo $</a:t>
+            </a:r>
+            <a:r>
+              <a:rPr lang="en-US" sz="1200" b="0" i="0" kern="1200" dirty="0" err="1" smtClean="0">
+                <a:solidFill>
+                  <a:schemeClr val="tx1"/>
+                </a:solidFill>
+                <a:effectLst/>
+                <a:latin typeface="+mn-lt"/>
+                <a:ea typeface="+mn-ea"/>
+                <a:cs typeface="+mn-cs"/>
+              </a:rPr>
+              <a:t>emailErr</a:t>
+            </a:r>
+            <a:r>
+              <a:rPr lang="en-US" sz="1200" b="0" i="0" kern="1200" dirty="0" smtClean="0">
+                <a:solidFill>
+                  <a:schemeClr val="tx1"/>
+                </a:solidFill>
+                <a:effectLst/>
+                <a:latin typeface="+mn-lt"/>
+                <a:ea typeface="+mn-ea"/>
+                <a:cs typeface="+mn-cs"/>
+              </a:rPr>
+              <a:t>;?&gt;&lt;/span&gt;</a:t>
+            </a:r>
+            <a:r>
+              <a:rPr lang="en-US" dirty="0" smtClean="0"/>
+              <a:t/>
+            </a:r>
+            <a:br>
+              <a:rPr lang="en-US" dirty="0" smtClean="0"/>
+            </a:br>
+            <a:r>
+              <a:rPr lang="en-US" sz="1200" b="0" i="0" kern="1200" dirty="0" smtClean="0">
+                <a:solidFill>
+                  <a:schemeClr val="tx1"/>
+                </a:solidFill>
+                <a:effectLst/>
+                <a:latin typeface="+mn-lt"/>
+                <a:ea typeface="+mn-ea"/>
+                <a:cs typeface="+mn-cs"/>
+              </a:rPr>
+              <a:t>   &lt;</a:t>
+            </a:r>
+            <a:r>
+              <a:rPr lang="en-US" sz="1200" b="0" i="0" kern="1200" dirty="0" err="1" smtClean="0">
+                <a:solidFill>
+                  <a:schemeClr val="tx1"/>
+                </a:solidFill>
+                <a:effectLst/>
+                <a:latin typeface="+mn-lt"/>
+                <a:ea typeface="+mn-ea"/>
+                <a:cs typeface="+mn-cs"/>
+              </a:rPr>
+              <a:t>br</a:t>
+            </a:r>
+            <a:r>
+              <a:rPr lang="en-US" sz="1200" b="0" i="0" kern="1200" dirty="0" smtClean="0">
+                <a:solidFill>
+                  <a:schemeClr val="tx1"/>
+                </a:solidFill>
+                <a:effectLst/>
+                <a:latin typeface="+mn-lt"/>
+                <a:ea typeface="+mn-ea"/>
+                <a:cs typeface="+mn-cs"/>
+              </a:rPr>
+              <a:t>&gt;&lt;</a:t>
+            </a:r>
+            <a:r>
+              <a:rPr lang="en-US" sz="1200" b="0" i="0" kern="1200" dirty="0" err="1" smtClean="0">
+                <a:solidFill>
+                  <a:schemeClr val="tx1"/>
+                </a:solidFill>
+                <a:effectLst/>
+                <a:latin typeface="+mn-lt"/>
+                <a:ea typeface="+mn-ea"/>
+                <a:cs typeface="+mn-cs"/>
+              </a:rPr>
+              <a:t>br</a:t>
+            </a:r>
+            <a:r>
+              <a:rPr lang="en-US" sz="1200" b="0" i="0" kern="1200" dirty="0" smtClean="0">
+                <a:solidFill>
+                  <a:schemeClr val="tx1"/>
+                </a:solidFill>
+                <a:effectLst/>
+                <a:latin typeface="+mn-lt"/>
+                <a:ea typeface="+mn-ea"/>
+                <a:cs typeface="+mn-cs"/>
+              </a:rPr>
+              <a:t>&gt;</a:t>
+            </a:r>
+            <a:r>
+              <a:rPr lang="en-US" dirty="0" smtClean="0"/>
+              <a:t/>
+            </a:r>
+            <a:br>
+              <a:rPr lang="en-US" dirty="0" smtClean="0"/>
+            </a:br>
+            <a:r>
+              <a:rPr lang="en-US" sz="1200" b="0" i="0" kern="1200" dirty="0" smtClean="0">
+                <a:solidFill>
+                  <a:schemeClr val="tx1"/>
+                </a:solidFill>
+                <a:effectLst/>
+                <a:latin typeface="+mn-lt"/>
+                <a:ea typeface="+mn-ea"/>
+                <a:cs typeface="+mn-cs"/>
+              </a:rPr>
+              <a:t>   Website: &lt;input type="text" name="website"&gt;</a:t>
+            </a:r>
+            <a:r>
+              <a:rPr lang="en-US" dirty="0" smtClean="0"/>
+              <a:t/>
+            </a:r>
+            <a:br>
+              <a:rPr lang="en-US" dirty="0" smtClean="0"/>
+            </a:br>
+            <a:r>
+              <a:rPr lang="en-US" sz="1200" b="0" i="0" kern="1200" dirty="0" smtClean="0">
+                <a:solidFill>
+                  <a:schemeClr val="tx1"/>
+                </a:solidFill>
+                <a:effectLst/>
+                <a:latin typeface="+mn-lt"/>
+                <a:ea typeface="+mn-ea"/>
+                <a:cs typeface="+mn-cs"/>
+              </a:rPr>
+              <a:t>   &lt;span class="error"&gt;&lt;?</a:t>
+            </a:r>
+            <a:r>
+              <a:rPr lang="en-US" sz="1200" b="0" i="0" kern="1200" dirty="0" err="1" smtClean="0">
+                <a:solidFill>
+                  <a:schemeClr val="tx1"/>
+                </a:solidFill>
+                <a:effectLst/>
+                <a:latin typeface="+mn-lt"/>
+                <a:ea typeface="+mn-ea"/>
+                <a:cs typeface="+mn-cs"/>
+              </a:rPr>
+              <a:t>php</a:t>
+            </a:r>
+            <a:r>
+              <a:rPr lang="en-US" sz="1200" b="0" i="0" kern="1200" dirty="0" smtClean="0">
+                <a:solidFill>
+                  <a:schemeClr val="tx1"/>
+                </a:solidFill>
+                <a:effectLst/>
+                <a:latin typeface="+mn-lt"/>
+                <a:ea typeface="+mn-ea"/>
+                <a:cs typeface="+mn-cs"/>
+              </a:rPr>
+              <a:t> echo $</a:t>
+            </a:r>
+            <a:r>
+              <a:rPr lang="en-US" sz="1200" b="0" i="0" kern="1200" dirty="0" err="1" smtClean="0">
+                <a:solidFill>
+                  <a:schemeClr val="tx1"/>
+                </a:solidFill>
+                <a:effectLst/>
+                <a:latin typeface="+mn-lt"/>
+                <a:ea typeface="+mn-ea"/>
+                <a:cs typeface="+mn-cs"/>
+              </a:rPr>
+              <a:t>websiteErr</a:t>
+            </a:r>
+            <a:r>
+              <a:rPr lang="en-US" sz="1200" b="0" i="0" kern="1200" dirty="0" smtClean="0">
+                <a:solidFill>
+                  <a:schemeClr val="tx1"/>
+                </a:solidFill>
+                <a:effectLst/>
+                <a:latin typeface="+mn-lt"/>
+                <a:ea typeface="+mn-ea"/>
+                <a:cs typeface="+mn-cs"/>
+              </a:rPr>
+              <a:t>;?&gt;&lt;/span&gt;</a:t>
+            </a:r>
+            <a:r>
+              <a:rPr lang="en-US" dirty="0" smtClean="0"/>
+              <a:t/>
+            </a:r>
+            <a:br>
+              <a:rPr lang="en-US" dirty="0" smtClean="0"/>
+            </a:br>
+            <a:r>
+              <a:rPr lang="en-US" sz="1200" b="0" i="0" kern="1200" dirty="0" smtClean="0">
+                <a:solidFill>
+                  <a:schemeClr val="tx1"/>
+                </a:solidFill>
+                <a:effectLst/>
+                <a:latin typeface="+mn-lt"/>
+                <a:ea typeface="+mn-ea"/>
+                <a:cs typeface="+mn-cs"/>
+              </a:rPr>
+              <a:t>   &lt;</a:t>
+            </a:r>
+            <a:r>
+              <a:rPr lang="en-US" sz="1200" b="0" i="0" kern="1200" dirty="0" err="1" smtClean="0">
+                <a:solidFill>
+                  <a:schemeClr val="tx1"/>
+                </a:solidFill>
+                <a:effectLst/>
+                <a:latin typeface="+mn-lt"/>
+                <a:ea typeface="+mn-ea"/>
+                <a:cs typeface="+mn-cs"/>
+              </a:rPr>
+              <a:t>br</a:t>
+            </a:r>
+            <a:r>
+              <a:rPr lang="en-US" sz="1200" b="0" i="0" kern="1200" dirty="0" smtClean="0">
+                <a:solidFill>
+                  <a:schemeClr val="tx1"/>
+                </a:solidFill>
+                <a:effectLst/>
+                <a:latin typeface="+mn-lt"/>
+                <a:ea typeface="+mn-ea"/>
+                <a:cs typeface="+mn-cs"/>
+              </a:rPr>
+              <a:t>&gt;&lt;</a:t>
+            </a:r>
+            <a:r>
+              <a:rPr lang="en-US" sz="1200" b="0" i="0" kern="1200" dirty="0" err="1" smtClean="0">
+                <a:solidFill>
+                  <a:schemeClr val="tx1"/>
+                </a:solidFill>
+                <a:effectLst/>
+                <a:latin typeface="+mn-lt"/>
+                <a:ea typeface="+mn-ea"/>
+                <a:cs typeface="+mn-cs"/>
+              </a:rPr>
+              <a:t>br</a:t>
+            </a:r>
+            <a:r>
+              <a:rPr lang="en-US" sz="1200" b="0" i="0" kern="1200" dirty="0" smtClean="0">
+                <a:solidFill>
+                  <a:schemeClr val="tx1"/>
+                </a:solidFill>
+                <a:effectLst/>
+                <a:latin typeface="+mn-lt"/>
+                <a:ea typeface="+mn-ea"/>
+                <a:cs typeface="+mn-cs"/>
+              </a:rPr>
+              <a:t>&gt;</a:t>
+            </a:r>
+            <a:r>
+              <a:rPr lang="en-US" dirty="0" smtClean="0"/>
+              <a:t/>
+            </a:r>
+            <a:br>
+              <a:rPr lang="en-US" dirty="0" smtClean="0"/>
+            </a:br>
+            <a:r>
+              <a:rPr lang="en-US" sz="1200" b="0" i="0" kern="1200" dirty="0" smtClean="0">
+                <a:solidFill>
+                  <a:schemeClr val="tx1"/>
+                </a:solidFill>
+                <a:effectLst/>
+                <a:latin typeface="+mn-lt"/>
+                <a:ea typeface="+mn-ea"/>
+                <a:cs typeface="+mn-cs"/>
+              </a:rPr>
+              <a:t>   Comment: &lt;</a:t>
+            </a:r>
+            <a:r>
+              <a:rPr lang="en-US" sz="1200" b="0" i="0" kern="1200" dirty="0" err="1" smtClean="0">
+                <a:solidFill>
+                  <a:schemeClr val="tx1"/>
+                </a:solidFill>
+                <a:effectLst/>
+                <a:latin typeface="+mn-lt"/>
+                <a:ea typeface="+mn-ea"/>
+                <a:cs typeface="+mn-cs"/>
+              </a:rPr>
+              <a:t>textarea</a:t>
+            </a:r>
+            <a:r>
+              <a:rPr lang="en-US" sz="1200" b="0" i="0" kern="1200" dirty="0" smtClean="0">
+                <a:solidFill>
+                  <a:schemeClr val="tx1"/>
+                </a:solidFill>
+                <a:effectLst/>
+                <a:latin typeface="+mn-lt"/>
+                <a:ea typeface="+mn-ea"/>
+                <a:cs typeface="+mn-cs"/>
+              </a:rPr>
+              <a:t> name="comment" rows="5" cols="40"&gt;&lt;/</a:t>
+            </a:r>
+            <a:r>
+              <a:rPr lang="en-US" sz="1200" b="0" i="0" kern="1200" dirty="0" err="1" smtClean="0">
+                <a:solidFill>
+                  <a:schemeClr val="tx1"/>
+                </a:solidFill>
+                <a:effectLst/>
+                <a:latin typeface="+mn-lt"/>
+                <a:ea typeface="+mn-ea"/>
+                <a:cs typeface="+mn-cs"/>
+              </a:rPr>
+              <a:t>textarea</a:t>
+            </a:r>
+            <a:r>
+              <a:rPr lang="en-US" sz="1200" b="0" i="0" kern="1200" dirty="0" smtClean="0">
+                <a:solidFill>
+                  <a:schemeClr val="tx1"/>
+                </a:solidFill>
+                <a:effectLst/>
+                <a:latin typeface="+mn-lt"/>
+                <a:ea typeface="+mn-ea"/>
+                <a:cs typeface="+mn-cs"/>
+              </a:rPr>
+              <a:t>&gt;</a:t>
+            </a:r>
+            <a:r>
+              <a:rPr lang="en-US" dirty="0" smtClean="0"/>
+              <a:t/>
+            </a:r>
+            <a:br>
+              <a:rPr lang="en-US" dirty="0" smtClean="0"/>
+            </a:br>
+            <a:r>
+              <a:rPr lang="en-US" sz="1200" b="0" i="0" kern="1200" dirty="0" smtClean="0">
+                <a:solidFill>
+                  <a:schemeClr val="tx1"/>
+                </a:solidFill>
+                <a:effectLst/>
+                <a:latin typeface="+mn-lt"/>
+                <a:ea typeface="+mn-ea"/>
+                <a:cs typeface="+mn-cs"/>
+              </a:rPr>
+              <a:t>   &lt;</a:t>
+            </a:r>
+            <a:r>
+              <a:rPr lang="en-US" sz="1200" b="0" i="0" kern="1200" dirty="0" err="1" smtClean="0">
+                <a:solidFill>
+                  <a:schemeClr val="tx1"/>
+                </a:solidFill>
+                <a:effectLst/>
+                <a:latin typeface="+mn-lt"/>
+                <a:ea typeface="+mn-ea"/>
+                <a:cs typeface="+mn-cs"/>
+              </a:rPr>
+              <a:t>br</a:t>
+            </a:r>
+            <a:r>
+              <a:rPr lang="en-US" sz="1200" b="0" i="0" kern="1200" dirty="0" smtClean="0">
+                <a:solidFill>
+                  <a:schemeClr val="tx1"/>
+                </a:solidFill>
+                <a:effectLst/>
+                <a:latin typeface="+mn-lt"/>
+                <a:ea typeface="+mn-ea"/>
+                <a:cs typeface="+mn-cs"/>
+              </a:rPr>
+              <a:t>&gt;&lt;</a:t>
+            </a:r>
+            <a:r>
+              <a:rPr lang="en-US" sz="1200" b="0" i="0" kern="1200" dirty="0" err="1" smtClean="0">
+                <a:solidFill>
+                  <a:schemeClr val="tx1"/>
+                </a:solidFill>
+                <a:effectLst/>
+                <a:latin typeface="+mn-lt"/>
+                <a:ea typeface="+mn-ea"/>
+                <a:cs typeface="+mn-cs"/>
+              </a:rPr>
+              <a:t>br</a:t>
+            </a:r>
+            <a:r>
+              <a:rPr lang="en-US" sz="1200" b="0" i="0" kern="1200" dirty="0" smtClean="0">
+                <a:solidFill>
+                  <a:schemeClr val="tx1"/>
+                </a:solidFill>
+                <a:effectLst/>
+                <a:latin typeface="+mn-lt"/>
+                <a:ea typeface="+mn-ea"/>
+                <a:cs typeface="+mn-cs"/>
+              </a:rPr>
+              <a:t>&gt;</a:t>
+            </a:r>
+            <a:r>
+              <a:rPr lang="en-US" dirty="0" smtClean="0"/>
+              <a:t/>
+            </a:r>
+            <a:br>
+              <a:rPr lang="en-US" dirty="0" smtClean="0"/>
+            </a:br>
+            <a:r>
+              <a:rPr lang="en-US" sz="1200" b="0" i="0" kern="1200" dirty="0" smtClean="0">
+                <a:solidFill>
+                  <a:schemeClr val="tx1"/>
+                </a:solidFill>
+                <a:effectLst/>
+                <a:latin typeface="+mn-lt"/>
+                <a:ea typeface="+mn-ea"/>
+                <a:cs typeface="+mn-cs"/>
+              </a:rPr>
+              <a:t>   Gender:</a:t>
+            </a:r>
+            <a:r>
+              <a:rPr lang="en-US" dirty="0" smtClean="0"/>
+              <a:t/>
+            </a:r>
+            <a:br>
+              <a:rPr lang="en-US" dirty="0" smtClean="0"/>
+            </a:br>
+            <a:r>
+              <a:rPr lang="en-US" sz="1200" b="0" i="0" kern="1200" dirty="0" smtClean="0">
+                <a:solidFill>
+                  <a:schemeClr val="tx1"/>
+                </a:solidFill>
+                <a:effectLst/>
+                <a:latin typeface="+mn-lt"/>
+                <a:ea typeface="+mn-ea"/>
+                <a:cs typeface="+mn-cs"/>
+              </a:rPr>
+              <a:t>   &lt;input type="radio" name="gender" value="female"&gt;Female</a:t>
+            </a:r>
+            <a:r>
+              <a:rPr lang="en-US" dirty="0" smtClean="0"/>
+              <a:t/>
+            </a:r>
+            <a:br>
+              <a:rPr lang="en-US" dirty="0" smtClean="0"/>
+            </a:br>
+            <a:r>
+              <a:rPr lang="en-US" sz="1200" b="0" i="0" kern="1200" dirty="0" smtClean="0">
+                <a:solidFill>
+                  <a:schemeClr val="tx1"/>
+                </a:solidFill>
+                <a:effectLst/>
+                <a:latin typeface="+mn-lt"/>
+                <a:ea typeface="+mn-ea"/>
+                <a:cs typeface="+mn-cs"/>
+              </a:rPr>
+              <a:t>   &lt;input type="radio" name="gender" value="male"&gt;Male</a:t>
+            </a:r>
+            <a:r>
+              <a:rPr lang="en-US" dirty="0" smtClean="0"/>
+              <a:t/>
+            </a:r>
+            <a:br>
+              <a:rPr lang="en-US" dirty="0" smtClean="0"/>
+            </a:br>
+            <a:r>
+              <a:rPr lang="en-US" sz="1200" b="0" i="0" kern="1200" dirty="0" smtClean="0">
+                <a:solidFill>
+                  <a:schemeClr val="tx1"/>
+                </a:solidFill>
+                <a:effectLst/>
+                <a:latin typeface="+mn-lt"/>
+                <a:ea typeface="+mn-ea"/>
+                <a:cs typeface="+mn-cs"/>
+              </a:rPr>
+              <a:t>   &lt;span class="error"&gt;* &lt;?</a:t>
+            </a:r>
+            <a:r>
+              <a:rPr lang="en-US" sz="1200" b="0" i="0" kern="1200" dirty="0" err="1" smtClean="0">
+                <a:solidFill>
+                  <a:schemeClr val="tx1"/>
+                </a:solidFill>
+                <a:effectLst/>
+                <a:latin typeface="+mn-lt"/>
+                <a:ea typeface="+mn-ea"/>
+                <a:cs typeface="+mn-cs"/>
+              </a:rPr>
+              <a:t>php</a:t>
+            </a:r>
+            <a:r>
+              <a:rPr lang="en-US" sz="1200" b="0" i="0" kern="1200" dirty="0" smtClean="0">
+                <a:solidFill>
+                  <a:schemeClr val="tx1"/>
+                </a:solidFill>
+                <a:effectLst/>
+                <a:latin typeface="+mn-lt"/>
+                <a:ea typeface="+mn-ea"/>
+                <a:cs typeface="+mn-cs"/>
+              </a:rPr>
+              <a:t> echo $</a:t>
+            </a:r>
+            <a:r>
+              <a:rPr lang="en-US" sz="1200" b="0" i="0" kern="1200" dirty="0" err="1" smtClean="0">
+                <a:solidFill>
+                  <a:schemeClr val="tx1"/>
+                </a:solidFill>
+                <a:effectLst/>
+                <a:latin typeface="+mn-lt"/>
+                <a:ea typeface="+mn-ea"/>
+                <a:cs typeface="+mn-cs"/>
+              </a:rPr>
+              <a:t>genderErr</a:t>
+            </a:r>
+            <a:r>
+              <a:rPr lang="en-US" sz="1200" b="0" i="0" kern="1200" dirty="0" smtClean="0">
+                <a:solidFill>
+                  <a:schemeClr val="tx1"/>
+                </a:solidFill>
+                <a:effectLst/>
+                <a:latin typeface="+mn-lt"/>
+                <a:ea typeface="+mn-ea"/>
+                <a:cs typeface="+mn-cs"/>
+              </a:rPr>
+              <a:t>;?&gt;&lt;/span&gt;</a:t>
+            </a:r>
+            <a:r>
+              <a:rPr lang="en-US" dirty="0" smtClean="0"/>
+              <a:t/>
+            </a:r>
+            <a:br>
+              <a:rPr lang="en-US" dirty="0" smtClean="0"/>
+            </a:br>
+            <a:r>
+              <a:rPr lang="en-US" sz="1200" b="0" i="0" kern="1200" dirty="0" smtClean="0">
+                <a:solidFill>
+                  <a:schemeClr val="tx1"/>
+                </a:solidFill>
+                <a:effectLst/>
+                <a:latin typeface="+mn-lt"/>
+                <a:ea typeface="+mn-ea"/>
+                <a:cs typeface="+mn-cs"/>
+              </a:rPr>
+              <a:t>   &lt;</a:t>
+            </a:r>
+            <a:r>
+              <a:rPr lang="en-US" sz="1200" b="0" i="0" kern="1200" dirty="0" err="1" smtClean="0">
+                <a:solidFill>
+                  <a:schemeClr val="tx1"/>
+                </a:solidFill>
+                <a:effectLst/>
+                <a:latin typeface="+mn-lt"/>
+                <a:ea typeface="+mn-ea"/>
+                <a:cs typeface="+mn-cs"/>
+              </a:rPr>
+              <a:t>br</a:t>
+            </a:r>
+            <a:r>
+              <a:rPr lang="en-US" sz="1200" b="0" i="0" kern="1200" dirty="0" smtClean="0">
+                <a:solidFill>
+                  <a:schemeClr val="tx1"/>
+                </a:solidFill>
+                <a:effectLst/>
+                <a:latin typeface="+mn-lt"/>
+                <a:ea typeface="+mn-ea"/>
+                <a:cs typeface="+mn-cs"/>
+              </a:rPr>
+              <a:t>&gt;&lt;</a:t>
+            </a:r>
+            <a:r>
+              <a:rPr lang="en-US" sz="1200" b="0" i="0" kern="1200" dirty="0" err="1" smtClean="0">
+                <a:solidFill>
+                  <a:schemeClr val="tx1"/>
+                </a:solidFill>
+                <a:effectLst/>
+                <a:latin typeface="+mn-lt"/>
+                <a:ea typeface="+mn-ea"/>
+                <a:cs typeface="+mn-cs"/>
+              </a:rPr>
+              <a:t>br</a:t>
+            </a:r>
+            <a:r>
+              <a:rPr lang="en-US" sz="1200" b="0" i="0" kern="1200" dirty="0" smtClean="0">
+                <a:solidFill>
+                  <a:schemeClr val="tx1"/>
+                </a:solidFill>
+                <a:effectLst/>
+                <a:latin typeface="+mn-lt"/>
+                <a:ea typeface="+mn-ea"/>
+                <a:cs typeface="+mn-cs"/>
+              </a:rPr>
+              <a:t>&gt;</a:t>
+            </a:r>
+            <a:r>
+              <a:rPr lang="en-US" dirty="0" smtClean="0"/>
+              <a:t/>
+            </a:r>
+            <a:br>
+              <a:rPr lang="en-US" dirty="0" smtClean="0"/>
+            </a:br>
+            <a:r>
+              <a:rPr lang="en-US" sz="1200" b="0" i="0" kern="1200" dirty="0" smtClean="0">
+                <a:solidFill>
+                  <a:schemeClr val="tx1"/>
+                </a:solidFill>
+                <a:effectLst/>
+                <a:latin typeface="+mn-lt"/>
+                <a:ea typeface="+mn-ea"/>
+                <a:cs typeface="+mn-cs"/>
+              </a:rPr>
+              <a:t>   &lt;input type="submit" name="submit" value="Submit"&gt; </a:t>
+            </a:r>
+            <a:r>
+              <a:rPr lang="en-US" dirty="0" smtClean="0"/>
+              <a:t/>
+            </a:r>
+            <a:br>
+              <a:rPr lang="en-US" dirty="0" smtClean="0"/>
+            </a:br>
+            <a:r>
+              <a:rPr lang="en-US" sz="1200" b="0" i="0" kern="1200" dirty="0" smtClean="0">
+                <a:solidFill>
+                  <a:schemeClr val="tx1"/>
+                </a:solidFill>
+                <a:effectLst/>
+                <a:latin typeface="+mn-lt"/>
+                <a:ea typeface="+mn-ea"/>
+                <a:cs typeface="+mn-cs"/>
+              </a:rPr>
+              <a:t>&lt;/form&gt;</a:t>
+            </a:r>
+            <a:r>
+              <a:rPr lang="en-US" dirty="0" smtClean="0"/>
+              <a:t/>
+            </a:r>
+            <a:br>
+              <a:rPr lang="en-US" dirty="0" smtClean="0"/>
+            </a:br>
+            <a:r>
+              <a:rPr lang="en-US" dirty="0" smtClean="0"/>
+              <a:t/>
+            </a:r>
+            <a:br>
+              <a:rPr lang="en-US" dirty="0" smtClean="0"/>
+            </a:br>
+            <a:r>
+              <a:rPr lang="en-US" sz="1200" b="0" i="0" kern="1200" dirty="0" smtClean="0">
+                <a:solidFill>
+                  <a:schemeClr val="tx1"/>
+                </a:solidFill>
+                <a:effectLst/>
+                <a:latin typeface="+mn-lt"/>
+                <a:ea typeface="+mn-ea"/>
+                <a:cs typeface="+mn-cs"/>
+              </a:rPr>
+              <a:t>&lt;?</a:t>
+            </a:r>
+            <a:r>
+              <a:rPr lang="en-US" sz="1200" b="0" i="0" kern="1200" dirty="0" err="1" smtClean="0">
+                <a:solidFill>
+                  <a:schemeClr val="tx1"/>
+                </a:solidFill>
+                <a:effectLst/>
+                <a:latin typeface="+mn-lt"/>
+                <a:ea typeface="+mn-ea"/>
+                <a:cs typeface="+mn-cs"/>
+              </a:rPr>
+              <a:t>php</a:t>
+            </a:r>
+            <a:r>
+              <a:rPr lang="en-US" sz="1200" b="0" i="0" kern="1200" dirty="0" smtClean="0">
+                <a:solidFill>
+                  <a:schemeClr val="tx1"/>
+                </a:solidFill>
+                <a:effectLst/>
+                <a:latin typeface="+mn-lt"/>
+                <a:ea typeface="+mn-ea"/>
+                <a:cs typeface="+mn-cs"/>
+              </a:rPr>
+              <a:t/>
+            </a:r>
+            <a:br>
+              <a:rPr lang="en-US" sz="1200" b="0" i="0" kern="1200" dirty="0" smtClean="0">
+                <a:solidFill>
+                  <a:schemeClr val="tx1"/>
+                </a:solidFill>
+                <a:effectLst/>
+                <a:latin typeface="+mn-lt"/>
+                <a:ea typeface="+mn-ea"/>
+                <a:cs typeface="+mn-cs"/>
+              </a:rPr>
+            </a:br>
+            <a:r>
+              <a:rPr lang="en-US" sz="1200" b="0" i="0" kern="1200" dirty="0" smtClean="0">
+                <a:solidFill>
+                  <a:schemeClr val="tx1"/>
+                </a:solidFill>
+                <a:effectLst/>
+                <a:latin typeface="+mn-lt"/>
+                <a:ea typeface="+mn-ea"/>
+                <a:cs typeface="+mn-cs"/>
+              </a:rPr>
+              <a:t>echo "&lt;h2&gt;Your Input:&lt;/h2&gt;";</a:t>
+            </a:r>
+            <a:br>
+              <a:rPr lang="en-US" sz="1200" b="0" i="0" kern="1200" dirty="0" smtClean="0">
+                <a:solidFill>
+                  <a:schemeClr val="tx1"/>
+                </a:solidFill>
+                <a:effectLst/>
+                <a:latin typeface="+mn-lt"/>
+                <a:ea typeface="+mn-ea"/>
+                <a:cs typeface="+mn-cs"/>
+              </a:rPr>
+            </a:br>
+            <a:r>
+              <a:rPr lang="en-US" sz="1200" b="0" i="0" kern="1200" dirty="0" smtClean="0">
+                <a:solidFill>
+                  <a:schemeClr val="tx1"/>
+                </a:solidFill>
+                <a:effectLst/>
+                <a:latin typeface="+mn-lt"/>
+                <a:ea typeface="+mn-ea"/>
+                <a:cs typeface="+mn-cs"/>
+              </a:rPr>
+              <a:t>echo $name;</a:t>
+            </a:r>
+            <a:br>
+              <a:rPr lang="en-US" sz="1200" b="0" i="0" kern="1200" dirty="0" smtClean="0">
+                <a:solidFill>
+                  <a:schemeClr val="tx1"/>
+                </a:solidFill>
+                <a:effectLst/>
+                <a:latin typeface="+mn-lt"/>
+                <a:ea typeface="+mn-ea"/>
+                <a:cs typeface="+mn-cs"/>
+              </a:rPr>
+            </a:br>
+            <a:r>
+              <a:rPr lang="en-US" sz="1200" b="0" i="0" kern="1200" dirty="0" smtClean="0">
+                <a:solidFill>
+                  <a:schemeClr val="tx1"/>
+                </a:solidFill>
+                <a:effectLst/>
+                <a:latin typeface="+mn-lt"/>
+                <a:ea typeface="+mn-ea"/>
+                <a:cs typeface="+mn-cs"/>
+              </a:rPr>
+              <a:t>echo "&lt;</a:t>
+            </a:r>
+            <a:r>
+              <a:rPr lang="en-US" sz="1200" b="0" i="0" kern="1200" dirty="0" err="1" smtClean="0">
+                <a:solidFill>
+                  <a:schemeClr val="tx1"/>
+                </a:solidFill>
+                <a:effectLst/>
+                <a:latin typeface="+mn-lt"/>
+                <a:ea typeface="+mn-ea"/>
+                <a:cs typeface="+mn-cs"/>
+              </a:rPr>
+              <a:t>br</a:t>
+            </a:r>
+            <a:r>
+              <a:rPr lang="en-US" sz="1200" b="0" i="0" kern="1200" dirty="0" smtClean="0">
+                <a:solidFill>
+                  <a:schemeClr val="tx1"/>
+                </a:solidFill>
+                <a:effectLst/>
+                <a:latin typeface="+mn-lt"/>
+                <a:ea typeface="+mn-ea"/>
+                <a:cs typeface="+mn-cs"/>
+              </a:rPr>
+              <a:t>&gt;";</a:t>
+            </a:r>
+            <a:br>
+              <a:rPr lang="en-US" sz="1200" b="0" i="0" kern="1200" dirty="0" smtClean="0">
+                <a:solidFill>
+                  <a:schemeClr val="tx1"/>
+                </a:solidFill>
+                <a:effectLst/>
+                <a:latin typeface="+mn-lt"/>
+                <a:ea typeface="+mn-ea"/>
+                <a:cs typeface="+mn-cs"/>
+              </a:rPr>
+            </a:br>
+            <a:r>
+              <a:rPr lang="en-US" sz="1200" b="0" i="0" kern="1200" dirty="0" smtClean="0">
+                <a:solidFill>
+                  <a:schemeClr val="tx1"/>
+                </a:solidFill>
+                <a:effectLst/>
+                <a:latin typeface="+mn-lt"/>
+                <a:ea typeface="+mn-ea"/>
+                <a:cs typeface="+mn-cs"/>
+              </a:rPr>
+              <a:t>echo $email;</a:t>
+            </a:r>
+            <a:br>
+              <a:rPr lang="en-US" sz="1200" b="0" i="0" kern="1200" dirty="0" smtClean="0">
+                <a:solidFill>
+                  <a:schemeClr val="tx1"/>
+                </a:solidFill>
+                <a:effectLst/>
+                <a:latin typeface="+mn-lt"/>
+                <a:ea typeface="+mn-ea"/>
+                <a:cs typeface="+mn-cs"/>
+              </a:rPr>
+            </a:br>
+            <a:r>
+              <a:rPr lang="en-US" sz="1200" b="0" i="0" kern="1200" dirty="0" smtClean="0">
+                <a:solidFill>
+                  <a:schemeClr val="tx1"/>
+                </a:solidFill>
+                <a:effectLst/>
+                <a:latin typeface="+mn-lt"/>
+                <a:ea typeface="+mn-ea"/>
+                <a:cs typeface="+mn-cs"/>
+              </a:rPr>
+              <a:t>echo "&lt;</a:t>
+            </a:r>
+            <a:r>
+              <a:rPr lang="en-US" sz="1200" b="0" i="0" kern="1200" dirty="0" err="1" smtClean="0">
+                <a:solidFill>
+                  <a:schemeClr val="tx1"/>
+                </a:solidFill>
+                <a:effectLst/>
+                <a:latin typeface="+mn-lt"/>
+                <a:ea typeface="+mn-ea"/>
+                <a:cs typeface="+mn-cs"/>
+              </a:rPr>
+              <a:t>br</a:t>
+            </a:r>
+            <a:r>
+              <a:rPr lang="en-US" sz="1200" b="0" i="0" kern="1200" dirty="0" smtClean="0">
+                <a:solidFill>
+                  <a:schemeClr val="tx1"/>
+                </a:solidFill>
+                <a:effectLst/>
+                <a:latin typeface="+mn-lt"/>
+                <a:ea typeface="+mn-ea"/>
+                <a:cs typeface="+mn-cs"/>
+              </a:rPr>
+              <a:t>&gt;";</a:t>
+            </a:r>
+            <a:br>
+              <a:rPr lang="en-US" sz="1200" b="0" i="0" kern="1200" dirty="0" smtClean="0">
+                <a:solidFill>
+                  <a:schemeClr val="tx1"/>
+                </a:solidFill>
+                <a:effectLst/>
+                <a:latin typeface="+mn-lt"/>
+                <a:ea typeface="+mn-ea"/>
+                <a:cs typeface="+mn-cs"/>
+              </a:rPr>
+            </a:br>
+            <a:r>
+              <a:rPr lang="en-US" sz="1200" b="0" i="0" kern="1200" dirty="0" smtClean="0">
+                <a:solidFill>
+                  <a:schemeClr val="tx1"/>
+                </a:solidFill>
+                <a:effectLst/>
+                <a:latin typeface="+mn-lt"/>
+                <a:ea typeface="+mn-ea"/>
+                <a:cs typeface="+mn-cs"/>
+              </a:rPr>
+              <a:t>echo $website;</a:t>
+            </a:r>
+            <a:br>
+              <a:rPr lang="en-US" sz="1200" b="0" i="0" kern="1200" dirty="0" smtClean="0">
+                <a:solidFill>
+                  <a:schemeClr val="tx1"/>
+                </a:solidFill>
+                <a:effectLst/>
+                <a:latin typeface="+mn-lt"/>
+                <a:ea typeface="+mn-ea"/>
+                <a:cs typeface="+mn-cs"/>
+              </a:rPr>
+            </a:br>
+            <a:r>
+              <a:rPr lang="en-US" sz="1200" b="0" i="0" kern="1200" dirty="0" smtClean="0">
+                <a:solidFill>
+                  <a:schemeClr val="tx1"/>
+                </a:solidFill>
+                <a:effectLst/>
+                <a:latin typeface="+mn-lt"/>
+                <a:ea typeface="+mn-ea"/>
+                <a:cs typeface="+mn-cs"/>
+              </a:rPr>
+              <a:t>echo "&lt;</a:t>
+            </a:r>
+            <a:r>
+              <a:rPr lang="en-US" sz="1200" b="0" i="0" kern="1200" dirty="0" err="1" smtClean="0">
+                <a:solidFill>
+                  <a:schemeClr val="tx1"/>
+                </a:solidFill>
+                <a:effectLst/>
+                <a:latin typeface="+mn-lt"/>
+                <a:ea typeface="+mn-ea"/>
+                <a:cs typeface="+mn-cs"/>
+              </a:rPr>
+              <a:t>br</a:t>
+            </a:r>
+            <a:r>
+              <a:rPr lang="en-US" sz="1200" b="0" i="0" kern="1200" dirty="0" smtClean="0">
+                <a:solidFill>
+                  <a:schemeClr val="tx1"/>
+                </a:solidFill>
+                <a:effectLst/>
+                <a:latin typeface="+mn-lt"/>
+                <a:ea typeface="+mn-ea"/>
+                <a:cs typeface="+mn-cs"/>
+              </a:rPr>
+              <a:t>&gt;";</a:t>
+            </a:r>
+            <a:br>
+              <a:rPr lang="en-US" sz="1200" b="0" i="0" kern="1200" dirty="0" smtClean="0">
+                <a:solidFill>
+                  <a:schemeClr val="tx1"/>
+                </a:solidFill>
+                <a:effectLst/>
+                <a:latin typeface="+mn-lt"/>
+                <a:ea typeface="+mn-ea"/>
+                <a:cs typeface="+mn-cs"/>
+              </a:rPr>
+            </a:br>
+            <a:r>
+              <a:rPr lang="en-US" sz="1200" b="0" i="0" kern="1200" dirty="0" smtClean="0">
+                <a:solidFill>
+                  <a:schemeClr val="tx1"/>
+                </a:solidFill>
+                <a:effectLst/>
+                <a:latin typeface="+mn-lt"/>
+                <a:ea typeface="+mn-ea"/>
+                <a:cs typeface="+mn-cs"/>
+              </a:rPr>
+              <a:t>echo $comment;</a:t>
+            </a:r>
+            <a:br>
+              <a:rPr lang="en-US" sz="1200" b="0" i="0" kern="1200" dirty="0" smtClean="0">
+                <a:solidFill>
+                  <a:schemeClr val="tx1"/>
+                </a:solidFill>
+                <a:effectLst/>
+                <a:latin typeface="+mn-lt"/>
+                <a:ea typeface="+mn-ea"/>
+                <a:cs typeface="+mn-cs"/>
+              </a:rPr>
+            </a:br>
+            <a:r>
+              <a:rPr lang="en-US" sz="1200" b="0" i="0" kern="1200" dirty="0" smtClean="0">
+                <a:solidFill>
+                  <a:schemeClr val="tx1"/>
+                </a:solidFill>
+                <a:effectLst/>
+                <a:latin typeface="+mn-lt"/>
+                <a:ea typeface="+mn-ea"/>
+                <a:cs typeface="+mn-cs"/>
+              </a:rPr>
+              <a:t>echo "&lt;</a:t>
+            </a:r>
+            <a:r>
+              <a:rPr lang="en-US" sz="1200" b="0" i="0" kern="1200" dirty="0" err="1" smtClean="0">
+                <a:solidFill>
+                  <a:schemeClr val="tx1"/>
+                </a:solidFill>
+                <a:effectLst/>
+                <a:latin typeface="+mn-lt"/>
+                <a:ea typeface="+mn-ea"/>
+                <a:cs typeface="+mn-cs"/>
+              </a:rPr>
+              <a:t>br</a:t>
+            </a:r>
+            <a:r>
+              <a:rPr lang="en-US" sz="1200" b="0" i="0" kern="1200" dirty="0" smtClean="0">
+                <a:solidFill>
+                  <a:schemeClr val="tx1"/>
+                </a:solidFill>
+                <a:effectLst/>
+                <a:latin typeface="+mn-lt"/>
+                <a:ea typeface="+mn-ea"/>
+                <a:cs typeface="+mn-cs"/>
+              </a:rPr>
+              <a:t>&gt;";</a:t>
+            </a:r>
+            <a:br>
+              <a:rPr lang="en-US" sz="1200" b="0" i="0" kern="1200" dirty="0" smtClean="0">
+                <a:solidFill>
+                  <a:schemeClr val="tx1"/>
+                </a:solidFill>
+                <a:effectLst/>
+                <a:latin typeface="+mn-lt"/>
+                <a:ea typeface="+mn-ea"/>
+                <a:cs typeface="+mn-cs"/>
+              </a:rPr>
+            </a:br>
+            <a:r>
+              <a:rPr lang="en-US" sz="1200" b="0" i="0" kern="1200" dirty="0" smtClean="0">
+                <a:solidFill>
+                  <a:schemeClr val="tx1"/>
+                </a:solidFill>
+                <a:effectLst/>
+                <a:latin typeface="+mn-lt"/>
+                <a:ea typeface="+mn-ea"/>
+                <a:cs typeface="+mn-cs"/>
+              </a:rPr>
+              <a:t>echo $gender;</a:t>
+            </a:r>
+            <a:br>
+              <a:rPr lang="en-US" sz="1200" b="0" i="0" kern="1200" dirty="0" smtClean="0">
+                <a:solidFill>
+                  <a:schemeClr val="tx1"/>
+                </a:solidFill>
+                <a:effectLst/>
+                <a:latin typeface="+mn-lt"/>
+                <a:ea typeface="+mn-ea"/>
+                <a:cs typeface="+mn-cs"/>
+              </a:rPr>
+            </a:br>
+            <a:r>
+              <a:rPr lang="en-US" sz="1200" b="0" i="0" kern="1200" dirty="0" smtClean="0">
+                <a:solidFill>
+                  <a:schemeClr val="tx1"/>
+                </a:solidFill>
+                <a:effectLst/>
+                <a:latin typeface="+mn-lt"/>
+                <a:ea typeface="+mn-ea"/>
+                <a:cs typeface="+mn-cs"/>
+              </a:rPr>
+              <a:t>?&gt;</a:t>
+            </a:r>
+            <a:r>
+              <a:rPr lang="en-US" dirty="0" smtClean="0"/>
+              <a:t/>
+            </a:r>
+            <a:br>
+              <a:rPr lang="en-US" dirty="0" smtClean="0"/>
+            </a:br>
+            <a:r>
+              <a:rPr lang="en-US" dirty="0" smtClean="0"/>
+              <a:t/>
+            </a:r>
+            <a:br>
+              <a:rPr lang="en-US" dirty="0" smtClean="0"/>
+            </a:br>
+            <a:r>
+              <a:rPr lang="en-US" sz="1200" b="0" i="0" kern="1200" dirty="0" smtClean="0">
+                <a:solidFill>
+                  <a:schemeClr val="tx1"/>
+                </a:solidFill>
+                <a:effectLst/>
+                <a:latin typeface="+mn-lt"/>
+                <a:ea typeface="+mn-ea"/>
+                <a:cs typeface="+mn-cs"/>
+              </a:rPr>
+              <a:t>&lt;/body&gt;</a:t>
+            </a:r>
+            <a:r>
+              <a:rPr lang="en-US" dirty="0" smtClean="0"/>
+              <a:t/>
+            </a:r>
+            <a:br>
+              <a:rPr lang="en-US" dirty="0" smtClean="0"/>
+            </a:br>
+            <a:r>
+              <a:rPr lang="en-US" sz="1200" b="0" i="0" kern="1200" dirty="0" smtClean="0">
+                <a:solidFill>
+                  <a:schemeClr val="tx1"/>
+                </a:solidFill>
+                <a:effectLst/>
+                <a:latin typeface="+mn-lt"/>
+                <a:ea typeface="+mn-ea"/>
+                <a:cs typeface="+mn-cs"/>
+              </a:rPr>
+              <a:t>&lt;/html&gt;</a:t>
+            </a:r>
+            <a:endParaRPr lang="en-US" dirty="0"/>
+          </a:p>
+        </p:txBody>
+      </p:sp>
+      <p:sp>
+        <p:nvSpPr>
+          <p:cNvPr id="4" name="Header Placeholder 3"/>
+          <p:cNvSpPr>
+            <a:spLocks noGrp="1"/>
+          </p:cNvSpPr>
+          <p:nvPr>
+            <p:ph type="hdr" sz="quarter" idx="10"/>
+          </p:nvPr>
+        </p:nvSpPr>
+        <p:spPr/>
+        <p:txBody>
+          <a:bodyPr/>
+          <a:lstStyle/>
+          <a:p>
+            <a:r>
+              <a:rPr lang="en-US" smtClean="0"/>
+              <a:t>Cao Đẳng Nghề Số 7</a:t>
+            </a:r>
+            <a:endParaRPr lang="en-US"/>
+          </a:p>
+        </p:txBody>
+      </p:sp>
+      <p:sp>
+        <p:nvSpPr>
+          <p:cNvPr id="5" name="Slide Number Placeholder 4"/>
+          <p:cNvSpPr>
+            <a:spLocks noGrp="1"/>
+          </p:cNvSpPr>
+          <p:nvPr>
+            <p:ph type="sldNum" sz="quarter" idx="11"/>
+          </p:nvPr>
+        </p:nvSpPr>
+        <p:spPr/>
+        <p:txBody>
+          <a:bodyPr/>
+          <a:lstStyle/>
+          <a:p>
+            <a:fld id="{A0DE7355-DEEE-4A49-8306-06964CDF67D9}" type="slidenum">
+              <a:rPr lang="en-US" smtClean="0"/>
+              <a:t>42</a:t>
+            </a:fld>
+            <a:endParaRPr lang="en-US"/>
+          </a:p>
+        </p:txBody>
+      </p:sp>
+    </p:spTree>
+    <p:extLst>
+      <p:ext uri="{BB962C8B-B14F-4D97-AF65-F5344CB8AC3E}">
+        <p14:creationId xmlns:p14="http://schemas.microsoft.com/office/powerpoint/2010/main" val="3144028257"/>
+      </p:ext>
+    </p:extLst>
+  </p:cSld>
+  <p:clrMapOvr>
+    <a:masterClrMapping/>
+  </p:clrMapOvr>
+</p:notes>
+</file>
+
+<file path=ppt/notesSlides/notesSlide16.xml><?xml version="1.0" encoding="utf-8"?>
+<p:notes xmlns:a="http://schemas.openxmlformats.org/drawingml/2006/main" xmlns:r="http://schemas.openxmlformats.org/officeDocument/2006/relationships" xmlns:p="http://schemas.openxmlformats.org/presentationml/2006/main">
+  <p:cSld>
+    <p:spTree>
+      <p:nvGrpSpPr>
+        <p:cNvPr id="1" name=""/>
+        <p:cNvGrpSpPr/>
+        <p:nvPr/>
+      </p:nvGrpSpPr>
+      <p:grpSpPr>
+        <a:xfrm>
+          <a:off x="0" y="0"/>
+          <a:ext cx="0" cy="0"/>
+          <a:chOff x="0" y="0"/>
+          <a:chExt cx="0" cy="0"/>
+        </a:xfrm>
+      </p:grpSpPr>
+      <p:sp>
+        <p:nvSpPr>
+          <p:cNvPr id="2" name="Slide Image Placeholder 1"/>
+          <p:cNvSpPr>
+            <a:spLocks noGrp="1" noRot="1" noChangeAspect="1"/>
+          </p:cNvSpPr>
+          <p:nvPr>
+            <p:ph type="sldImg"/>
+          </p:nvPr>
+        </p:nvSpPr>
+        <p:spPr/>
+      </p:sp>
+      <p:sp>
+        <p:nvSpPr>
+          <p:cNvPr id="3" name="Notes Placeholder 2"/>
+          <p:cNvSpPr>
+            <a:spLocks noGrp="1"/>
+          </p:cNvSpPr>
+          <p:nvPr>
+            <p:ph type="body" idx="1"/>
+          </p:nvPr>
+        </p:nvSpPr>
+        <p:spPr/>
+        <p:txBody>
+          <a:bodyPr/>
+          <a:lstStyle/>
+          <a:p>
+            <a:r>
+              <a:rPr lang="en-US" sz="1200" b="0" i="0" kern="1200" dirty="0" smtClean="0">
+                <a:solidFill>
+                  <a:schemeClr val="tx1"/>
+                </a:solidFill>
+                <a:effectLst/>
+                <a:latin typeface="+mn-lt"/>
+                <a:ea typeface="+mn-ea"/>
+                <a:cs typeface="+mn-cs"/>
+              </a:rPr>
+              <a:t>&lt;?</a:t>
+            </a:r>
+            <a:r>
+              <a:rPr lang="en-US" sz="1200" b="0" i="0" kern="1200" dirty="0" err="1" smtClean="0">
+                <a:solidFill>
+                  <a:schemeClr val="tx1"/>
+                </a:solidFill>
+                <a:effectLst/>
+                <a:latin typeface="+mn-lt"/>
+                <a:ea typeface="+mn-ea"/>
+                <a:cs typeface="+mn-cs"/>
+              </a:rPr>
+              <a:t>php</a:t>
+            </a:r>
+            <a:r>
+              <a:rPr lang="en-US" dirty="0" smtClean="0"/>
+              <a:t/>
+            </a:r>
+            <a:br>
+              <a:rPr lang="en-US" dirty="0" smtClean="0"/>
+            </a:br>
+            <a:r>
+              <a:rPr lang="en-US" sz="1200" b="0" i="0" kern="1200" dirty="0" smtClean="0">
+                <a:solidFill>
+                  <a:schemeClr val="tx1"/>
+                </a:solidFill>
+                <a:effectLst/>
+                <a:latin typeface="+mn-lt"/>
+                <a:ea typeface="+mn-ea"/>
+                <a:cs typeface="+mn-cs"/>
+              </a:rPr>
+              <a:t>$d=</a:t>
+            </a:r>
+            <a:r>
+              <a:rPr lang="en-US" sz="1200" b="0" i="0" kern="1200" dirty="0" err="1" smtClean="0">
+                <a:solidFill>
+                  <a:schemeClr val="tx1"/>
+                </a:solidFill>
+                <a:effectLst/>
+                <a:latin typeface="+mn-lt"/>
+                <a:ea typeface="+mn-ea"/>
+                <a:cs typeface="+mn-cs"/>
+              </a:rPr>
+              <a:t>strtotime</a:t>
+            </a:r>
+            <a:r>
+              <a:rPr lang="en-US" sz="1200" b="0" i="0" kern="1200" dirty="0" smtClean="0">
+                <a:solidFill>
+                  <a:schemeClr val="tx1"/>
+                </a:solidFill>
+                <a:effectLst/>
+                <a:latin typeface="+mn-lt"/>
+                <a:ea typeface="+mn-ea"/>
+                <a:cs typeface="+mn-cs"/>
+              </a:rPr>
+              <a:t>("tomorrow");</a:t>
+            </a:r>
+            <a:r>
+              <a:rPr lang="en-US" dirty="0" smtClean="0"/>
+              <a:t/>
+            </a:r>
+            <a:br>
+              <a:rPr lang="en-US" dirty="0" smtClean="0"/>
+            </a:br>
+            <a:r>
+              <a:rPr lang="en-US" sz="1200" b="0" i="0" kern="1200" dirty="0" smtClean="0">
+                <a:solidFill>
+                  <a:schemeClr val="tx1"/>
+                </a:solidFill>
+                <a:effectLst/>
+                <a:latin typeface="+mn-lt"/>
+                <a:ea typeface="+mn-ea"/>
+                <a:cs typeface="+mn-cs"/>
+              </a:rPr>
+              <a:t>echo date("Y-m-d h:i:sa", $d) . "&lt;</a:t>
+            </a:r>
+            <a:r>
+              <a:rPr lang="en-US" sz="1200" b="0" i="0" kern="1200" dirty="0" err="1" smtClean="0">
+                <a:solidFill>
+                  <a:schemeClr val="tx1"/>
+                </a:solidFill>
+                <a:effectLst/>
+                <a:latin typeface="+mn-lt"/>
+                <a:ea typeface="+mn-ea"/>
+                <a:cs typeface="+mn-cs"/>
+              </a:rPr>
+              <a:t>br</a:t>
+            </a:r>
+            <a:r>
+              <a:rPr lang="en-US" sz="1200" b="0" i="0" kern="1200" dirty="0" smtClean="0">
+                <a:solidFill>
+                  <a:schemeClr val="tx1"/>
+                </a:solidFill>
+                <a:effectLst/>
+                <a:latin typeface="+mn-lt"/>
+                <a:ea typeface="+mn-ea"/>
+                <a:cs typeface="+mn-cs"/>
+              </a:rPr>
+              <a:t>&gt;";</a:t>
+            </a:r>
+            <a:r>
+              <a:rPr lang="en-US" dirty="0" smtClean="0"/>
+              <a:t/>
+            </a:r>
+            <a:br>
+              <a:rPr lang="en-US" dirty="0" smtClean="0"/>
+            </a:br>
+            <a:r>
+              <a:rPr lang="en-US" dirty="0" smtClean="0"/>
+              <a:t/>
+            </a:r>
+            <a:br>
+              <a:rPr lang="en-US" dirty="0" smtClean="0"/>
+            </a:br>
+            <a:r>
+              <a:rPr lang="en-US" sz="1200" b="0" i="0" kern="1200" dirty="0" smtClean="0">
+                <a:solidFill>
+                  <a:schemeClr val="tx1"/>
+                </a:solidFill>
+                <a:effectLst/>
+                <a:latin typeface="+mn-lt"/>
+                <a:ea typeface="+mn-ea"/>
+                <a:cs typeface="+mn-cs"/>
+              </a:rPr>
+              <a:t>$d=</a:t>
+            </a:r>
+            <a:r>
+              <a:rPr lang="en-US" sz="1200" b="0" i="0" kern="1200" dirty="0" err="1" smtClean="0">
+                <a:solidFill>
+                  <a:schemeClr val="tx1"/>
+                </a:solidFill>
+                <a:effectLst/>
+                <a:latin typeface="+mn-lt"/>
+                <a:ea typeface="+mn-ea"/>
+                <a:cs typeface="+mn-cs"/>
+              </a:rPr>
+              <a:t>strtotime</a:t>
+            </a:r>
+            <a:r>
+              <a:rPr lang="en-US" sz="1200" b="0" i="0" kern="1200" dirty="0" smtClean="0">
+                <a:solidFill>
+                  <a:schemeClr val="tx1"/>
+                </a:solidFill>
+                <a:effectLst/>
+                <a:latin typeface="+mn-lt"/>
+                <a:ea typeface="+mn-ea"/>
+                <a:cs typeface="+mn-cs"/>
+              </a:rPr>
+              <a:t>("next Saturday");</a:t>
+            </a:r>
+            <a:r>
+              <a:rPr lang="en-US" dirty="0" smtClean="0"/>
+              <a:t/>
+            </a:r>
+            <a:br>
+              <a:rPr lang="en-US" dirty="0" smtClean="0"/>
+            </a:br>
+            <a:r>
+              <a:rPr lang="en-US" sz="1200" b="0" i="0" kern="1200" dirty="0" smtClean="0">
+                <a:solidFill>
+                  <a:schemeClr val="tx1"/>
+                </a:solidFill>
+                <a:effectLst/>
+                <a:latin typeface="+mn-lt"/>
+                <a:ea typeface="+mn-ea"/>
+                <a:cs typeface="+mn-cs"/>
+              </a:rPr>
+              <a:t>echo date("Y-m-d h:i:sa", $d) . "&lt;</a:t>
+            </a:r>
+            <a:r>
+              <a:rPr lang="en-US" sz="1200" b="0" i="0" kern="1200" dirty="0" err="1" smtClean="0">
+                <a:solidFill>
+                  <a:schemeClr val="tx1"/>
+                </a:solidFill>
+                <a:effectLst/>
+                <a:latin typeface="+mn-lt"/>
+                <a:ea typeface="+mn-ea"/>
+                <a:cs typeface="+mn-cs"/>
+              </a:rPr>
+              <a:t>br</a:t>
+            </a:r>
+            <a:r>
+              <a:rPr lang="en-US" sz="1200" b="0" i="0" kern="1200" dirty="0" smtClean="0">
+                <a:solidFill>
+                  <a:schemeClr val="tx1"/>
+                </a:solidFill>
+                <a:effectLst/>
+                <a:latin typeface="+mn-lt"/>
+                <a:ea typeface="+mn-ea"/>
+                <a:cs typeface="+mn-cs"/>
+              </a:rPr>
+              <a:t>&gt;";</a:t>
+            </a:r>
+            <a:r>
+              <a:rPr lang="en-US" dirty="0" smtClean="0"/>
+              <a:t/>
+            </a:r>
+            <a:br>
+              <a:rPr lang="en-US" dirty="0" smtClean="0"/>
+            </a:br>
+            <a:r>
+              <a:rPr lang="en-US" dirty="0" smtClean="0"/>
+              <a:t/>
+            </a:r>
+            <a:br>
+              <a:rPr lang="en-US" dirty="0" smtClean="0"/>
+            </a:br>
+            <a:r>
+              <a:rPr lang="en-US" sz="1200" b="0" i="0" kern="1200" dirty="0" smtClean="0">
+                <a:solidFill>
+                  <a:schemeClr val="tx1"/>
+                </a:solidFill>
+                <a:effectLst/>
+                <a:latin typeface="+mn-lt"/>
+                <a:ea typeface="+mn-ea"/>
+                <a:cs typeface="+mn-cs"/>
+              </a:rPr>
+              <a:t>$d=</a:t>
+            </a:r>
+            <a:r>
+              <a:rPr lang="en-US" sz="1200" b="0" i="0" kern="1200" dirty="0" err="1" smtClean="0">
+                <a:solidFill>
+                  <a:schemeClr val="tx1"/>
+                </a:solidFill>
+                <a:effectLst/>
+                <a:latin typeface="+mn-lt"/>
+                <a:ea typeface="+mn-ea"/>
+                <a:cs typeface="+mn-cs"/>
+              </a:rPr>
+              <a:t>strtotime</a:t>
+            </a:r>
+            <a:r>
+              <a:rPr lang="en-US" sz="1200" b="0" i="0" kern="1200" dirty="0" smtClean="0">
+                <a:solidFill>
+                  <a:schemeClr val="tx1"/>
+                </a:solidFill>
+                <a:effectLst/>
+                <a:latin typeface="+mn-lt"/>
+                <a:ea typeface="+mn-ea"/>
+                <a:cs typeface="+mn-cs"/>
+              </a:rPr>
+              <a:t>("+3 Months");</a:t>
+            </a:r>
+            <a:r>
+              <a:rPr lang="en-US" dirty="0" smtClean="0"/>
+              <a:t/>
+            </a:r>
+            <a:br>
+              <a:rPr lang="en-US" dirty="0" smtClean="0"/>
+            </a:br>
+            <a:r>
+              <a:rPr lang="en-US" sz="1200" b="0" i="0" kern="1200" dirty="0" smtClean="0">
+                <a:solidFill>
+                  <a:schemeClr val="tx1"/>
+                </a:solidFill>
+                <a:effectLst/>
+                <a:latin typeface="+mn-lt"/>
+                <a:ea typeface="+mn-ea"/>
+                <a:cs typeface="+mn-cs"/>
+              </a:rPr>
+              <a:t>echo date("Y-m-d h:i:sa", $d) . "&lt;</a:t>
+            </a:r>
+            <a:r>
+              <a:rPr lang="en-US" sz="1200" b="0" i="0" kern="1200" dirty="0" err="1" smtClean="0">
+                <a:solidFill>
+                  <a:schemeClr val="tx1"/>
+                </a:solidFill>
+                <a:effectLst/>
+                <a:latin typeface="+mn-lt"/>
+                <a:ea typeface="+mn-ea"/>
+                <a:cs typeface="+mn-cs"/>
+              </a:rPr>
+              <a:t>br</a:t>
+            </a:r>
+            <a:r>
+              <a:rPr lang="en-US" sz="1200" b="0" i="0" kern="1200" dirty="0" smtClean="0">
+                <a:solidFill>
+                  <a:schemeClr val="tx1"/>
+                </a:solidFill>
+                <a:effectLst/>
+                <a:latin typeface="+mn-lt"/>
+                <a:ea typeface="+mn-ea"/>
+                <a:cs typeface="+mn-cs"/>
+              </a:rPr>
+              <a:t>&gt;";</a:t>
+            </a:r>
+            <a:r>
+              <a:rPr lang="en-US" dirty="0" smtClean="0"/>
+              <a:t/>
+            </a:r>
+            <a:br>
+              <a:rPr lang="en-US" dirty="0" smtClean="0"/>
+            </a:br>
+            <a:r>
+              <a:rPr lang="en-US" sz="1200" b="0" i="0" kern="1200" dirty="0" smtClean="0">
+                <a:solidFill>
+                  <a:schemeClr val="tx1"/>
+                </a:solidFill>
+                <a:effectLst/>
+                <a:latin typeface="+mn-lt"/>
+                <a:ea typeface="+mn-ea"/>
+                <a:cs typeface="+mn-cs"/>
+              </a:rPr>
+              <a:t>?&gt;</a:t>
+            </a:r>
+            <a:endParaRPr lang="en-US" dirty="0"/>
+          </a:p>
+        </p:txBody>
+      </p:sp>
+      <p:sp>
+        <p:nvSpPr>
+          <p:cNvPr id="4" name="Header Placeholder 3"/>
+          <p:cNvSpPr>
+            <a:spLocks noGrp="1"/>
+          </p:cNvSpPr>
+          <p:nvPr>
+            <p:ph type="hdr" sz="quarter" idx="10"/>
+          </p:nvPr>
+        </p:nvSpPr>
+        <p:spPr/>
+        <p:txBody>
+          <a:bodyPr/>
+          <a:lstStyle/>
+          <a:p>
+            <a:r>
+              <a:rPr lang="en-US" smtClean="0"/>
+              <a:t>Cao Đẳng Nghề Số 7</a:t>
+            </a:r>
+            <a:endParaRPr lang="en-US"/>
+          </a:p>
+        </p:txBody>
+      </p:sp>
+      <p:sp>
+        <p:nvSpPr>
+          <p:cNvPr id="5" name="Slide Number Placeholder 4"/>
+          <p:cNvSpPr>
+            <a:spLocks noGrp="1"/>
+          </p:cNvSpPr>
+          <p:nvPr>
+            <p:ph type="sldNum" sz="quarter" idx="11"/>
+          </p:nvPr>
+        </p:nvSpPr>
+        <p:spPr/>
+        <p:txBody>
+          <a:bodyPr/>
+          <a:lstStyle/>
+          <a:p>
+            <a:fld id="{A0DE7355-DEEE-4A49-8306-06964CDF67D9}" type="slidenum">
+              <a:rPr lang="en-US" smtClean="0"/>
+              <a:t>45</a:t>
+            </a:fld>
+            <a:endParaRPr lang="en-US"/>
+          </a:p>
+        </p:txBody>
+      </p:sp>
+    </p:spTree>
+    <p:extLst>
+      <p:ext uri="{BB962C8B-B14F-4D97-AF65-F5344CB8AC3E}">
+        <p14:creationId xmlns:p14="http://schemas.microsoft.com/office/powerpoint/2010/main" val="4015862977"/>
+      </p:ext>
+    </p:extLst>
+  </p:cSld>
+  <p:clrMapOvr>
+    <a:masterClrMapping/>
+  </p:clrMapOvr>
+</p:notes>
+</file>
+
 <file path=ppt/notesSlides/notesSlide2.xml><?xml version="1.0" encoding="utf-8"?>
 <p:notes xmlns:a="http://schemas.openxmlformats.org/drawingml/2006/main" xmlns:r="http://schemas.openxmlformats.org/officeDocument/2006/relationships" xmlns:p="http://schemas.openxmlformats.org/presentationml/2006/main">
   <p:cSld>
@@ -4955,7 +8411,7 @@
           <a:p>
             <a:fld id="{2EBD71A0-751B-41AC-9C34-83ECB9EAA3A4}" type="datetime1">
               <a:rPr lang="en-US" smtClean="0"/>
-              <a:t>1/5/2016</a:t>
+              <a:t>1/14/2016</a:t>
             </a:fld>
             <a:endParaRPr lang="en-US" dirty="0"/>
           </a:p>
@@ -5136,7 +8592,7 @@
           <a:p>
             <a:fld id="{F967D3BD-405E-42D2-B6B6-C663B2B084BD}" type="datetime1">
               <a:rPr lang="en-US" smtClean="0"/>
-              <a:t>1/5/2016</a:t>
+              <a:t>1/14/2016</a:t>
             </a:fld>
             <a:endParaRPr lang="en-US"/>
           </a:p>
@@ -5320,7 +8776,7 @@
           <a:p>
             <a:fld id="{3818F414-B276-4BFD-A979-EE5B3A55E6B6}" type="datetime1">
               <a:rPr lang="en-US" smtClean="0"/>
-              <a:t>1/5/2016</a:t>
+              <a:t>1/14/2016</a:t>
             </a:fld>
             <a:endParaRPr lang="en-US"/>
           </a:p>
@@ -5502,7 +8958,7 @@
           <a:p>
             <a:fld id="{8061A8BA-F01F-4FDA-B1AB-79EA6C2D3C2F}" type="datetime1">
               <a:rPr lang="en-US" smtClean="0"/>
-              <a:t>1/5/2016</a:t>
+              <a:t>1/14/2016</a:t>
             </a:fld>
             <a:endParaRPr lang="en-US"/>
           </a:p>
@@ -5752,7 +9208,7 @@
           <a:p>
             <a:fld id="{7589CACF-C62E-4922-B9E6-A1041AF7AC9B}" type="datetime1">
               <a:rPr lang="en-US" smtClean="0"/>
-              <a:t>1/5/2016</a:t>
+              <a:t>1/14/2016</a:t>
             </a:fld>
             <a:endParaRPr lang="en-US"/>
           </a:p>
@@ -6044,7 +9500,7 @@
           <a:p>
             <a:fld id="{BD592CE2-4021-4E5F-A485-1BAE3D9B6351}" type="datetime1">
               <a:rPr lang="en-US" smtClean="0"/>
-              <a:t>1/5/2016</a:t>
+              <a:t>1/14/2016</a:t>
             </a:fld>
             <a:endParaRPr lang="en-US"/>
           </a:p>
@@ -6470,7 +9926,7 @@
           <a:p>
             <a:fld id="{DE956A41-551B-4249-A153-7056A160D38D}" type="datetime1">
               <a:rPr lang="en-US" smtClean="0"/>
-              <a:t>1/5/2016</a:t>
+              <a:t>1/14/2016</a:t>
             </a:fld>
             <a:endParaRPr lang="en-US"/>
           </a:p>
@@ -6592,7 +10048,7 @@
           <a:p>
             <a:fld id="{21AD11B8-B007-4320-AC1C-52056544EAC6}" type="datetime1">
               <a:rPr lang="en-US" smtClean="0"/>
-              <a:t>1/5/2016</a:t>
+              <a:t>1/14/2016</a:t>
             </a:fld>
             <a:endParaRPr lang="en-US"/>
           </a:p>
@@ -6691,7 +10147,7 @@
           <a:p>
             <a:fld id="{6E922922-3B64-493E-8ACC-AEF396CC7C53}" type="datetime1">
               <a:rPr lang="en-US" smtClean="0"/>
-              <a:t>1/5/2016</a:t>
+              <a:t>1/14/2016</a:t>
             </a:fld>
             <a:endParaRPr lang="en-US"/>
           </a:p>
@@ -6972,7 +10428,7 @@
           <a:p>
             <a:fld id="{8A566B5C-8AA9-4138-A923-569C4B97646C}" type="datetime1">
               <a:rPr lang="en-US" smtClean="0"/>
-              <a:t>1/5/2016</a:t>
+              <a:t>1/14/2016</a:t>
             </a:fld>
             <a:endParaRPr lang="en-US"/>
           </a:p>
@@ -7229,7 +10685,7 @@
           <a:p>
             <a:fld id="{F3657658-7159-4B75-AF0F-B3A4ACB35E74}" type="datetime1">
               <a:rPr lang="en-US" smtClean="0"/>
-              <a:t>1/5/2016</a:t>
+              <a:t>1/14/2016</a:t>
             </a:fld>
             <a:endParaRPr lang="en-US"/>
           </a:p>
@@ -7446,7 +10902,7 @@
           <a:p>
             <a:fld id="{EFF193CA-8151-4CFA-950D-A780AB853FE1}" type="datetime1">
               <a:rPr lang="en-US" smtClean="0"/>
-              <a:t>1/5/2016</a:t>
+              <a:t>1/14/2016</a:t>
             </a:fld>
             <a:endParaRPr lang="en-US"/>
           </a:p>
@@ -7927,7 +11383,7 @@
           <a:p>
             <a:fld id="{19A30DE0-E9BF-4910-A58E-72E5BFE1842A}" type="datetime1">
               <a:rPr lang="en-US" smtClean="0"/>
-              <a:t>1/5/2016</a:t>
+              <a:t>1/14/2016</a:t>
             </a:fld>
             <a:endParaRPr lang="en-US" dirty="0"/>
           </a:p>
@@ -8209,7 +11665,7 @@
           <a:p>
             <a:fld id="{8061A8BA-F01F-4FDA-B1AB-79EA6C2D3C2F}" type="datetime1">
               <a:rPr lang="en-US" smtClean="0"/>
-              <a:t>1/5/2016</a:t>
+              <a:t>1/14/2016</a:t>
             </a:fld>
             <a:endParaRPr lang="en-US"/>
           </a:p>
@@ -8451,7 +11907,7 @@
           <a:p>
             <a:fld id="{8061A8BA-F01F-4FDA-B1AB-79EA6C2D3C2F}" type="datetime1">
               <a:rPr lang="en-US" smtClean="0"/>
-              <a:t>1/5/2016</a:t>
+              <a:t>1/14/2016</a:t>
             </a:fld>
             <a:endParaRPr lang="en-US"/>
           </a:p>
@@ -8658,7 +12114,7 @@
           <a:p>
             <a:fld id="{8061A8BA-F01F-4FDA-B1AB-79EA6C2D3C2F}" type="datetime1">
               <a:rPr lang="en-US" smtClean="0"/>
-              <a:t>1/5/2016</a:t>
+              <a:t>1/14/2016</a:t>
             </a:fld>
             <a:endParaRPr lang="en-US"/>
           </a:p>
@@ -8962,7 +12418,7 @@
           <a:p>
             <a:fld id="{8061A8BA-F01F-4FDA-B1AB-79EA6C2D3C2F}" type="datetime1">
               <a:rPr lang="en-US" smtClean="0"/>
-              <a:t>1/5/2016</a:t>
+              <a:t>1/14/2016</a:t>
             </a:fld>
             <a:endParaRPr lang="en-US"/>
           </a:p>
@@ -9222,7 +12678,7 @@
           <a:p>
             <a:fld id="{8061A8BA-F01F-4FDA-B1AB-79EA6C2D3C2F}" type="datetime1">
               <a:rPr lang="en-US" smtClean="0"/>
-              <a:t>1/5/2016</a:t>
+              <a:t>1/14/2016</a:t>
             </a:fld>
             <a:endParaRPr lang="en-US"/>
           </a:p>
@@ -9470,7 +12926,7 @@
           <a:p>
             <a:fld id="{8061A8BA-F01F-4FDA-B1AB-79EA6C2D3C2F}" type="datetime1">
               <a:rPr lang="en-US" smtClean="0"/>
-              <a:t>1/5/2016</a:t>
+              <a:t>1/14/2016</a:t>
             </a:fld>
             <a:endParaRPr lang="en-US"/>
           </a:p>
@@ -9635,7 +13091,7 @@
           <a:p>
             <a:fld id="{8061A8BA-F01F-4FDA-B1AB-79EA6C2D3C2F}" type="datetime1">
               <a:rPr lang="en-US" smtClean="0"/>
-              <a:t>1/5/2016</a:t>
+              <a:t>1/14/2016</a:t>
             </a:fld>
             <a:endParaRPr lang="en-US"/>
           </a:p>
@@ -12365,7 +15821,7 @@
           <a:p>
             <a:fld id="{8061A8BA-F01F-4FDA-B1AB-79EA6C2D3C2F}" type="datetime1">
               <a:rPr lang="en-US" smtClean="0"/>
-              <a:t>1/5/2016</a:t>
+              <a:t>1/14/2016</a:t>
             </a:fld>
             <a:endParaRPr lang="en-US"/>
           </a:p>
@@ -13470,7 +16926,7 @@
           <a:p>
             <a:fld id="{8061A8BA-F01F-4FDA-B1AB-79EA6C2D3C2F}" type="datetime1">
               <a:rPr lang="en-US" smtClean="0"/>
-              <a:t>1/5/2016</a:t>
+              <a:t>1/14/2016</a:t>
             </a:fld>
             <a:endParaRPr lang="en-US"/>
           </a:p>
@@ -15122,7 +18578,7 @@
           <a:p>
             <a:fld id="{8061A8BA-F01F-4FDA-B1AB-79EA6C2D3C2F}" type="datetime1">
               <a:rPr lang="en-US" smtClean="0"/>
-              <a:t>1/5/2016</a:t>
+              <a:t>1/14/2016</a:t>
             </a:fld>
             <a:endParaRPr lang="en-US"/>
           </a:p>
@@ -15352,7 +18808,7 @@
           <a:p>
             <a:fld id="{2B854A95-5E71-469B-A60C-66F942B68C63}" type="datetime1">
               <a:rPr lang="en-US" smtClean="0"/>
-              <a:t>1/5/2016</a:t>
+              <a:t>1/14/2016</a:t>
             </a:fld>
             <a:endParaRPr lang="en-US"/>
           </a:p>
@@ -15653,7 +19109,7 @@
           <a:p>
             <a:fld id="{8061A8BA-F01F-4FDA-B1AB-79EA6C2D3C2F}" type="datetime1">
               <a:rPr lang="en-US" smtClean="0"/>
-              <a:t>1/5/2016</a:t>
+              <a:t>1/14/2016</a:t>
             </a:fld>
             <a:endParaRPr lang="en-US"/>
           </a:p>
@@ -15914,7 +19370,7 @@
           <a:p>
             <a:fld id="{8061A8BA-F01F-4FDA-B1AB-79EA6C2D3C2F}" type="datetime1">
               <a:rPr lang="en-US" smtClean="0"/>
-              <a:t>1/5/2016</a:t>
+              <a:t>1/14/2016</a:t>
             </a:fld>
             <a:endParaRPr lang="en-US"/>
           </a:p>
@@ -16211,7 +19667,7 @@
           <a:p>
             <a:fld id="{8061A8BA-F01F-4FDA-B1AB-79EA6C2D3C2F}" type="datetime1">
               <a:rPr lang="en-US" smtClean="0"/>
-              <a:t>1/5/2016</a:t>
+              <a:t>1/14/2016</a:t>
             </a:fld>
             <a:endParaRPr lang="en-US"/>
           </a:p>
@@ -16384,7 +19840,7 @@
           <a:p>
             <a:fld id="{8061A8BA-F01F-4FDA-B1AB-79EA6C2D3C2F}" type="datetime1">
               <a:rPr lang="en-US" smtClean="0"/>
-              <a:t>1/5/2016</a:t>
+              <a:t>1/14/2016</a:t>
             </a:fld>
             <a:endParaRPr lang="en-US"/>
           </a:p>
@@ -16608,7 +20064,7 @@
           <a:p>
             <a:fld id="{8061A8BA-F01F-4FDA-B1AB-79EA6C2D3C2F}" type="datetime1">
               <a:rPr lang="en-US" smtClean="0"/>
-              <a:t>1/5/2016</a:t>
+              <a:t>1/14/2016</a:t>
             </a:fld>
             <a:endParaRPr lang="en-US"/>
           </a:p>
@@ -16820,7 +20276,7 @@
           <a:p>
             <a:fld id="{8061A8BA-F01F-4FDA-B1AB-79EA6C2D3C2F}" type="datetime1">
               <a:rPr lang="en-US" smtClean="0"/>
-              <a:t>1/5/2016</a:t>
+              <a:t>1/14/2016</a:t>
             </a:fld>
             <a:endParaRPr lang="en-US"/>
           </a:p>
@@ -17032,7 +20488,7 @@
           <a:p>
             <a:fld id="{8061A8BA-F01F-4FDA-B1AB-79EA6C2D3C2F}" type="datetime1">
               <a:rPr lang="en-US" smtClean="0"/>
-              <a:t>1/5/2016</a:t>
+              <a:t>1/14/2016</a:t>
             </a:fld>
             <a:endParaRPr lang="en-US"/>
           </a:p>
@@ -17235,7 +20691,7 @@
           <a:p>
             <a:fld id="{8061A8BA-F01F-4FDA-B1AB-79EA6C2D3C2F}" type="datetime1">
               <a:rPr lang="en-US" smtClean="0"/>
-              <a:t>1/5/2016</a:t>
+              <a:t>1/14/2016</a:t>
             </a:fld>
             <a:endParaRPr lang="en-US"/>
           </a:p>
@@ -17456,7 +20912,7 @@
           <a:p>
             <a:fld id="{8061A8BA-F01F-4FDA-B1AB-79EA6C2D3C2F}" type="datetime1">
               <a:rPr lang="en-US" smtClean="0"/>
-              <a:t>1/5/2016</a:t>
+              <a:t>1/14/2016</a:t>
             </a:fld>
             <a:endParaRPr lang="en-US"/>
           </a:p>
@@ -17673,7 +21129,7 @@
           <a:p>
             <a:fld id="{8061A8BA-F01F-4FDA-B1AB-79EA6C2D3C2F}" type="datetime1">
               <a:rPr lang="en-US" smtClean="0"/>
-              <a:t>1/5/2016</a:t>
+              <a:t>1/14/2016</a:t>
             </a:fld>
             <a:endParaRPr lang="en-US"/>
           </a:p>
@@ -17844,7 +21300,7 @@
           <a:p>
             <a:fld id="{8061A8BA-F01F-4FDA-B1AB-79EA6C2D3C2F}" type="datetime1">
               <a:rPr lang="en-US" smtClean="0"/>
-              <a:t>1/5/2016</a:t>
+              <a:t>1/14/2016</a:t>
             </a:fld>
             <a:endParaRPr lang="en-US"/>
           </a:p>
@@ -18198,7 +21654,7 @@
           <a:p>
             <a:fld id="{8061A8BA-F01F-4FDA-B1AB-79EA6C2D3C2F}" type="datetime1">
               <a:rPr lang="en-US" smtClean="0"/>
-              <a:t>1/5/2016</a:t>
+              <a:t>1/14/2016</a:t>
             </a:fld>
             <a:endParaRPr lang="en-US"/>
           </a:p>
@@ -18470,7 +21926,7 @@
           <a:p>
             <a:fld id="{8061A8BA-F01F-4FDA-B1AB-79EA6C2D3C2F}" type="datetime1">
               <a:rPr lang="en-US" smtClean="0"/>
-              <a:t>1/5/2016</a:t>
+              <a:t>1/14/2016</a:t>
             </a:fld>
             <a:endParaRPr lang="en-US"/>
           </a:p>
@@ -18680,7 +22136,7 @@
           <a:p>
             <a:fld id="{8061A8BA-F01F-4FDA-B1AB-79EA6C2D3C2F}" type="datetime1">
               <a:rPr lang="en-US" smtClean="0"/>
-              <a:t>1/5/2016</a:t>
+              <a:t>1/14/2016</a:t>
             </a:fld>
             <a:endParaRPr lang="en-US"/>
           </a:p>
@@ -18896,7 +22352,7 @@
           <a:p>
             <a:fld id="{8061A8BA-F01F-4FDA-B1AB-79EA6C2D3C2F}" type="datetime1">
               <a:rPr lang="en-US" smtClean="0"/>
-              <a:t>1/5/2016</a:t>
+              <a:t>1/14/2016</a:t>
             </a:fld>
             <a:endParaRPr lang="en-US"/>
           </a:p>
@@ -19167,7 +22623,7 @@
           <a:p>
             <a:fld id="{8061A8BA-F01F-4FDA-B1AB-79EA6C2D3C2F}" type="datetime1">
               <a:rPr lang="en-US" smtClean="0"/>
-              <a:t>1/5/2016</a:t>
+              <a:t>1/14/2016</a:t>
             </a:fld>
             <a:endParaRPr lang="en-US"/>
           </a:p>
@@ -19415,7 +22871,7 @@
           <a:p>
             <a:fld id="{8061A8BA-F01F-4FDA-B1AB-79EA6C2D3C2F}" type="datetime1">
               <a:rPr lang="en-US" smtClean="0"/>
-              <a:t>1/5/2016</a:t>
+              <a:t>1/14/2016</a:t>
             </a:fld>
             <a:endParaRPr lang="en-US"/>
           </a:p>
@@ -19619,7 +23075,7 @@
           <a:p>
             <a:fld id="{8061A8BA-F01F-4FDA-B1AB-79EA6C2D3C2F}" type="datetime1">
               <a:rPr lang="en-US" smtClean="0"/>
-              <a:t>1/5/2016</a:t>
+              <a:t>1/14/2016</a:t>
             </a:fld>
             <a:endParaRPr lang="en-US"/>
           </a:p>
@@ -19862,7 +23318,7 @@
           <a:p>
             <a:fld id="{8061A8BA-F01F-4FDA-B1AB-79EA6C2D3C2F}" type="datetime1">
               <a:rPr lang="en-US" smtClean="0"/>
-              <a:t>1/5/2016</a:t>
+              <a:t>1/14/2016</a:t>
             </a:fld>
             <a:endParaRPr lang="en-US"/>
           </a:p>
@@ -20084,7 +23540,7 @@
           <a:p>
             <a:fld id="{8061A8BA-F01F-4FDA-B1AB-79EA6C2D3C2F}" type="datetime1">
               <a:rPr lang="en-US" smtClean="0"/>
-              <a:t>1/5/2016</a:t>
+              <a:t>1/14/2016</a:t>
             </a:fld>
             <a:endParaRPr lang="en-US"/>
           </a:p>
@@ -20327,7 +23783,7 @@
           <a:p>
             <a:fld id="{8061A8BA-F01F-4FDA-B1AB-79EA6C2D3C2F}" type="datetime1">
               <a:rPr lang="en-US" smtClean="0"/>
-              <a:t>1/5/2016</a:t>
+              <a:t>1/14/2016</a:t>
             </a:fld>
             <a:endParaRPr lang="en-US"/>
           </a:p>
@@ -20891,7 +24347,7 @@
           <a:p>
             <a:fld id="{8061A8BA-F01F-4FDA-B1AB-79EA6C2D3C2F}" type="datetime1">
               <a:rPr lang="en-US" smtClean="0"/>
-              <a:t>1/5/2016</a:t>
+              <a:t>1/14/2016</a:t>
             </a:fld>
             <a:endParaRPr lang="en-US"/>
           </a:p>
@@ -21039,7 +24495,7 @@
           <a:p>
             <a:fld id="{8061A8BA-F01F-4FDA-B1AB-79EA6C2D3C2F}" type="datetime1">
               <a:rPr lang="en-US" smtClean="0"/>
-              <a:t>1/5/2016</a:t>
+              <a:t>1/14/2016</a:t>
             </a:fld>
             <a:endParaRPr lang="en-US"/>
           </a:p>
@@ -21351,7 +24807,7 @@
           <a:p>
             <a:fld id="{8061A8BA-F01F-4FDA-B1AB-79EA6C2D3C2F}" type="datetime1">
               <a:rPr lang="en-US" smtClean="0"/>
-              <a:t>1/5/2016</a:t>
+              <a:t>1/14/2016</a:t>
             </a:fld>
             <a:endParaRPr lang="en-US"/>
           </a:p>
@@ -21791,7 +25247,7 @@
           <a:p>
             <a:fld id="{8061A8BA-F01F-4FDA-B1AB-79EA6C2D3C2F}" type="datetime1">
               <a:rPr lang="en-US" smtClean="0"/>
-              <a:t>1/5/2016</a:t>
+              <a:t>1/14/2016</a:t>
             </a:fld>
             <a:endParaRPr lang="en-US"/>
           </a:p>
@@ -21847,6 +25303,1457 @@
     <p:extLst>
       <p:ext uri="{BB962C8B-B14F-4D97-AF65-F5344CB8AC3E}">
         <p14:creationId xmlns:p14="http://schemas.microsoft.com/office/powerpoint/2010/main" val="1537398592"/>
+      </p:ext>
+    </p:extLst>
+  </p:cSld>
+  <p:clrMapOvr>
+    <a:masterClrMapping/>
+  </p:clrMapOvr>
+</p:sld>
+</file>
+
+<file path=ppt/slides/slide43.xml><?xml version="1.0" encoding="utf-8"?>
+<p:sld xmlns:a="http://schemas.openxmlformats.org/drawingml/2006/main" xmlns:r="http://schemas.openxmlformats.org/officeDocument/2006/relationships" xmlns:p="http://schemas.openxmlformats.org/presentationml/2006/main">
+  <p:cSld>
+    <p:spTree>
+      <p:nvGrpSpPr>
+        <p:cNvPr id="1" name=""/>
+        <p:cNvGrpSpPr/>
+        <p:nvPr/>
+      </p:nvGrpSpPr>
+      <p:grpSpPr>
+        <a:xfrm>
+          <a:off x="0" y="0"/>
+          <a:ext cx="0" cy="0"/>
+          <a:chOff x="0" y="0"/>
+          <a:chExt cx="0" cy="0"/>
+        </a:xfrm>
+      </p:grpSpPr>
+      <p:sp>
+        <p:nvSpPr>
+          <p:cNvPr id="2" name="Title 1"/>
+          <p:cNvSpPr>
+            <a:spLocks noGrp="1"/>
+          </p:cNvSpPr>
+          <p:nvPr>
+            <p:ph type="title"/>
+          </p:nvPr>
+        </p:nvSpPr>
+        <p:spPr/>
+        <p:txBody>
+          <a:bodyPr/>
+          <a:lstStyle/>
+          <a:p>
+            <a:r>
+              <a:rPr lang="en-US" dirty="0" smtClean="0"/>
+              <a:t>Date</a:t>
+            </a:r>
+            <a:endParaRPr lang="en-US" dirty="0"/>
+          </a:p>
+        </p:txBody>
+      </p:sp>
+      <p:sp>
+        <p:nvSpPr>
+          <p:cNvPr id="3" name="Content Placeholder 2"/>
+          <p:cNvSpPr>
+            <a:spLocks noGrp="1"/>
+          </p:cNvSpPr>
+          <p:nvPr>
+            <p:ph idx="1"/>
+          </p:nvPr>
+        </p:nvSpPr>
+        <p:spPr/>
+        <p:txBody>
+          <a:bodyPr/>
+          <a:lstStyle/>
+          <a:p>
+            <a:pPr marL="0" indent="0">
+              <a:buNone/>
+            </a:pPr>
+            <a:r>
+              <a:rPr lang="en-US" dirty="0"/>
+              <a:t>&lt;?</a:t>
+            </a:r>
+            <a:r>
+              <a:rPr lang="en-US" dirty="0" err="1"/>
+              <a:t>php</a:t>
+            </a:r>
+            <a:r>
+              <a:rPr lang="en-US" dirty="0"/>
+              <a:t/>
+            </a:r>
+            <a:br>
+              <a:rPr lang="en-US" dirty="0"/>
+            </a:br>
+            <a:r>
+              <a:rPr lang="en-US" dirty="0"/>
+              <a:t>echo "Today is " . date("Y/m/d") . "&lt;</a:t>
+            </a:r>
+            <a:r>
+              <a:rPr lang="en-US" dirty="0" err="1"/>
+              <a:t>br</a:t>
+            </a:r>
+            <a:r>
+              <a:rPr lang="en-US" dirty="0"/>
+              <a:t>&gt;";</a:t>
+            </a:r>
+            <a:r>
+              <a:rPr lang="en-US" dirty="0"/>
+              <a:t/>
+            </a:r>
+            <a:br>
+              <a:rPr lang="en-US" dirty="0"/>
+            </a:br>
+            <a:r>
+              <a:rPr lang="en-US" dirty="0"/>
+              <a:t>echo "Today is " . date("</a:t>
+            </a:r>
+            <a:r>
+              <a:rPr lang="en-US" dirty="0" err="1"/>
+              <a:t>Y.m.d</a:t>
+            </a:r>
+            <a:r>
+              <a:rPr lang="en-US" dirty="0"/>
+              <a:t>") . "&lt;</a:t>
+            </a:r>
+            <a:r>
+              <a:rPr lang="en-US" dirty="0" err="1"/>
+              <a:t>br</a:t>
+            </a:r>
+            <a:r>
+              <a:rPr lang="en-US" dirty="0"/>
+              <a:t>&gt;";</a:t>
+            </a:r>
+            <a:r>
+              <a:rPr lang="en-US" dirty="0"/>
+              <a:t/>
+            </a:r>
+            <a:br>
+              <a:rPr lang="en-US" dirty="0"/>
+            </a:br>
+            <a:r>
+              <a:rPr lang="en-US" dirty="0"/>
+              <a:t>echo "Today is " . date("Y-m-d") . "&lt;</a:t>
+            </a:r>
+            <a:r>
+              <a:rPr lang="en-US" dirty="0" err="1"/>
+              <a:t>br</a:t>
+            </a:r>
+            <a:r>
+              <a:rPr lang="en-US" dirty="0"/>
+              <a:t>&gt;";</a:t>
+            </a:r>
+            <a:r>
+              <a:rPr lang="en-US" dirty="0"/>
+              <a:t/>
+            </a:r>
+            <a:br>
+              <a:rPr lang="en-US" dirty="0"/>
+            </a:br>
+            <a:r>
+              <a:rPr lang="en-US" dirty="0"/>
+              <a:t>echo "Today is " . date("l");</a:t>
+            </a:r>
+            <a:r>
+              <a:rPr lang="en-US" dirty="0"/>
+              <a:t/>
+            </a:r>
+            <a:br>
+              <a:rPr lang="en-US" dirty="0"/>
+            </a:br>
+            <a:r>
+              <a:rPr lang="en-US" dirty="0" smtClean="0"/>
+              <a:t>?&gt;</a:t>
+            </a:r>
+          </a:p>
+          <a:p>
+            <a:pPr marL="0" indent="0">
+              <a:buNone/>
+            </a:pPr>
+            <a:r>
+              <a:rPr lang="es-ES" dirty="0"/>
+              <a:t>&amp;</a:t>
+            </a:r>
+            <a:r>
+              <a:rPr lang="es-ES" dirty="0" err="1"/>
+              <a:t>copy</a:t>
+            </a:r>
+            <a:r>
+              <a:rPr lang="es-ES" dirty="0"/>
+              <a:t>; 2010-&lt;?</a:t>
+            </a:r>
+            <a:r>
+              <a:rPr lang="es-ES" dirty="0" err="1"/>
+              <a:t>php</a:t>
+            </a:r>
+            <a:r>
+              <a:rPr lang="es-ES" dirty="0"/>
+              <a:t> echo date("Y");?&gt;</a:t>
+            </a:r>
+            <a:endParaRPr lang="en-US" dirty="0"/>
+          </a:p>
+        </p:txBody>
+      </p:sp>
+      <p:sp>
+        <p:nvSpPr>
+          <p:cNvPr id="4" name="Date Placeholder 3"/>
+          <p:cNvSpPr>
+            <a:spLocks noGrp="1"/>
+          </p:cNvSpPr>
+          <p:nvPr>
+            <p:ph type="dt" sz="half" idx="10"/>
+          </p:nvPr>
+        </p:nvSpPr>
+        <p:spPr/>
+        <p:txBody>
+          <a:bodyPr/>
+          <a:lstStyle/>
+          <a:p>
+            <a:fld id="{8061A8BA-F01F-4FDA-B1AB-79EA6C2D3C2F}" type="datetime1">
+              <a:rPr lang="en-US" smtClean="0"/>
+              <a:t>1/14/2016</a:t>
+            </a:fld>
+            <a:endParaRPr lang="en-US"/>
+          </a:p>
+        </p:txBody>
+      </p:sp>
+      <p:sp>
+        <p:nvSpPr>
+          <p:cNvPr id="5" name="Footer Placeholder 4"/>
+          <p:cNvSpPr>
+            <a:spLocks noGrp="1"/>
+          </p:cNvSpPr>
+          <p:nvPr>
+            <p:ph type="ftr" sz="quarter" idx="11"/>
+          </p:nvPr>
+        </p:nvSpPr>
+        <p:spPr/>
+        <p:txBody>
+          <a:bodyPr/>
+          <a:lstStyle/>
+          <a:p>
+            <a:r>
+              <a:rPr lang="en-US" smtClean="0"/>
+              <a:t>Edited by Phạm Linh Huy</a:t>
+            </a:r>
+            <a:endParaRPr lang="en-US" dirty="0"/>
+          </a:p>
+        </p:txBody>
+      </p:sp>
+      <p:sp>
+        <p:nvSpPr>
+          <p:cNvPr id="6" name="Slide Number Placeholder 5"/>
+          <p:cNvSpPr>
+            <a:spLocks noGrp="1"/>
+          </p:cNvSpPr>
+          <p:nvPr>
+            <p:ph type="sldNum" sz="quarter" idx="12"/>
+          </p:nvPr>
+        </p:nvSpPr>
+        <p:spPr/>
+        <p:txBody>
+          <a:bodyPr/>
+          <a:lstStyle/>
+          <a:p>
+            <a:fld id="{6CB5AA68-9AC4-4281-94D7-C40BEFF93EC5}" type="slidenum">
+              <a:rPr lang="en-US" smtClean="0"/>
+              <a:t>43</a:t>
+            </a:fld>
+            <a:endParaRPr lang="en-US"/>
+          </a:p>
+        </p:txBody>
+      </p:sp>
+    </p:spTree>
+    <p:extLst>
+      <p:ext uri="{BB962C8B-B14F-4D97-AF65-F5344CB8AC3E}">
+        <p14:creationId xmlns:p14="http://schemas.microsoft.com/office/powerpoint/2010/main" val="3619991051"/>
+      </p:ext>
+    </p:extLst>
+  </p:cSld>
+  <p:clrMapOvr>
+    <a:masterClrMapping/>
+  </p:clrMapOvr>
+</p:sld>
+</file>
+
+<file path=ppt/slides/slide44.xml><?xml version="1.0" encoding="utf-8"?>
+<p:sld xmlns:a="http://schemas.openxmlformats.org/drawingml/2006/main" xmlns:r="http://schemas.openxmlformats.org/officeDocument/2006/relationships" xmlns:p="http://schemas.openxmlformats.org/presentationml/2006/main">
+  <p:cSld>
+    <p:spTree>
+      <p:nvGrpSpPr>
+        <p:cNvPr id="1" name=""/>
+        <p:cNvGrpSpPr/>
+        <p:nvPr/>
+      </p:nvGrpSpPr>
+      <p:grpSpPr>
+        <a:xfrm>
+          <a:off x="0" y="0"/>
+          <a:ext cx="0" cy="0"/>
+          <a:chOff x="0" y="0"/>
+          <a:chExt cx="0" cy="0"/>
+        </a:xfrm>
+      </p:grpSpPr>
+      <p:sp>
+        <p:nvSpPr>
+          <p:cNvPr id="2" name="Title 1"/>
+          <p:cNvSpPr>
+            <a:spLocks noGrp="1"/>
+          </p:cNvSpPr>
+          <p:nvPr>
+            <p:ph type="title"/>
+          </p:nvPr>
+        </p:nvSpPr>
+        <p:spPr/>
+        <p:txBody>
+          <a:bodyPr/>
+          <a:lstStyle/>
+          <a:p>
+            <a:r>
+              <a:rPr lang="en-US" dirty="0" smtClean="0"/>
+              <a:t>Time</a:t>
+            </a:r>
+            <a:endParaRPr lang="en-US" dirty="0"/>
+          </a:p>
+        </p:txBody>
+      </p:sp>
+      <p:sp>
+        <p:nvSpPr>
+          <p:cNvPr id="3" name="Content Placeholder 2"/>
+          <p:cNvSpPr>
+            <a:spLocks noGrp="1"/>
+          </p:cNvSpPr>
+          <p:nvPr>
+            <p:ph idx="1"/>
+          </p:nvPr>
+        </p:nvSpPr>
+        <p:spPr/>
+        <p:txBody>
+          <a:bodyPr/>
+          <a:lstStyle/>
+          <a:p>
+            <a:pPr marL="0" indent="0">
+              <a:buNone/>
+            </a:pPr>
+            <a:r>
+              <a:rPr lang="en-US" dirty="0"/>
+              <a:t>&lt;?</a:t>
+            </a:r>
+            <a:r>
+              <a:rPr lang="en-US" dirty="0" err="1"/>
+              <a:t>php</a:t>
+            </a:r>
+            <a:r>
+              <a:rPr lang="en-US" dirty="0"/>
+              <a:t/>
+            </a:r>
+            <a:br>
+              <a:rPr lang="en-US" dirty="0"/>
+            </a:br>
+            <a:r>
+              <a:rPr lang="en-US" dirty="0"/>
+              <a:t>echo "The time is " . date("</a:t>
+            </a:r>
+            <a:r>
+              <a:rPr lang="en-US" dirty="0" err="1"/>
+              <a:t>h:i:sa</a:t>
+            </a:r>
+            <a:r>
+              <a:rPr lang="en-US" dirty="0"/>
+              <a:t>");</a:t>
+            </a:r>
+            <a:r>
+              <a:rPr lang="en-US" dirty="0"/>
+              <a:t/>
+            </a:r>
+            <a:br>
+              <a:rPr lang="en-US" dirty="0"/>
+            </a:br>
+            <a:r>
+              <a:rPr lang="en-US" dirty="0"/>
+              <a:t>?&gt;</a:t>
+            </a:r>
+            <a:endParaRPr lang="en-US" dirty="0"/>
+          </a:p>
+        </p:txBody>
+      </p:sp>
+      <p:sp>
+        <p:nvSpPr>
+          <p:cNvPr id="4" name="Date Placeholder 3"/>
+          <p:cNvSpPr>
+            <a:spLocks noGrp="1"/>
+          </p:cNvSpPr>
+          <p:nvPr>
+            <p:ph type="dt" sz="half" idx="10"/>
+          </p:nvPr>
+        </p:nvSpPr>
+        <p:spPr/>
+        <p:txBody>
+          <a:bodyPr/>
+          <a:lstStyle/>
+          <a:p>
+            <a:fld id="{8061A8BA-F01F-4FDA-B1AB-79EA6C2D3C2F}" type="datetime1">
+              <a:rPr lang="en-US" smtClean="0"/>
+              <a:t>1/14/2016</a:t>
+            </a:fld>
+            <a:endParaRPr lang="en-US"/>
+          </a:p>
+        </p:txBody>
+      </p:sp>
+      <p:sp>
+        <p:nvSpPr>
+          <p:cNvPr id="5" name="Footer Placeholder 4"/>
+          <p:cNvSpPr>
+            <a:spLocks noGrp="1"/>
+          </p:cNvSpPr>
+          <p:nvPr>
+            <p:ph type="ftr" sz="quarter" idx="11"/>
+          </p:nvPr>
+        </p:nvSpPr>
+        <p:spPr/>
+        <p:txBody>
+          <a:bodyPr/>
+          <a:lstStyle/>
+          <a:p>
+            <a:r>
+              <a:rPr lang="en-US" smtClean="0"/>
+              <a:t>Edited by Phạm Linh Huy</a:t>
+            </a:r>
+            <a:endParaRPr lang="en-US" dirty="0"/>
+          </a:p>
+        </p:txBody>
+      </p:sp>
+      <p:sp>
+        <p:nvSpPr>
+          <p:cNvPr id="6" name="Slide Number Placeholder 5"/>
+          <p:cNvSpPr>
+            <a:spLocks noGrp="1"/>
+          </p:cNvSpPr>
+          <p:nvPr>
+            <p:ph type="sldNum" sz="quarter" idx="12"/>
+          </p:nvPr>
+        </p:nvSpPr>
+        <p:spPr/>
+        <p:txBody>
+          <a:bodyPr/>
+          <a:lstStyle/>
+          <a:p>
+            <a:fld id="{6CB5AA68-9AC4-4281-94D7-C40BEFF93EC5}" type="slidenum">
+              <a:rPr lang="en-US" smtClean="0"/>
+              <a:t>44</a:t>
+            </a:fld>
+            <a:endParaRPr lang="en-US"/>
+          </a:p>
+        </p:txBody>
+      </p:sp>
+    </p:spTree>
+    <p:extLst>
+      <p:ext uri="{BB962C8B-B14F-4D97-AF65-F5344CB8AC3E}">
+        <p14:creationId xmlns:p14="http://schemas.microsoft.com/office/powerpoint/2010/main" val="969993346"/>
+      </p:ext>
+    </p:extLst>
+  </p:cSld>
+  <p:clrMapOvr>
+    <a:masterClrMapping/>
+  </p:clrMapOvr>
+</p:sld>
+</file>
+
+<file path=ppt/slides/slide45.xml><?xml version="1.0" encoding="utf-8"?>
+<p:sld xmlns:a="http://schemas.openxmlformats.org/drawingml/2006/main" xmlns:r="http://schemas.openxmlformats.org/officeDocument/2006/relationships" xmlns:p="http://schemas.openxmlformats.org/presentationml/2006/main">
+  <p:cSld>
+    <p:spTree>
+      <p:nvGrpSpPr>
+        <p:cNvPr id="1" name=""/>
+        <p:cNvGrpSpPr/>
+        <p:nvPr/>
+      </p:nvGrpSpPr>
+      <p:grpSpPr>
+        <a:xfrm>
+          <a:off x="0" y="0"/>
+          <a:ext cx="0" cy="0"/>
+          <a:chOff x="0" y="0"/>
+          <a:chExt cx="0" cy="0"/>
+        </a:xfrm>
+      </p:grpSpPr>
+      <p:sp>
+        <p:nvSpPr>
+          <p:cNvPr id="2" name="Title 1"/>
+          <p:cNvSpPr>
+            <a:spLocks noGrp="1"/>
+          </p:cNvSpPr>
+          <p:nvPr>
+            <p:ph type="title"/>
+          </p:nvPr>
+        </p:nvSpPr>
+        <p:spPr/>
+        <p:txBody>
+          <a:bodyPr>
+            <a:normAutofit/>
+          </a:bodyPr>
+          <a:lstStyle/>
+          <a:p>
+            <a:r>
+              <a:rPr lang="en-US" dirty="0" err="1"/>
+              <a:t>strtotime</a:t>
+            </a:r>
+            <a:r>
+              <a:rPr lang="en-US" dirty="0" smtClean="0"/>
+              <a:t>()</a:t>
+            </a:r>
+            <a:endParaRPr lang="en-US" dirty="0"/>
+          </a:p>
+        </p:txBody>
+      </p:sp>
+      <p:sp>
+        <p:nvSpPr>
+          <p:cNvPr id="3" name="Content Placeholder 2"/>
+          <p:cNvSpPr>
+            <a:spLocks noGrp="1"/>
+          </p:cNvSpPr>
+          <p:nvPr>
+            <p:ph idx="1"/>
+          </p:nvPr>
+        </p:nvSpPr>
+        <p:spPr/>
+        <p:txBody>
+          <a:bodyPr/>
+          <a:lstStyle/>
+          <a:p>
+            <a:r>
+              <a:rPr lang="en-US" dirty="0" err="1" smtClean="0"/>
+              <a:t>Cú</a:t>
+            </a:r>
+            <a:r>
+              <a:rPr lang="en-US" dirty="0" smtClean="0"/>
+              <a:t> </a:t>
+            </a:r>
+            <a:r>
+              <a:rPr lang="en-US" dirty="0" err="1" smtClean="0"/>
+              <a:t>pháp</a:t>
+            </a:r>
+            <a:r>
+              <a:rPr lang="en-US" dirty="0" smtClean="0"/>
+              <a:t>: </a:t>
+            </a:r>
+            <a:r>
+              <a:rPr lang="en-US" dirty="0" err="1"/>
+              <a:t>strtotime</a:t>
+            </a:r>
+            <a:r>
+              <a:rPr lang="en-US" dirty="0"/>
+              <a:t>(</a:t>
+            </a:r>
+            <a:r>
+              <a:rPr lang="en-US" i="1" dirty="0" err="1"/>
+              <a:t>time,now</a:t>
+            </a:r>
+            <a:r>
+              <a:rPr lang="en-US" dirty="0" smtClean="0"/>
+              <a:t>)</a:t>
+            </a:r>
+          </a:p>
+          <a:p>
+            <a:pPr marL="0" indent="0">
+              <a:buNone/>
+            </a:pPr>
+            <a:r>
+              <a:rPr lang="en-US" dirty="0"/>
+              <a:t>&lt;?</a:t>
+            </a:r>
+            <a:r>
+              <a:rPr lang="en-US" dirty="0" err="1"/>
+              <a:t>php</a:t>
+            </a:r>
+            <a:r>
+              <a:rPr lang="en-US" dirty="0"/>
+              <a:t/>
+            </a:r>
+            <a:br>
+              <a:rPr lang="en-US" dirty="0"/>
+            </a:br>
+            <a:r>
+              <a:rPr lang="en-US" dirty="0"/>
+              <a:t>$d=</a:t>
+            </a:r>
+            <a:r>
+              <a:rPr lang="en-US" dirty="0" err="1"/>
+              <a:t>strtotime</a:t>
+            </a:r>
+            <a:r>
+              <a:rPr lang="en-US" dirty="0"/>
+              <a:t>("10:30pm April 15 2014");</a:t>
+            </a:r>
+            <a:r>
+              <a:rPr lang="en-US" dirty="0"/>
+              <a:t/>
+            </a:r>
+            <a:br>
+              <a:rPr lang="en-US" dirty="0"/>
+            </a:br>
+            <a:r>
+              <a:rPr lang="en-US" dirty="0"/>
+              <a:t>echo "Created date is " . date("Y-m-d h:i:sa", $d);</a:t>
+            </a:r>
+            <a:r>
+              <a:rPr lang="en-US" dirty="0"/>
+              <a:t/>
+            </a:r>
+            <a:br>
+              <a:rPr lang="en-US" dirty="0"/>
+            </a:br>
+            <a:r>
+              <a:rPr lang="en-US" dirty="0"/>
+              <a:t>?&gt;</a:t>
+            </a:r>
+            <a:endParaRPr lang="en-US" dirty="0"/>
+          </a:p>
+        </p:txBody>
+      </p:sp>
+      <p:sp>
+        <p:nvSpPr>
+          <p:cNvPr id="4" name="Date Placeholder 3"/>
+          <p:cNvSpPr>
+            <a:spLocks noGrp="1"/>
+          </p:cNvSpPr>
+          <p:nvPr>
+            <p:ph type="dt" sz="half" idx="10"/>
+          </p:nvPr>
+        </p:nvSpPr>
+        <p:spPr/>
+        <p:txBody>
+          <a:bodyPr/>
+          <a:lstStyle/>
+          <a:p>
+            <a:fld id="{8061A8BA-F01F-4FDA-B1AB-79EA6C2D3C2F}" type="datetime1">
+              <a:rPr lang="en-US" smtClean="0"/>
+              <a:t>1/14/2016</a:t>
+            </a:fld>
+            <a:endParaRPr lang="en-US"/>
+          </a:p>
+        </p:txBody>
+      </p:sp>
+      <p:sp>
+        <p:nvSpPr>
+          <p:cNvPr id="5" name="Footer Placeholder 4"/>
+          <p:cNvSpPr>
+            <a:spLocks noGrp="1"/>
+          </p:cNvSpPr>
+          <p:nvPr>
+            <p:ph type="ftr" sz="quarter" idx="11"/>
+          </p:nvPr>
+        </p:nvSpPr>
+        <p:spPr/>
+        <p:txBody>
+          <a:bodyPr/>
+          <a:lstStyle/>
+          <a:p>
+            <a:r>
+              <a:rPr lang="en-US" smtClean="0"/>
+              <a:t>Edited by Phạm Linh Huy</a:t>
+            </a:r>
+            <a:endParaRPr lang="en-US" dirty="0"/>
+          </a:p>
+        </p:txBody>
+      </p:sp>
+      <p:sp>
+        <p:nvSpPr>
+          <p:cNvPr id="6" name="Slide Number Placeholder 5"/>
+          <p:cNvSpPr>
+            <a:spLocks noGrp="1"/>
+          </p:cNvSpPr>
+          <p:nvPr>
+            <p:ph type="sldNum" sz="quarter" idx="12"/>
+          </p:nvPr>
+        </p:nvSpPr>
+        <p:spPr/>
+        <p:txBody>
+          <a:bodyPr/>
+          <a:lstStyle/>
+          <a:p>
+            <a:fld id="{6CB5AA68-9AC4-4281-94D7-C40BEFF93EC5}" type="slidenum">
+              <a:rPr lang="en-US" smtClean="0"/>
+              <a:t>45</a:t>
+            </a:fld>
+            <a:endParaRPr lang="en-US"/>
+          </a:p>
+        </p:txBody>
+      </p:sp>
+    </p:spTree>
+    <p:extLst>
+      <p:ext uri="{BB962C8B-B14F-4D97-AF65-F5344CB8AC3E}">
+        <p14:creationId xmlns:p14="http://schemas.microsoft.com/office/powerpoint/2010/main" val="2606700309"/>
+      </p:ext>
+    </p:extLst>
+  </p:cSld>
+  <p:clrMapOvr>
+    <a:masterClrMapping/>
+  </p:clrMapOvr>
+</p:sld>
+</file>
+
+<file path=ppt/slides/slide46.xml><?xml version="1.0" encoding="utf-8"?>
+<p:sld xmlns:a="http://schemas.openxmlformats.org/drawingml/2006/main" xmlns:r="http://schemas.openxmlformats.org/officeDocument/2006/relationships" xmlns:p="http://schemas.openxmlformats.org/presentationml/2006/main">
+  <p:cSld>
+    <p:spTree>
+      <p:nvGrpSpPr>
+        <p:cNvPr id="1" name=""/>
+        <p:cNvGrpSpPr/>
+        <p:nvPr/>
+      </p:nvGrpSpPr>
+      <p:grpSpPr>
+        <a:xfrm>
+          <a:off x="0" y="0"/>
+          <a:ext cx="0" cy="0"/>
+          <a:chOff x="0" y="0"/>
+          <a:chExt cx="0" cy="0"/>
+        </a:xfrm>
+      </p:grpSpPr>
+      <p:sp>
+        <p:nvSpPr>
+          <p:cNvPr id="2" name="Title 1"/>
+          <p:cNvSpPr>
+            <a:spLocks noGrp="1"/>
+          </p:cNvSpPr>
+          <p:nvPr>
+            <p:ph type="title"/>
+          </p:nvPr>
+        </p:nvSpPr>
+        <p:spPr/>
+        <p:txBody>
+          <a:bodyPr/>
+          <a:lstStyle/>
+          <a:p>
+            <a:r>
+              <a:rPr lang="en-US" dirty="0" smtClean="0"/>
+              <a:t>Include/require</a:t>
+            </a:r>
+            <a:endParaRPr lang="en-US" dirty="0"/>
+          </a:p>
+        </p:txBody>
+      </p:sp>
+      <p:sp>
+        <p:nvSpPr>
+          <p:cNvPr id="3" name="Content Placeholder 2"/>
+          <p:cNvSpPr>
+            <a:spLocks noGrp="1"/>
+          </p:cNvSpPr>
+          <p:nvPr>
+            <p:ph idx="1"/>
+          </p:nvPr>
+        </p:nvSpPr>
+        <p:spPr/>
+        <p:txBody>
+          <a:bodyPr/>
+          <a:lstStyle/>
+          <a:p>
+            <a:r>
+              <a:rPr lang="en-US" dirty="0" err="1" smtClean="0"/>
+              <a:t>Dùng</a:t>
+            </a:r>
+            <a:r>
+              <a:rPr lang="en-US" dirty="0" smtClean="0"/>
+              <a:t> </a:t>
+            </a:r>
+            <a:r>
+              <a:rPr lang="en-US" dirty="0" err="1" smtClean="0"/>
+              <a:t>để</a:t>
+            </a:r>
+            <a:r>
+              <a:rPr lang="en-US" dirty="0" smtClean="0"/>
+              <a:t> load 1 file </a:t>
+            </a:r>
+            <a:r>
+              <a:rPr lang="en-US" dirty="0" err="1" smtClean="0"/>
+              <a:t>khác</a:t>
+            </a:r>
+            <a:r>
+              <a:rPr lang="en-US" dirty="0" smtClean="0"/>
+              <a:t> </a:t>
+            </a:r>
+            <a:r>
+              <a:rPr lang="en-US" dirty="0" err="1" smtClean="0"/>
+              <a:t>vào</a:t>
+            </a:r>
+            <a:r>
+              <a:rPr lang="en-US" dirty="0" smtClean="0"/>
+              <a:t> file </a:t>
+            </a:r>
+            <a:r>
+              <a:rPr lang="en-US" dirty="0" err="1" smtClean="0"/>
+              <a:t>hiện</a:t>
+            </a:r>
+            <a:r>
+              <a:rPr lang="en-US" dirty="0" smtClean="0"/>
+              <a:t> </a:t>
+            </a:r>
+            <a:r>
+              <a:rPr lang="en-US" dirty="0" err="1" smtClean="0"/>
+              <a:t>tại</a:t>
+            </a:r>
+            <a:r>
+              <a:rPr lang="en-US" dirty="0" smtClean="0"/>
+              <a:t>.</a:t>
+            </a:r>
+          </a:p>
+          <a:p>
+            <a:r>
+              <a:rPr lang="en-US" dirty="0" smtClean="0"/>
+              <a:t>Include </a:t>
+            </a:r>
+            <a:r>
+              <a:rPr lang="en-US" dirty="0" err="1" smtClean="0"/>
+              <a:t>cho</a:t>
+            </a:r>
+            <a:r>
+              <a:rPr lang="en-US" dirty="0" smtClean="0"/>
+              <a:t> </a:t>
+            </a:r>
+            <a:r>
+              <a:rPr lang="en-US" dirty="0" err="1" smtClean="0"/>
+              <a:t>phép</a:t>
+            </a:r>
+            <a:r>
+              <a:rPr lang="en-US" dirty="0" smtClean="0"/>
+              <a:t> file </a:t>
+            </a:r>
+            <a:r>
+              <a:rPr lang="en-US" dirty="0" err="1" smtClean="0"/>
+              <a:t>tiếp</a:t>
+            </a:r>
+            <a:r>
+              <a:rPr lang="en-US" dirty="0" smtClean="0"/>
+              <a:t> </a:t>
+            </a:r>
+            <a:r>
+              <a:rPr lang="en-US" dirty="0" err="1" smtClean="0"/>
+              <a:t>tục</a:t>
+            </a:r>
+            <a:r>
+              <a:rPr lang="en-US" dirty="0" smtClean="0"/>
+              <a:t> </a:t>
+            </a:r>
+            <a:r>
+              <a:rPr lang="en-US" dirty="0" err="1" smtClean="0"/>
+              <a:t>thực</a:t>
+            </a:r>
+            <a:r>
+              <a:rPr lang="en-US" dirty="0" smtClean="0"/>
+              <a:t> </a:t>
+            </a:r>
+            <a:r>
+              <a:rPr lang="en-US" dirty="0" err="1" smtClean="0"/>
+              <a:t>thi</a:t>
+            </a:r>
+            <a:r>
+              <a:rPr lang="en-US" dirty="0" smtClean="0"/>
+              <a:t> </a:t>
+            </a:r>
+            <a:r>
+              <a:rPr lang="en-US" dirty="0" err="1" smtClean="0"/>
+              <a:t>và</a:t>
+            </a:r>
+            <a:r>
+              <a:rPr lang="en-US" dirty="0" smtClean="0"/>
+              <a:t> </a:t>
+            </a:r>
+            <a:r>
+              <a:rPr lang="en-US" dirty="0" err="1" smtClean="0"/>
+              <a:t>chỉ</a:t>
+            </a:r>
+            <a:r>
+              <a:rPr lang="en-US" dirty="0" smtClean="0"/>
+              <a:t> </a:t>
+            </a:r>
+            <a:r>
+              <a:rPr lang="en-US" dirty="0" err="1" smtClean="0"/>
+              <a:t>hiện</a:t>
+            </a:r>
+            <a:r>
+              <a:rPr lang="en-US" dirty="0" smtClean="0"/>
+              <a:t> </a:t>
+            </a:r>
+            <a:r>
+              <a:rPr lang="en-US" dirty="0" err="1" smtClean="0"/>
+              <a:t>ra</a:t>
+            </a:r>
+            <a:r>
+              <a:rPr lang="en-US" dirty="0" smtClean="0"/>
+              <a:t> </a:t>
+            </a:r>
+            <a:r>
+              <a:rPr lang="en-US" dirty="0" err="1" smtClean="0"/>
+              <a:t>cảnh</a:t>
+            </a:r>
+            <a:r>
+              <a:rPr lang="en-US" dirty="0" smtClean="0"/>
+              <a:t> </a:t>
+            </a:r>
+            <a:r>
+              <a:rPr lang="en-US" dirty="0" err="1" smtClean="0"/>
+              <a:t>báo</a:t>
+            </a:r>
+            <a:r>
+              <a:rPr lang="en-US" dirty="0" smtClean="0"/>
+              <a:t> </a:t>
+            </a:r>
+            <a:r>
+              <a:rPr lang="en-US" dirty="0" err="1" smtClean="0"/>
+              <a:t>nếu</a:t>
+            </a:r>
+            <a:r>
+              <a:rPr lang="en-US" dirty="0" smtClean="0"/>
+              <a:t> </a:t>
+            </a:r>
+            <a:r>
+              <a:rPr lang="en-US" dirty="0" err="1" smtClean="0"/>
+              <a:t>không</a:t>
+            </a:r>
+            <a:r>
+              <a:rPr lang="en-US" dirty="0" smtClean="0"/>
+              <a:t> </a:t>
+            </a:r>
+            <a:r>
+              <a:rPr lang="en-US" dirty="0" err="1" smtClean="0"/>
+              <a:t>tim</a:t>
+            </a:r>
+            <a:r>
+              <a:rPr lang="en-US" dirty="0" smtClean="0"/>
+              <a:t> </a:t>
+            </a:r>
+            <a:r>
+              <a:rPr lang="en-US" dirty="0" err="1" smtClean="0"/>
+              <a:t>thấy</a:t>
+            </a:r>
+            <a:r>
+              <a:rPr lang="en-US" dirty="0" smtClean="0"/>
+              <a:t> file include </a:t>
+            </a:r>
+            <a:r>
+              <a:rPr lang="en-US" dirty="0" err="1" smtClean="0"/>
+              <a:t>hoặc</a:t>
+            </a:r>
+            <a:r>
+              <a:rPr lang="en-US" dirty="0" smtClean="0"/>
+              <a:t> file include </a:t>
+            </a:r>
+            <a:r>
+              <a:rPr lang="en-US" dirty="0" err="1" smtClean="0"/>
+              <a:t>bị</a:t>
+            </a:r>
+            <a:r>
+              <a:rPr lang="en-US" dirty="0" smtClean="0"/>
+              <a:t> </a:t>
+            </a:r>
+            <a:r>
+              <a:rPr lang="en-US" dirty="0" err="1" smtClean="0"/>
+              <a:t>lỗi</a:t>
+            </a:r>
+            <a:endParaRPr lang="en-US" dirty="0" smtClean="0"/>
+          </a:p>
+          <a:p>
+            <a:r>
+              <a:rPr lang="en-US" dirty="0" smtClean="0"/>
+              <a:t>Require </a:t>
+            </a:r>
+            <a:r>
+              <a:rPr lang="en-US" dirty="0" err="1" smtClean="0"/>
+              <a:t>không</a:t>
+            </a:r>
+            <a:r>
+              <a:rPr lang="en-US" dirty="0" smtClean="0"/>
+              <a:t> </a:t>
+            </a:r>
+            <a:r>
+              <a:rPr lang="en-US" dirty="0" err="1" smtClean="0"/>
+              <a:t>cho</a:t>
+            </a:r>
+            <a:r>
+              <a:rPr lang="en-US" dirty="0" smtClean="0"/>
+              <a:t> </a:t>
+            </a:r>
+            <a:r>
+              <a:rPr lang="en-US" dirty="0" err="1" smtClean="0"/>
+              <a:t>phép</a:t>
+            </a:r>
+            <a:r>
+              <a:rPr lang="en-US" dirty="0" smtClean="0"/>
+              <a:t> file </a:t>
+            </a:r>
+            <a:r>
+              <a:rPr lang="en-US" dirty="0" err="1" smtClean="0"/>
+              <a:t>tiếp</a:t>
+            </a:r>
+            <a:r>
+              <a:rPr lang="en-US" dirty="0" smtClean="0"/>
+              <a:t> </a:t>
+            </a:r>
+            <a:r>
+              <a:rPr lang="en-US" dirty="0" err="1" smtClean="0"/>
+              <a:t>tục</a:t>
+            </a:r>
+            <a:r>
+              <a:rPr lang="en-US" dirty="0" smtClean="0"/>
+              <a:t> </a:t>
+            </a:r>
+            <a:r>
+              <a:rPr lang="en-US" dirty="0" err="1" smtClean="0"/>
+              <a:t>thực</a:t>
+            </a:r>
+            <a:r>
+              <a:rPr lang="en-US" dirty="0" smtClean="0"/>
+              <a:t> </a:t>
+            </a:r>
+            <a:r>
+              <a:rPr lang="en-US" dirty="0" err="1" smtClean="0"/>
+              <a:t>thi</a:t>
+            </a:r>
+            <a:r>
+              <a:rPr lang="en-US" dirty="0" smtClean="0"/>
+              <a:t> </a:t>
+            </a:r>
+            <a:r>
+              <a:rPr lang="en-US" dirty="0" err="1" smtClean="0"/>
+              <a:t>nếu</a:t>
+            </a:r>
+            <a:r>
+              <a:rPr lang="en-US" dirty="0" smtClean="0"/>
+              <a:t> </a:t>
+            </a:r>
+            <a:r>
+              <a:rPr lang="en-US" dirty="0" err="1" smtClean="0"/>
+              <a:t>không</a:t>
+            </a:r>
+            <a:r>
+              <a:rPr lang="en-US" dirty="0" smtClean="0"/>
+              <a:t> </a:t>
+            </a:r>
+            <a:r>
+              <a:rPr lang="en-US" dirty="0" err="1" smtClean="0"/>
+              <a:t>tìm</a:t>
+            </a:r>
+            <a:r>
+              <a:rPr lang="en-US" dirty="0" smtClean="0"/>
+              <a:t> </a:t>
+            </a:r>
+            <a:r>
+              <a:rPr lang="en-US" dirty="0" err="1" smtClean="0"/>
+              <a:t>thấy</a:t>
+            </a:r>
+            <a:r>
+              <a:rPr lang="en-US" dirty="0" smtClean="0"/>
+              <a:t> file require </a:t>
+            </a:r>
+            <a:r>
+              <a:rPr lang="en-US" dirty="0" err="1" smtClean="0"/>
+              <a:t>hoặc</a:t>
+            </a:r>
+            <a:r>
+              <a:rPr lang="en-US" dirty="0" smtClean="0"/>
+              <a:t> file require </a:t>
+            </a:r>
+            <a:r>
+              <a:rPr lang="en-US" dirty="0" err="1" smtClean="0"/>
+              <a:t>bị</a:t>
+            </a:r>
+            <a:r>
+              <a:rPr lang="en-US" dirty="0" smtClean="0"/>
+              <a:t> </a:t>
+            </a:r>
+            <a:r>
+              <a:rPr lang="en-US" dirty="0" err="1" smtClean="0"/>
+              <a:t>lỗi</a:t>
+            </a:r>
+            <a:r>
+              <a:rPr lang="en-US" dirty="0" smtClean="0"/>
+              <a:t>.</a:t>
+            </a:r>
+            <a:endParaRPr lang="en-US" dirty="0"/>
+          </a:p>
+        </p:txBody>
+      </p:sp>
+      <p:sp>
+        <p:nvSpPr>
+          <p:cNvPr id="4" name="Date Placeholder 3"/>
+          <p:cNvSpPr>
+            <a:spLocks noGrp="1"/>
+          </p:cNvSpPr>
+          <p:nvPr>
+            <p:ph type="dt" sz="half" idx="10"/>
+          </p:nvPr>
+        </p:nvSpPr>
+        <p:spPr/>
+        <p:txBody>
+          <a:bodyPr/>
+          <a:lstStyle/>
+          <a:p>
+            <a:fld id="{8061A8BA-F01F-4FDA-B1AB-79EA6C2D3C2F}" type="datetime1">
+              <a:rPr lang="en-US" smtClean="0"/>
+              <a:t>1/14/2016</a:t>
+            </a:fld>
+            <a:endParaRPr lang="en-US"/>
+          </a:p>
+        </p:txBody>
+      </p:sp>
+      <p:sp>
+        <p:nvSpPr>
+          <p:cNvPr id="5" name="Footer Placeholder 4"/>
+          <p:cNvSpPr>
+            <a:spLocks noGrp="1"/>
+          </p:cNvSpPr>
+          <p:nvPr>
+            <p:ph type="ftr" sz="quarter" idx="11"/>
+          </p:nvPr>
+        </p:nvSpPr>
+        <p:spPr/>
+        <p:txBody>
+          <a:bodyPr/>
+          <a:lstStyle/>
+          <a:p>
+            <a:r>
+              <a:rPr lang="en-US" smtClean="0"/>
+              <a:t>Edited by Phạm Linh Huy</a:t>
+            </a:r>
+            <a:endParaRPr lang="en-US" dirty="0"/>
+          </a:p>
+        </p:txBody>
+      </p:sp>
+      <p:sp>
+        <p:nvSpPr>
+          <p:cNvPr id="6" name="Slide Number Placeholder 5"/>
+          <p:cNvSpPr>
+            <a:spLocks noGrp="1"/>
+          </p:cNvSpPr>
+          <p:nvPr>
+            <p:ph type="sldNum" sz="quarter" idx="12"/>
+          </p:nvPr>
+        </p:nvSpPr>
+        <p:spPr/>
+        <p:txBody>
+          <a:bodyPr/>
+          <a:lstStyle/>
+          <a:p>
+            <a:fld id="{6CB5AA68-9AC4-4281-94D7-C40BEFF93EC5}" type="slidenum">
+              <a:rPr lang="en-US" smtClean="0"/>
+              <a:t>46</a:t>
+            </a:fld>
+            <a:endParaRPr lang="en-US"/>
+          </a:p>
+        </p:txBody>
+      </p:sp>
+    </p:spTree>
+    <p:extLst>
+      <p:ext uri="{BB962C8B-B14F-4D97-AF65-F5344CB8AC3E}">
+        <p14:creationId xmlns:p14="http://schemas.microsoft.com/office/powerpoint/2010/main" val="3454111984"/>
+      </p:ext>
+    </p:extLst>
+  </p:cSld>
+  <p:clrMapOvr>
+    <a:masterClrMapping/>
+  </p:clrMapOvr>
+</p:sld>
+</file>
+
+<file path=ppt/slides/slide47.xml><?xml version="1.0" encoding="utf-8"?>
+<p:sld xmlns:a="http://schemas.openxmlformats.org/drawingml/2006/main" xmlns:r="http://schemas.openxmlformats.org/officeDocument/2006/relationships" xmlns:p="http://schemas.openxmlformats.org/presentationml/2006/main">
+  <p:cSld>
+    <p:spTree>
+      <p:nvGrpSpPr>
+        <p:cNvPr id="1" name=""/>
+        <p:cNvGrpSpPr/>
+        <p:nvPr/>
+      </p:nvGrpSpPr>
+      <p:grpSpPr>
+        <a:xfrm>
+          <a:off x="0" y="0"/>
+          <a:ext cx="0" cy="0"/>
+          <a:chOff x="0" y="0"/>
+          <a:chExt cx="0" cy="0"/>
+        </a:xfrm>
+      </p:grpSpPr>
+      <p:sp>
+        <p:nvSpPr>
+          <p:cNvPr id="2" name="Title 1"/>
+          <p:cNvSpPr>
+            <a:spLocks noGrp="1"/>
+          </p:cNvSpPr>
+          <p:nvPr>
+            <p:ph type="title"/>
+          </p:nvPr>
+        </p:nvSpPr>
+        <p:spPr/>
+        <p:txBody>
+          <a:bodyPr/>
+          <a:lstStyle/>
+          <a:p>
+            <a:r>
+              <a:rPr lang="en-US" dirty="0" smtClean="0"/>
+              <a:t>Include/Require</a:t>
+            </a:r>
+            <a:endParaRPr lang="en-US" dirty="0"/>
+          </a:p>
+        </p:txBody>
+      </p:sp>
+      <p:sp>
+        <p:nvSpPr>
+          <p:cNvPr id="3" name="Content Placeholder 2"/>
+          <p:cNvSpPr>
+            <a:spLocks noGrp="1"/>
+          </p:cNvSpPr>
+          <p:nvPr>
+            <p:ph idx="1"/>
+          </p:nvPr>
+        </p:nvSpPr>
+        <p:spPr/>
+        <p:txBody>
+          <a:bodyPr>
+            <a:normAutofit fontScale="62500" lnSpcReduction="20000"/>
+          </a:bodyPr>
+          <a:lstStyle/>
+          <a:p>
+            <a:pPr marL="0" indent="0">
+              <a:buNone/>
+            </a:pPr>
+            <a:r>
+              <a:rPr lang="en-US" b="1" dirty="0" smtClean="0"/>
+              <a:t>File PHP</a:t>
+            </a:r>
+          </a:p>
+          <a:p>
+            <a:pPr marL="0" indent="0">
+              <a:buNone/>
+            </a:pPr>
+            <a:r>
+              <a:rPr lang="en-US" dirty="0" smtClean="0"/>
+              <a:t>&lt;?</a:t>
+            </a:r>
+            <a:r>
+              <a:rPr lang="en-US" dirty="0" err="1"/>
+              <a:t>php</a:t>
+            </a:r>
+            <a:r>
+              <a:rPr lang="en-US" dirty="0"/>
+              <a:t/>
+            </a:r>
+            <a:br>
+              <a:rPr lang="en-US" dirty="0"/>
+            </a:br>
+            <a:r>
+              <a:rPr lang="en-US" dirty="0"/>
+              <a:t>echo "&lt;p&gt;Copyright &amp;copy; 1999-" . date("Y") . " W3Schools.com&lt;/p&gt;";</a:t>
+            </a:r>
+            <a:r>
+              <a:rPr lang="en-US" dirty="0"/>
+              <a:t/>
+            </a:r>
+            <a:br>
+              <a:rPr lang="en-US" dirty="0"/>
+            </a:br>
+            <a:r>
+              <a:rPr lang="en-US" dirty="0" smtClean="0"/>
+              <a:t>?&gt;</a:t>
+            </a:r>
+          </a:p>
+          <a:p>
+            <a:pPr marL="0" indent="0">
+              <a:buNone/>
+            </a:pPr>
+            <a:r>
+              <a:rPr lang="en-US" b="1" dirty="0" smtClean="0"/>
+              <a:t>File HTML</a:t>
+            </a:r>
+          </a:p>
+          <a:p>
+            <a:pPr marL="0" indent="0">
+              <a:buNone/>
+            </a:pPr>
+            <a:r>
+              <a:rPr lang="en-US" dirty="0"/>
+              <a:t>&lt;html&gt;</a:t>
+            </a:r>
+            <a:r>
+              <a:rPr lang="en-US" dirty="0"/>
+              <a:t/>
+            </a:r>
+            <a:br>
+              <a:rPr lang="en-US" dirty="0"/>
+            </a:br>
+            <a:r>
+              <a:rPr lang="en-US" dirty="0"/>
+              <a:t>&lt;body&gt;</a:t>
+            </a:r>
+            <a:r>
+              <a:rPr lang="en-US" dirty="0"/>
+              <a:t/>
+            </a:r>
+            <a:br>
+              <a:rPr lang="en-US" dirty="0"/>
+            </a:br>
+            <a:r>
+              <a:rPr lang="en-US" dirty="0"/>
+              <a:t/>
+            </a:r>
+            <a:br>
+              <a:rPr lang="en-US" dirty="0"/>
+            </a:br>
+            <a:r>
+              <a:rPr lang="en-US" dirty="0"/>
+              <a:t>&lt;h1&gt;Welcome to my home page!&lt;/h1&gt;</a:t>
+            </a:r>
+            <a:r>
+              <a:rPr lang="en-US" dirty="0"/>
+              <a:t/>
+            </a:r>
+            <a:br>
+              <a:rPr lang="en-US" dirty="0"/>
+            </a:br>
+            <a:r>
+              <a:rPr lang="en-US" dirty="0"/>
+              <a:t>&lt;p&gt;Some text.&lt;/p&gt;</a:t>
+            </a:r>
+            <a:r>
+              <a:rPr lang="en-US" dirty="0"/>
+              <a:t/>
+            </a:r>
+            <a:br>
+              <a:rPr lang="en-US" dirty="0"/>
+            </a:br>
+            <a:r>
+              <a:rPr lang="en-US" dirty="0"/>
+              <a:t>&lt;p&gt;Some more text.&lt;/p&gt;</a:t>
+            </a:r>
+            <a:r>
+              <a:rPr lang="en-US" dirty="0"/>
+              <a:t/>
+            </a:r>
+            <a:br>
+              <a:rPr lang="en-US" dirty="0"/>
+            </a:br>
+            <a:r>
+              <a:rPr lang="en-US" dirty="0"/>
+              <a:t>&lt;?</a:t>
+            </a:r>
+            <a:r>
+              <a:rPr lang="en-US" dirty="0" err="1"/>
+              <a:t>php</a:t>
+            </a:r>
+            <a:r>
+              <a:rPr lang="en-US" dirty="0"/>
+              <a:t> include '</a:t>
+            </a:r>
+            <a:r>
+              <a:rPr lang="en-US" dirty="0" err="1"/>
+              <a:t>footer.php</a:t>
+            </a:r>
+            <a:r>
+              <a:rPr lang="en-US" dirty="0"/>
+              <a:t>';?&gt;</a:t>
+            </a:r>
+            <a:r>
+              <a:rPr lang="en-US" dirty="0"/>
+              <a:t/>
+            </a:r>
+            <a:br>
+              <a:rPr lang="en-US" dirty="0"/>
+            </a:br>
+            <a:r>
+              <a:rPr lang="en-US" dirty="0"/>
+              <a:t/>
+            </a:r>
+            <a:br>
+              <a:rPr lang="en-US" dirty="0"/>
+            </a:br>
+            <a:r>
+              <a:rPr lang="en-US" dirty="0"/>
+              <a:t>&lt;/body&gt;</a:t>
+            </a:r>
+            <a:r>
+              <a:rPr lang="en-US" dirty="0"/>
+              <a:t/>
+            </a:r>
+            <a:br>
+              <a:rPr lang="en-US" dirty="0"/>
+            </a:br>
+            <a:r>
+              <a:rPr lang="en-US" dirty="0"/>
+              <a:t>&lt;/html&gt;</a:t>
+            </a:r>
+            <a:endParaRPr lang="en-US" dirty="0"/>
+          </a:p>
+        </p:txBody>
+      </p:sp>
+      <p:sp>
+        <p:nvSpPr>
+          <p:cNvPr id="4" name="Date Placeholder 3"/>
+          <p:cNvSpPr>
+            <a:spLocks noGrp="1"/>
+          </p:cNvSpPr>
+          <p:nvPr>
+            <p:ph type="dt" sz="half" idx="10"/>
+          </p:nvPr>
+        </p:nvSpPr>
+        <p:spPr/>
+        <p:txBody>
+          <a:bodyPr/>
+          <a:lstStyle/>
+          <a:p>
+            <a:fld id="{8061A8BA-F01F-4FDA-B1AB-79EA6C2D3C2F}" type="datetime1">
+              <a:rPr lang="en-US" smtClean="0"/>
+              <a:t>1/14/2016</a:t>
+            </a:fld>
+            <a:endParaRPr lang="en-US"/>
+          </a:p>
+        </p:txBody>
+      </p:sp>
+      <p:sp>
+        <p:nvSpPr>
+          <p:cNvPr id="5" name="Footer Placeholder 4"/>
+          <p:cNvSpPr>
+            <a:spLocks noGrp="1"/>
+          </p:cNvSpPr>
+          <p:nvPr>
+            <p:ph type="ftr" sz="quarter" idx="11"/>
+          </p:nvPr>
+        </p:nvSpPr>
+        <p:spPr/>
+        <p:txBody>
+          <a:bodyPr/>
+          <a:lstStyle/>
+          <a:p>
+            <a:r>
+              <a:rPr lang="en-US" smtClean="0"/>
+              <a:t>Edited by Phạm Linh Huy</a:t>
+            </a:r>
+            <a:endParaRPr lang="en-US" dirty="0"/>
+          </a:p>
+        </p:txBody>
+      </p:sp>
+      <p:sp>
+        <p:nvSpPr>
+          <p:cNvPr id="6" name="Slide Number Placeholder 5"/>
+          <p:cNvSpPr>
+            <a:spLocks noGrp="1"/>
+          </p:cNvSpPr>
+          <p:nvPr>
+            <p:ph type="sldNum" sz="quarter" idx="12"/>
+          </p:nvPr>
+        </p:nvSpPr>
+        <p:spPr/>
+        <p:txBody>
+          <a:bodyPr/>
+          <a:lstStyle/>
+          <a:p>
+            <a:fld id="{6CB5AA68-9AC4-4281-94D7-C40BEFF93EC5}" type="slidenum">
+              <a:rPr lang="en-US" smtClean="0"/>
+              <a:t>47</a:t>
+            </a:fld>
+            <a:endParaRPr lang="en-US"/>
+          </a:p>
+        </p:txBody>
+      </p:sp>
+    </p:spTree>
+    <p:extLst>
+      <p:ext uri="{BB962C8B-B14F-4D97-AF65-F5344CB8AC3E}">
+        <p14:creationId xmlns:p14="http://schemas.microsoft.com/office/powerpoint/2010/main" val="3723423095"/>
       </p:ext>
     </p:extLst>
   </p:cSld>
@@ -22303,7 +27210,7 @@
           <a:p>
             <a:fld id="{8061A8BA-F01F-4FDA-B1AB-79EA6C2D3C2F}" type="datetime1">
               <a:rPr lang="en-US" smtClean="0"/>
-              <a:t>1/5/2016</a:t>
+              <a:t>1/14/2016</a:t>
             </a:fld>
             <a:endParaRPr lang="en-US"/>
           </a:p>
@@ -22464,7 +27371,7 @@
           <a:p>
             <a:fld id="{8061A8BA-F01F-4FDA-B1AB-79EA6C2D3C2F}" type="datetime1">
               <a:rPr lang="en-US" smtClean="0"/>
-              <a:t>1/5/2016</a:t>
+              <a:t>1/14/2016</a:t>
             </a:fld>
             <a:endParaRPr lang="en-US"/>
           </a:p>
@@ -22772,15 +27679,7 @@
                   <a:srgbClr val="C00000"/>
                 </a:solidFill>
               </a:rPr>
-              <a:t>http</a:t>
-            </a:r>
-            <a:r>
-              <a:rPr lang="en-US" dirty="0">
-                <a:solidFill>
-                  <a:srgbClr val="C00000"/>
-                </a:solidFill>
-              </a:rPr>
-              <a:t>://www.writephponline.com/</a:t>
+              <a:t>http://www.writephponline.com/</a:t>
             </a:r>
           </a:p>
         </p:txBody>
@@ -22802,7 +27701,7 @@
           <a:p>
             <a:fld id="{8061A8BA-F01F-4FDA-B1AB-79EA6C2D3C2F}" type="datetime1">
               <a:rPr lang="en-US" smtClean="0"/>
-              <a:t>1/5/2016</a:t>
+              <a:t>1/14/2016</a:t>
             </a:fld>
             <a:endParaRPr lang="en-US"/>
           </a:p>
@@ -22999,7 +27898,7 @@
           <a:p>
             <a:fld id="{8061A8BA-F01F-4FDA-B1AB-79EA6C2D3C2F}" type="datetime1">
               <a:rPr lang="en-US" smtClean="0"/>
-              <a:t>1/5/2016</a:t>
+              <a:t>1/14/2016</a:t>
             </a:fld>
             <a:endParaRPr lang="en-US"/>
           </a:p>
@@ -23429,7 +28328,7 @@
           <a:p>
             <a:fld id="{8061A8BA-F01F-4FDA-B1AB-79EA6C2D3C2F}" type="datetime1">
               <a:rPr lang="en-US" smtClean="0"/>
-              <a:t>1/5/2016</a:t>
+              <a:t>1/14/2016</a:t>
             </a:fld>
             <a:endParaRPr lang="en-US"/>
           </a:p>
